--- a/poster.pptx
+++ b/poster.pptx
@@ -3260,7 +3260,7 @@
               <a:t>Bienen School of Music, </a:t>
             </a:r>
             <a:r>
-              <a:rPr lang="en-US" sz="2800" baseline="30000" dirty="0">
+              <a:rPr lang="en-US" sz="2800" baseline="30000">
                 <a:solidFill>
                   <a:schemeClr val="accent3">
                     <a:lumMod val="20000"/>
@@ -3272,7 +3272,7 @@
               <a:t>3</a:t>
             </a:r>
             <a:r>
-              <a:rPr lang="en-US" sz="2800" dirty="0">
+              <a:rPr lang="en-US" sz="2800">
                 <a:solidFill>
                   <a:schemeClr val="accent3">
                     <a:lumMod val="20000"/>
@@ -3281,7 +3281,19 @@
                 </a:solidFill>
                 <a:latin typeface="+mn-lt"/>
               </a:rPr>
-              <a:t>Weinberg of Arts and Sciences</a:t>
+              <a:t>Weinberg College of </a:t>
+            </a:r>
+            <a:r>
+              <a:rPr lang="en-US" sz="2800" dirty="0">
+                <a:solidFill>
+                  <a:schemeClr val="accent3">
+                    <a:lumMod val="20000"/>
+                    <a:lumOff val="80000"/>
+                  </a:schemeClr>
+                </a:solidFill>
+                <a:latin typeface="+mn-lt"/>
+              </a:rPr>
+              <a:t>Arts and Sciences</a:t>
             </a:r>
           </a:p>
         </p:txBody>
@@ -3426,7 +3438,28 @@
               <a:rPr lang="en-US" sz="2400" dirty="0"/>
               <a:t>. "Multiple scale music segmentation using rhythm, timbre, and harmony." EURASIP Journal on Applied Signal Processing 2007.1 (2007): 159-159.</a:t>
             </a:r>
-            <a:endParaRPr lang="en-US" sz="2400" dirty="0"/>
+          </a:p>
+          <a:p>
+            <a:pPr marL="244855" indent="-244855">
+              <a:buFont typeface="+mj-lt"/>
+              <a:buAutoNum type="arabicPeriod"/>
+            </a:pPr>
+            <a:r>
+              <a:rPr lang="en-US" sz="2400" dirty="0" err="1"/>
+              <a:t>Couvreur</a:t>
+            </a:r>
+            <a:r>
+              <a:rPr lang="en-US" sz="2400" dirty="0"/>
+              <a:t>, Laurent, et al. "Audio thumbnailing." QPSR of the </a:t>
+            </a:r>
+            <a:r>
+              <a:rPr lang="en-US" sz="2400" dirty="0" err="1"/>
+              <a:t>numediart</a:t>
+            </a:r>
+            <a:r>
+              <a:rPr lang="en-US" sz="2400" dirty="0"/>
+              <a:t> research program 1 (2008): 67-85.</a:t>
+            </a:r>
           </a:p>
         </p:txBody>
       </p:sp>
@@ -3470,7 +3503,7 @@
         <p:spPr bwMode="auto">
           <a:xfrm>
             <a:off x="1097280" y="3657600"/>
-            <a:ext cx="9875520" cy="3275563"/>
+            <a:ext cx="9875520" cy="3337118"/>
           </a:xfrm>
           <a:prstGeom prst="rect">
             <a:avLst/>
@@ -3610,20 +3643,29 @@
               <a:rPr lang="en-US" sz="2000" dirty="0">
                 <a:latin typeface="Calibri" pitchFamily="34" charset="0"/>
               </a:rPr>
-              <a:t>We implement the work of Jensen 2007, in which a self-similarity matrix of timbre features was used to automatically segment music.  A shortest path algorithm is implemented on a graph of potential segment boundaries with weights as the cost of computing segments.  We are able to </a:t>
+              <a:t>We implement the work of Jensen 2007, in which a self-similarity matrix of timbre features was used to automatically segment music</a:t>
+            </a:r>
+            <a:r>
+              <a:rPr lang="en-US" sz="2000" baseline="30000" dirty="0">
+                <a:latin typeface="Calibri" pitchFamily="34" charset="0"/>
+              </a:rPr>
+              <a:t>1</a:t>
+            </a:r>
+            <a:r>
+              <a:rPr lang="en-US" sz="2000" dirty="0">
+                <a:latin typeface="Calibri" pitchFamily="34" charset="0"/>
+              </a:rPr>
+              <a:t>.  A shortest path algorithm is implemented on a graph of potential segment boundaries with weights as the cost of computing segments.  We are able to </a:t>
             </a:r>
             <a:r>
               <a:rPr lang="en-US" sz="2000" b="1" dirty="0">
                 <a:latin typeface="Calibri" pitchFamily="34" charset="0"/>
               </a:rPr>
-              <a:t>INSERT SOMETHING ABOUT HOW WELL THIS WORKS</a:t>
-            </a:r>
-            <a:r>
-              <a:rPr lang="en-US" sz="2000" dirty="0">
-                <a:latin typeface="Calibri" pitchFamily="34" charset="0"/>
-              </a:rPr>
-              <a:t>. </a:t>
-            </a:r>
+              <a:t>INSERT SOMETHING ABOUT HOW WELL THIS WORKS TAKE UP LIKE THREE LINES.</a:t>
+            </a:r>
+            <a:endParaRPr lang="en-US" sz="2000" dirty="0">
+              <a:latin typeface="Calibri" pitchFamily="34" charset="0"/>
+            </a:endParaRPr>
           </a:p>
         </p:txBody>
       </p:sp>
@@ -3971,209 +4013,460 @@
                   </a:schemeClr>
                 </a:solidFill>
               </a:rPr>
-              <a:t>Introduction</a:t>
+              <a:t>Music Representations</a:t>
             </a:r>
           </a:p>
         </p:txBody>
       </p:sp>
-      <p:sp>
-        <p:nvSpPr>
-          <p:cNvPr id="13" name="Text Box 192"/>
-          <p:cNvSpPr txBox="1">
-            <a:spLocks noChangeArrowheads="1"/>
-          </p:cNvSpPr>
-          <p:nvPr/>
-        </p:nvSpPr>
-        <p:spPr bwMode="auto">
-          <a:xfrm>
-            <a:off x="11521440" y="3657600"/>
-            <a:ext cx="9875520" cy="4198892"/>
-          </a:xfrm>
-          <a:prstGeom prst="rect">
-            <a:avLst/>
-          </a:prstGeom>
-          <a:solidFill>
-            <a:schemeClr val="bg1"/>
-          </a:solidFill>
-          <a:ln w="12700">
-            <a:solidFill>
-              <a:schemeClr val="accent1">
-                <a:lumMod val="75000"/>
-              </a:schemeClr>
-            </a:solidFill>
-          </a:ln>
-          <a:effectLst/>
-        </p:spPr>
-        <p:txBody>
-          <a:bodyPr lIns="97942" tIns="97942" rIns="97942" bIns="97942">
-            <a:spAutoFit/>
-          </a:bodyPr>
-          <a:lstStyle>
-            <a:lvl1pPr eaLnBrk="0" hangingPunct="0">
-              <a:defRPr sz="2200">
-                <a:solidFill>
-                  <a:schemeClr val="tx1"/>
-                </a:solidFill>
-                <a:latin typeface="Arial" charset="0"/>
-              </a:defRPr>
-            </a:lvl1pPr>
-            <a:lvl2pPr marL="742950" indent="-285750" eaLnBrk="0" hangingPunct="0">
-              <a:defRPr sz="2200">
-                <a:solidFill>
-                  <a:schemeClr val="tx1"/>
-                </a:solidFill>
-                <a:latin typeface="Arial" charset="0"/>
-              </a:defRPr>
-            </a:lvl2pPr>
-            <a:lvl3pPr marL="1143000" indent="-228600" eaLnBrk="0" hangingPunct="0">
-              <a:defRPr sz="2200">
-                <a:solidFill>
-                  <a:schemeClr val="tx1"/>
-                </a:solidFill>
-                <a:latin typeface="Arial" charset="0"/>
-              </a:defRPr>
-            </a:lvl3pPr>
-            <a:lvl4pPr marL="1600200" indent="-228600" eaLnBrk="0" hangingPunct="0">
-              <a:defRPr sz="2200">
-                <a:solidFill>
-                  <a:schemeClr val="tx1"/>
-                </a:solidFill>
-                <a:latin typeface="Arial" charset="0"/>
-              </a:defRPr>
-            </a:lvl4pPr>
-            <a:lvl5pPr marL="2057400" indent="-228600" eaLnBrk="0" hangingPunct="0">
-              <a:defRPr sz="2200">
-                <a:solidFill>
-                  <a:schemeClr val="tx1"/>
-                </a:solidFill>
-                <a:latin typeface="Arial" charset="0"/>
-              </a:defRPr>
-            </a:lvl5pPr>
-            <a:lvl6pPr marL="2514600" indent="-228600" eaLnBrk="0" fontAlgn="base" hangingPunct="0">
-              <a:spcBef>
-                <a:spcPct val="0"/>
-              </a:spcBef>
-              <a:spcAft>
-                <a:spcPct val="0"/>
-              </a:spcAft>
-              <a:defRPr sz="2200">
-                <a:solidFill>
-                  <a:schemeClr val="tx1"/>
-                </a:solidFill>
-                <a:latin typeface="Arial" charset="0"/>
-              </a:defRPr>
-            </a:lvl6pPr>
-            <a:lvl7pPr marL="2971800" indent="-228600" eaLnBrk="0" fontAlgn="base" hangingPunct="0">
-              <a:spcBef>
-                <a:spcPct val="0"/>
-              </a:spcBef>
-              <a:spcAft>
-                <a:spcPct val="0"/>
-              </a:spcAft>
-              <a:defRPr sz="2200">
-                <a:solidFill>
-                  <a:schemeClr val="tx1"/>
-                </a:solidFill>
-                <a:latin typeface="Arial" charset="0"/>
-              </a:defRPr>
-            </a:lvl7pPr>
-            <a:lvl8pPr marL="3429000" indent="-228600" eaLnBrk="0" fontAlgn="base" hangingPunct="0">
-              <a:spcBef>
-                <a:spcPct val="0"/>
-              </a:spcBef>
-              <a:spcAft>
-                <a:spcPct val="0"/>
-              </a:spcAft>
-              <a:defRPr sz="2200">
-                <a:solidFill>
-                  <a:schemeClr val="tx1"/>
-                </a:solidFill>
-                <a:latin typeface="Arial" charset="0"/>
-              </a:defRPr>
-            </a:lvl8pPr>
-            <a:lvl9pPr marL="3886200" indent="-228600" eaLnBrk="0" fontAlgn="base" hangingPunct="0">
-              <a:spcBef>
-                <a:spcPct val="0"/>
-              </a:spcBef>
-              <a:spcAft>
-                <a:spcPct val="0"/>
-              </a:spcAft>
-              <a:defRPr sz="2200">
-                <a:solidFill>
-                  <a:schemeClr val="tx1"/>
-                </a:solidFill>
-                <a:latin typeface="Arial" charset="0"/>
-              </a:defRPr>
-            </a:lvl9pPr>
-          </a:lstStyle>
-          <a:p>
-            <a:pPr eaLnBrk="1" hangingPunct="1"/>
-            <a:r>
-              <a:rPr lang="en-US" sz="2000" dirty="0">
-                <a:latin typeface="Calibri" pitchFamily="34" charset="0"/>
-              </a:rPr>
-              <a:t>Click here to insert your Methods and Materials text. Type it in or copy and paste from your Word document or other source.</a:t>
-            </a:r>
-          </a:p>
-          <a:p>
-            <a:pPr eaLnBrk="1" hangingPunct="1"/>
-            <a:endParaRPr lang="en-US" sz="2000" dirty="0">
-              <a:latin typeface="Calibri" pitchFamily="34" charset="0"/>
-            </a:endParaRPr>
-          </a:p>
-          <a:p>
-            <a:pPr eaLnBrk="1" hangingPunct="1"/>
-            <a:r>
-              <a:rPr lang="en-US" sz="2000" dirty="0">
-                <a:latin typeface="Calibri" pitchFamily="34" charset="0"/>
-              </a:rPr>
-              <a:t>This text box will automatically re-size to your text. To turn off that feature, right click inside this box and go to </a:t>
-            </a:r>
-            <a:r>
-              <a:rPr lang="en-US" sz="2000" b="1" dirty="0">
-                <a:latin typeface="Calibri" pitchFamily="34" charset="0"/>
-              </a:rPr>
-              <a:t>Format Shape, Text Box, Autofit</a:t>
-            </a:r>
-            <a:r>
-              <a:rPr lang="en-US" sz="2000" dirty="0">
-                <a:latin typeface="Calibri" pitchFamily="34" charset="0"/>
-              </a:rPr>
-              <a:t>, and select the “Do Not Autofit” radio button.</a:t>
-            </a:r>
-          </a:p>
-          <a:p>
-            <a:pPr eaLnBrk="1" hangingPunct="1"/>
-            <a:endParaRPr lang="en-US" sz="2000" dirty="0">
-              <a:latin typeface="Calibri" pitchFamily="34" charset="0"/>
-            </a:endParaRPr>
-          </a:p>
-          <a:p>
-            <a:pPr eaLnBrk="1" hangingPunct="1"/>
-            <a:r>
-              <a:rPr lang="en-US" sz="2000" dirty="0">
-                <a:latin typeface="Calibri" pitchFamily="34" charset="0"/>
-              </a:rPr>
-              <a:t>To change the font style of this text box: Click on the border once to highlight the entire text box, then select a different font or font size that suits you. This text is Calibri 20pt and is easily read up to 3 feet away on a 24x36 poster, and up to 6 feet away on a 48x72 poster.</a:t>
-            </a:r>
-          </a:p>
-          <a:p>
-            <a:pPr eaLnBrk="1" hangingPunct="1"/>
-            <a:endParaRPr lang="en-US" sz="2000" dirty="0">
-              <a:latin typeface="Calibri" pitchFamily="34" charset="0"/>
-            </a:endParaRPr>
-          </a:p>
-          <a:p>
-            <a:pPr eaLnBrk="1" hangingPunct="1"/>
-            <a:r>
-              <a:rPr lang="en-US" sz="2000" dirty="0">
-                <a:latin typeface="Calibri" pitchFamily="34" charset="0"/>
-              </a:rPr>
-              <a:t>Zoom out to 100% (for 24x36) or 200% (for 48x72) to preview what this will look like on your printed poster.</a:t>
-            </a:r>
-          </a:p>
-        </p:txBody>
-      </p:sp>
+      <mc:AlternateContent xmlns:mc="http://schemas.openxmlformats.org/markup-compatibility/2006" xmlns:a14="http://schemas.microsoft.com/office/drawing/2010/main">
+        <mc:Choice Requires="a14">
+          <p:sp>
+            <p:nvSpPr>
+              <p:cNvPr id="13" name="Text Box 192"/>
+              <p:cNvSpPr txBox="1">
+                <a:spLocks noChangeArrowheads="1"/>
+              </p:cNvSpPr>
+              <p:nvPr/>
+            </p:nvSpPr>
+            <p:spPr bwMode="auto">
+              <a:xfrm>
+                <a:off x="11521440" y="3657600"/>
+                <a:ext cx="9875520" cy="4151764"/>
+              </a:xfrm>
+              <a:prstGeom prst="rect">
+                <a:avLst/>
+              </a:prstGeom>
+              <a:solidFill>
+                <a:schemeClr val="bg1"/>
+              </a:solidFill>
+              <a:ln w="12700">
+                <a:solidFill>
+                  <a:schemeClr val="accent1">
+                    <a:lumMod val="75000"/>
+                  </a:schemeClr>
+                </a:solidFill>
+              </a:ln>
+              <a:effectLst/>
+            </p:spPr>
+            <p:txBody>
+              <a:bodyPr lIns="97942" tIns="97942" rIns="97942" bIns="97942">
+                <a:spAutoFit/>
+              </a:bodyPr>
+              <a:lstStyle>
+                <a:lvl1pPr eaLnBrk="0" hangingPunct="0">
+                  <a:defRPr sz="2200">
+                    <a:solidFill>
+                      <a:schemeClr val="tx1"/>
+                    </a:solidFill>
+                    <a:latin typeface="Arial" charset="0"/>
+                  </a:defRPr>
+                </a:lvl1pPr>
+                <a:lvl2pPr marL="742950" indent="-285750" eaLnBrk="0" hangingPunct="0">
+                  <a:defRPr sz="2200">
+                    <a:solidFill>
+                      <a:schemeClr val="tx1"/>
+                    </a:solidFill>
+                    <a:latin typeface="Arial" charset="0"/>
+                  </a:defRPr>
+                </a:lvl2pPr>
+                <a:lvl3pPr marL="1143000" indent="-228600" eaLnBrk="0" hangingPunct="0">
+                  <a:defRPr sz="2200">
+                    <a:solidFill>
+                      <a:schemeClr val="tx1"/>
+                    </a:solidFill>
+                    <a:latin typeface="Arial" charset="0"/>
+                  </a:defRPr>
+                </a:lvl3pPr>
+                <a:lvl4pPr marL="1600200" indent="-228600" eaLnBrk="0" hangingPunct="0">
+                  <a:defRPr sz="2200">
+                    <a:solidFill>
+                      <a:schemeClr val="tx1"/>
+                    </a:solidFill>
+                    <a:latin typeface="Arial" charset="0"/>
+                  </a:defRPr>
+                </a:lvl4pPr>
+                <a:lvl5pPr marL="2057400" indent="-228600" eaLnBrk="0" hangingPunct="0">
+                  <a:defRPr sz="2200">
+                    <a:solidFill>
+                      <a:schemeClr val="tx1"/>
+                    </a:solidFill>
+                    <a:latin typeface="Arial" charset="0"/>
+                  </a:defRPr>
+                </a:lvl5pPr>
+                <a:lvl6pPr marL="2514600" indent="-228600" eaLnBrk="0" fontAlgn="base" hangingPunct="0">
+                  <a:spcBef>
+                    <a:spcPct val="0"/>
+                  </a:spcBef>
+                  <a:spcAft>
+                    <a:spcPct val="0"/>
+                  </a:spcAft>
+                  <a:defRPr sz="2200">
+                    <a:solidFill>
+                      <a:schemeClr val="tx1"/>
+                    </a:solidFill>
+                    <a:latin typeface="Arial" charset="0"/>
+                  </a:defRPr>
+                </a:lvl6pPr>
+                <a:lvl7pPr marL="2971800" indent="-228600" eaLnBrk="0" fontAlgn="base" hangingPunct="0">
+                  <a:spcBef>
+                    <a:spcPct val="0"/>
+                  </a:spcBef>
+                  <a:spcAft>
+                    <a:spcPct val="0"/>
+                  </a:spcAft>
+                  <a:defRPr sz="2200">
+                    <a:solidFill>
+                      <a:schemeClr val="tx1"/>
+                    </a:solidFill>
+                    <a:latin typeface="Arial" charset="0"/>
+                  </a:defRPr>
+                </a:lvl7pPr>
+                <a:lvl8pPr marL="3429000" indent="-228600" eaLnBrk="0" fontAlgn="base" hangingPunct="0">
+                  <a:spcBef>
+                    <a:spcPct val="0"/>
+                  </a:spcBef>
+                  <a:spcAft>
+                    <a:spcPct val="0"/>
+                  </a:spcAft>
+                  <a:defRPr sz="2200">
+                    <a:solidFill>
+                      <a:schemeClr val="tx1"/>
+                    </a:solidFill>
+                    <a:latin typeface="Arial" charset="0"/>
+                  </a:defRPr>
+                </a:lvl8pPr>
+                <a:lvl9pPr marL="3886200" indent="-228600" eaLnBrk="0" fontAlgn="base" hangingPunct="0">
+                  <a:spcBef>
+                    <a:spcPct val="0"/>
+                  </a:spcBef>
+                  <a:spcAft>
+                    <a:spcPct val="0"/>
+                  </a:spcAft>
+                  <a:defRPr sz="2200">
+                    <a:solidFill>
+                      <a:schemeClr val="tx1"/>
+                    </a:solidFill>
+                    <a:latin typeface="Arial" charset="0"/>
+                  </a:defRPr>
+                </a:lvl9pPr>
+              </a:lstStyle>
+              <a:p>
+                <a:pPr eaLnBrk="1" hangingPunct="1"/>
+                <a:r>
+                  <a:rPr lang="en-US" sz="2000" dirty="0">
+                    <a:latin typeface="Calibri" pitchFamily="34" charset="0"/>
+                  </a:rPr>
+                  <a:t>We implement the methods of Jensen 2007. We create a directed graph whose nodes are beats, or potential segment boundaries. An edge e(</a:t>
+                </a:r>
+                <a:r>
+                  <a:rPr lang="en-US" sz="2000" dirty="0" err="1">
+                    <a:latin typeface="Calibri" pitchFamily="34" charset="0"/>
+                  </a:rPr>
+                  <a:t>i</a:t>
+                </a:r>
+                <a:r>
+                  <a:rPr lang="en-US" sz="2000" dirty="0">
+                    <a:latin typeface="Calibri" pitchFamily="34" charset="0"/>
+                  </a:rPr>
+                  <a:t>, j) represents a possible segmentation from beat </a:t>
+                </a:r>
+                <a:r>
+                  <a:rPr lang="en-US" sz="2000" dirty="0" err="1">
+                    <a:latin typeface="Calibri" pitchFamily="34" charset="0"/>
+                  </a:rPr>
+                  <a:t>i</a:t>
+                </a:r>
+                <a:r>
+                  <a:rPr lang="en-US" sz="2000" dirty="0">
+                    <a:latin typeface="Calibri" pitchFamily="34" charset="0"/>
+                  </a:rPr>
+                  <a:t> to beat j, and its cost is defined as</a:t>
+                </a:r>
+              </a:p>
+              <a:p>
+                <a:pPr eaLnBrk="1" hangingPunct="1"/>
+                <a14:m>
+                  <m:oMathPara xmlns:m="http://schemas.openxmlformats.org/officeDocument/2006/math">
+                    <m:oMathParaPr>
+                      <m:jc m:val="centerGroup"/>
+                    </m:oMathParaPr>
+                    <m:oMath xmlns:m="http://schemas.openxmlformats.org/officeDocument/2006/math">
+                      <m:r>
+                        <a:rPr lang="en-US" sz="2000" b="0" i="1" smtClean="0">
+                          <a:latin typeface="Cambria Math" panose="02040503050406030204" pitchFamily="18" charset="0"/>
+                        </a:rPr>
+                        <m:t>𝑐</m:t>
+                      </m:r>
+                      <m:d>
+                        <m:dPr>
+                          <m:ctrlPr>
+                            <a:rPr lang="en-US" sz="2000" b="0" i="1" smtClean="0">
+                              <a:latin typeface="Cambria Math" panose="02040503050406030204" pitchFamily="18" charset="0"/>
+                            </a:rPr>
+                          </m:ctrlPr>
+                        </m:dPr>
+                        <m:e>
+                          <m:r>
+                            <a:rPr lang="en-US" sz="2000" b="0" i="1" smtClean="0">
+                              <a:latin typeface="Cambria Math" panose="02040503050406030204" pitchFamily="18" charset="0"/>
+                            </a:rPr>
+                            <m:t>𝑖</m:t>
+                          </m:r>
+                          <m:r>
+                            <a:rPr lang="en-US" sz="2000" b="0" i="1" smtClean="0">
+                              <a:latin typeface="Cambria Math" panose="02040503050406030204" pitchFamily="18" charset="0"/>
+                            </a:rPr>
+                            <m:t>, </m:t>
+                          </m:r>
+                          <m:r>
+                            <a:rPr lang="en-US" sz="2000" b="0" i="1" smtClean="0">
+                              <a:latin typeface="Cambria Math" panose="02040503050406030204" pitchFamily="18" charset="0"/>
+                            </a:rPr>
+                            <m:t>𝑗</m:t>
+                          </m:r>
+                        </m:e>
+                      </m:d>
+                      <m:r>
+                        <a:rPr lang="en-US" sz="2000" b="0" i="1" smtClean="0">
+                          <a:latin typeface="Cambria Math" panose="02040503050406030204" pitchFamily="18" charset="0"/>
+                        </a:rPr>
+                        <m:t>= </m:t>
+                      </m:r>
+                      <m:f>
+                        <m:fPr>
+                          <m:ctrlPr>
+                            <a:rPr lang="en-US" sz="2000" b="0" i="1" smtClean="0">
+                              <a:latin typeface="Cambria Math" panose="02040503050406030204" pitchFamily="18" charset="0"/>
+                            </a:rPr>
+                          </m:ctrlPr>
+                        </m:fPr>
+                        <m:num>
+                          <m:r>
+                            <a:rPr lang="en-US" sz="2000" b="0" i="1" smtClean="0">
+                              <a:latin typeface="Cambria Math" panose="02040503050406030204" pitchFamily="18" charset="0"/>
+                            </a:rPr>
+                            <m:t>1</m:t>
+                          </m:r>
+                        </m:num>
+                        <m:den>
+                          <m:r>
+                            <a:rPr lang="en-US" sz="2000" b="0" i="1" smtClean="0">
+                              <a:latin typeface="Cambria Math" panose="02040503050406030204" pitchFamily="18" charset="0"/>
+                            </a:rPr>
+                            <m:t>𝑗</m:t>
+                          </m:r>
+                          <m:r>
+                            <a:rPr lang="en-US" sz="2000" b="0" i="1" smtClean="0">
+                              <a:latin typeface="Cambria Math" panose="02040503050406030204" pitchFamily="18" charset="0"/>
+                            </a:rPr>
+                            <m:t>−</m:t>
+                          </m:r>
+                          <m:r>
+                            <a:rPr lang="en-US" sz="2000" b="0" i="1" smtClean="0">
+                              <a:latin typeface="Cambria Math" panose="02040503050406030204" pitchFamily="18" charset="0"/>
+                            </a:rPr>
+                            <m:t>𝑖</m:t>
+                          </m:r>
+                          <m:r>
+                            <a:rPr lang="en-US" sz="2000" b="0" i="1" smtClean="0">
+                              <a:latin typeface="Cambria Math" panose="02040503050406030204" pitchFamily="18" charset="0"/>
+                            </a:rPr>
+                            <m:t>+1</m:t>
+                          </m:r>
+                        </m:den>
+                      </m:f>
+                      <m:nary>
+                        <m:naryPr>
+                          <m:chr m:val="∑"/>
+                          <m:ctrlPr>
+                            <a:rPr lang="en-US" sz="2000" b="0" i="1" smtClean="0">
+                              <a:latin typeface="Cambria Math" panose="02040503050406030204" pitchFamily="18" charset="0"/>
+                            </a:rPr>
+                          </m:ctrlPr>
+                        </m:naryPr>
+                        <m:sub>
+                          <m:r>
+                            <m:rPr>
+                              <m:brk m:alnAt="23"/>
+                            </m:rPr>
+                            <a:rPr lang="en-US" sz="2000" b="0" i="1" smtClean="0">
+                              <a:latin typeface="Cambria Math" panose="02040503050406030204" pitchFamily="18" charset="0"/>
+                            </a:rPr>
+                            <m:t>𝑘</m:t>
+                          </m:r>
+                          <m:r>
+                            <a:rPr lang="en-US" sz="2000" b="0" i="1" smtClean="0">
+                              <a:latin typeface="Cambria Math" panose="02040503050406030204" pitchFamily="18" charset="0"/>
+                            </a:rPr>
+                            <m:t>=</m:t>
+                          </m:r>
+                          <m:r>
+                            <a:rPr lang="en-US" sz="2000" b="0" i="1" smtClean="0">
+                              <a:latin typeface="Cambria Math" panose="02040503050406030204" pitchFamily="18" charset="0"/>
+                            </a:rPr>
+                            <m:t>𝑙</m:t>
+                          </m:r>
+                        </m:sub>
+                        <m:sup>
+                          <m:r>
+                            <a:rPr lang="en-US" sz="2000" b="0" i="1" smtClean="0">
+                              <a:latin typeface="Cambria Math" panose="02040503050406030204" pitchFamily="18" charset="0"/>
+                            </a:rPr>
+                            <m:t>𝑗</m:t>
+                          </m:r>
+                        </m:sup>
+                        <m:e>
+                          <m:nary>
+                            <m:naryPr>
+                              <m:chr m:val="∑"/>
+                              <m:ctrlPr>
+                                <a:rPr lang="en-US" sz="2000" b="0" i="1" smtClean="0">
+                                  <a:latin typeface="Cambria Math" panose="02040503050406030204" pitchFamily="18" charset="0"/>
+                                </a:rPr>
+                              </m:ctrlPr>
+                            </m:naryPr>
+                            <m:sub>
+                              <m:r>
+                                <m:rPr>
+                                  <m:brk m:alnAt="23"/>
+                                </m:rPr>
+                                <a:rPr lang="en-US" sz="2000" b="0" i="1" smtClean="0">
+                                  <a:latin typeface="Cambria Math" panose="02040503050406030204" pitchFamily="18" charset="0"/>
+                                </a:rPr>
+                                <m:t>𝑙</m:t>
+                              </m:r>
+                              <m:r>
+                                <a:rPr lang="en-US" sz="2000" b="0" i="1" smtClean="0">
+                                  <a:latin typeface="Cambria Math" panose="02040503050406030204" pitchFamily="18" charset="0"/>
+                                </a:rPr>
+                                <m:t>=</m:t>
+                              </m:r>
+                              <m:r>
+                                <a:rPr lang="en-US" sz="2000" b="0" i="1" smtClean="0">
+                                  <a:latin typeface="Cambria Math" panose="02040503050406030204" pitchFamily="18" charset="0"/>
+                                </a:rPr>
+                                <m:t>𝑖</m:t>
+                              </m:r>
+                            </m:sub>
+                            <m:sup>
+                              <m:r>
+                                <a:rPr lang="en-US" sz="2000" b="0" i="1" smtClean="0">
+                                  <a:latin typeface="Cambria Math" panose="02040503050406030204" pitchFamily="18" charset="0"/>
+                                </a:rPr>
+                                <m:t>𝑘</m:t>
+                              </m:r>
+                            </m:sup>
+                            <m:e>
+                              <m:sSub>
+                                <m:sSubPr>
+                                  <m:ctrlPr>
+                                    <a:rPr lang="en-US" sz="2000" b="0" i="1" smtClean="0">
+                                      <a:latin typeface="Cambria Math" panose="02040503050406030204" pitchFamily="18" charset="0"/>
+                                    </a:rPr>
+                                  </m:ctrlPr>
+                                </m:sSubPr>
+                                <m:e>
+                                  <m:r>
+                                    <a:rPr lang="en-US" sz="2000" b="0" i="1" smtClean="0">
+                                      <a:latin typeface="Cambria Math" panose="02040503050406030204" pitchFamily="18" charset="0"/>
+                                    </a:rPr>
+                                    <m:t>𝐴</m:t>
+                                  </m:r>
+                                </m:e>
+                                <m:sub>
+                                  <m:r>
+                                    <a:rPr lang="en-US" sz="2000" b="0" i="1" smtClean="0">
+                                      <a:latin typeface="Cambria Math" panose="02040503050406030204" pitchFamily="18" charset="0"/>
+                                    </a:rPr>
+                                    <m:t>𝑙𝑘</m:t>
+                                  </m:r>
+                                </m:sub>
+                              </m:sSub>
+                            </m:e>
+                          </m:nary>
+                        </m:e>
+                      </m:nary>
+                    </m:oMath>
+                  </m:oMathPara>
+                </a14:m>
+                <a:endParaRPr lang="en-US" sz="2000" dirty="0">
+                  <a:latin typeface="Calibri" pitchFamily="34" charset="0"/>
+                </a:endParaRPr>
+              </a:p>
+              <a:p>
+                <a:pPr eaLnBrk="1" hangingPunct="1"/>
+                <a:r>
+                  <a:rPr lang="en-US" sz="2000" dirty="0">
+                    <a:latin typeface="Calibri" pitchFamily="34" charset="0"/>
+                  </a:rPr>
+                  <a:t>which computes an average self-similarity of each beat in the segment to all other beats in the segment. </a:t>
+                </a:r>
+              </a:p>
+              <a:p>
+                <a:pPr eaLnBrk="1" hangingPunct="1"/>
+                <a:endParaRPr lang="en-US" sz="2000" dirty="0">
+                  <a:latin typeface="Calibri" pitchFamily="34" charset="0"/>
+                </a:endParaRPr>
+              </a:p>
+              <a:p>
+                <a:pPr eaLnBrk="1" hangingPunct="1"/>
+                <a:r>
+                  <a:rPr lang="en-US" sz="2000" dirty="0">
+                    <a:latin typeface="Calibri" pitchFamily="34" charset="0"/>
+                  </a:rPr>
+                  <a:t>After constructing the graph, we simply find the lowest-cost path from the first to the last beat. This can be done in O(N log N) time using standard pathfinding algorithms. The path with the least total cost is returned as a list of beats, and these beats become the boundaries of our segmentation.</a:t>
+                </a:r>
+              </a:p>
+            </p:txBody>
+          </p:sp>
+        </mc:Choice>
+        <mc:Fallback xmlns="">
+          <p:sp>
+            <p:nvSpPr>
+              <p:cNvPr id="13" name="Text Box 192"/>
+              <p:cNvSpPr txBox="1">
+                <a:spLocks noRot="1" noChangeAspect="1" noMove="1" noResize="1" noEditPoints="1" noAdjustHandles="1" noChangeArrowheads="1" noChangeShapeType="1" noTextEdit="1"/>
+              </p:cNvSpPr>
+              <p:nvPr/>
+            </p:nvSpPr>
+            <p:spPr bwMode="auto">
+              <a:xfrm>
+                <a:off x="11521440" y="3657600"/>
+                <a:ext cx="9875520" cy="4151764"/>
+              </a:xfrm>
+              <a:prstGeom prst="rect">
+                <a:avLst/>
+              </a:prstGeom>
+              <a:blipFill>
+                <a:blip r:embed="rId2"/>
+                <a:stretch>
+                  <a:fillRect l="-493" r="-247" b="-293"/>
+                </a:stretch>
+              </a:blipFill>
+              <a:ln w="12700">
+                <a:solidFill>
+                  <a:schemeClr val="accent1">
+                    <a:lumMod val="75000"/>
+                  </a:schemeClr>
+                </a:solidFill>
+              </a:ln>
+              <a:effectLst/>
+            </p:spPr>
+            <p:txBody>
+              <a:bodyPr/>
+              <a:lstStyle/>
+              <a:p>
+                <a:r>
+                  <a:rPr lang="en-US">
+                    <a:noFill/>
+                  </a:rPr>
+                  <a:t> </a:t>
+                </a:r>
+              </a:p>
+            </p:txBody>
+          </p:sp>
+        </mc:Fallback>
+      </mc:AlternateContent>
       <p:sp>
         <p:nvSpPr>
           <p:cNvPr id="34" name="Rectangle 33"/>
@@ -4225,7 +4518,7 @@
                   </a:schemeClr>
                 </a:solidFill>
               </a:rPr>
-              <a:t>Methods and Materials</a:t>
+              <a:t>Methods</a:t>
             </a:r>
           </a:p>
         </p:txBody>
@@ -5251,410 +5544,285 @@
           </a:graphicData>
         </a:graphic>
       </p:graphicFrame>
-      <mc:AlternateContent xmlns:mc="http://schemas.openxmlformats.org/markup-compatibility/2006">
-        <mc:Choice xmlns:a14="http://schemas.microsoft.com/office/drawing/2010/main" Requires="a14">
-          <p:sp>
-            <p:nvSpPr>
-              <p:cNvPr id="11" name="Text Box 190"/>
-              <p:cNvSpPr txBox="1">
-                <a:spLocks noChangeArrowheads="1"/>
-              </p:cNvSpPr>
-              <p:nvPr/>
-            </p:nvSpPr>
-            <p:spPr bwMode="auto">
-              <a:xfrm>
-                <a:off x="1097280" y="8737602"/>
-                <a:ext cx="9875520" cy="6374231"/>
-              </a:xfrm>
-              <a:prstGeom prst="rect">
-                <a:avLst/>
-              </a:prstGeom>
-              <a:solidFill>
-                <a:schemeClr val="bg1"/>
-              </a:solidFill>
-              <a:ln w="12700">
-                <a:solidFill>
-                  <a:schemeClr val="accent1">
-                    <a:lumMod val="75000"/>
-                  </a:schemeClr>
-                </a:solidFill>
-              </a:ln>
-              <a:effectLst/>
-            </p:spPr>
-            <p:txBody>
-              <a:bodyPr lIns="97942" tIns="97942" rIns="97942" bIns="97942">
-                <a:spAutoFit/>
-              </a:bodyPr>
-              <a:lstStyle>
-                <a:lvl1pPr eaLnBrk="0" hangingPunct="0">
-                  <a:defRPr sz="2200">
-                    <a:solidFill>
-                      <a:schemeClr val="tx1"/>
-                    </a:solidFill>
-                    <a:latin typeface="Arial" charset="0"/>
-                  </a:defRPr>
-                </a:lvl1pPr>
-                <a:lvl2pPr marL="742950" indent="-285750" eaLnBrk="0" hangingPunct="0">
-                  <a:defRPr sz="2200">
-                    <a:solidFill>
-                      <a:schemeClr val="tx1"/>
-                    </a:solidFill>
-                    <a:latin typeface="Arial" charset="0"/>
-                  </a:defRPr>
-                </a:lvl2pPr>
-                <a:lvl3pPr marL="1143000" indent="-228600" eaLnBrk="0" hangingPunct="0">
-                  <a:defRPr sz="2200">
-                    <a:solidFill>
-                      <a:schemeClr val="tx1"/>
-                    </a:solidFill>
-                    <a:latin typeface="Arial" charset="0"/>
-                  </a:defRPr>
-                </a:lvl3pPr>
-                <a:lvl4pPr marL="1600200" indent="-228600" eaLnBrk="0" hangingPunct="0">
-                  <a:defRPr sz="2200">
-                    <a:solidFill>
-                      <a:schemeClr val="tx1"/>
-                    </a:solidFill>
-                    <a:latin typeface="Arial" charset="0"/>
-                  </a:defRPr>
-                </a:lvl4pPr>
-                <a:lvl5pPr marL="2057400" indent="-228600" eaLnBrk="0" hangingPunct="0">
-                  <a:defRPr sz="2200">
-                    <a:solidFill>
-                      <a:schemeClr val="tx1"/>
-                    </a:solidFill>
-                    <a:latin typeface="Arial" charset="0"/>
-                  </a:defRPr>
-                </a:lvl5pPr>
-                <a:lvl6pPr marL="2514600" indent="-228600" eaLnBrk="0" fontAlgn="base" hangingPunct="0">
-                  <a:spcBef>
-                    <a:spcPct val="0"/>
-                  </a:spcBef>
-                  <a:spcAft>
-                    <a:spcPct val="0"/>
-                  </a:spcAft>
-                  <a:defRPr sz="2200">
-                    <a:solidFill>
-                      <a:schemeClr val="tx1"/>
-                    </a:solidFill>
-                    <a:latin typeface="Arial" charset="0"/>
-                  </a:defRPr>
-                </a:lvl6pPr>
-                <a:lvl7pPr marL="2971800" indent="-228600" eaLnBrk="0" fontAlgn="base" hangingPunct="0">
-                  <a:spcBef>
-                    <a:spcPct val="0"/>
-                  </a:spcBef>
-                  <a:spcAft>
-                    <a:spcPct val="0"/>
-                  </a:spcAft>
-                  <a:defRPr sz="2200">
-                    <a:solidFill>
-                      <a:schemeClr val="tx1"/>
-                    </a:solidFill>
-                    <a:latin typeface="Arial" charset="0"/>
-                  </a:defRPr>
-                </a:lvl7pPr>
-                <a:lvl8pPr marL="3429000" indent="-228600" eaLnBrk="0" fontAlgn="base" hangingPunct="0">
-                  <a:spcBef>
-                    <a:spcPct val="0"/>
-                  </a:spcBef>
-                  <a:spcAft>
-                    <a:spcPct val="0"/>
-                  </a:spcAft>
-                  <a:defRPr sz="2200">
-                    <a:solidFill>
-                      <a:schemeClr val="tx1"/>
-                    </a:solidFill>
-                    <a:latin typeface="Arial" charset="0"/>
-                  </a:defRPr>
-                </a:lvl8pPr>
-                <a:lvl9pPr marL="3886200" indent="-228600" eaLnBrk="0" fontAlgn="base" hangingPunct="0">
-                  <a:spcBef>
-                    <a:spcPct val="0"/>
-                  </a:spcBef>
-                  <a:spcAft>
-                    <a:spcPct val="0"/>
-                  </a:spcAft>
-                  <a:defRPr sz="2200">
-                    <a:solidFill>
-                      <a:schemeClr val="tx1"/>
-                    </a:solidFill>
-                    <a:latin typeface="Arial" charset="0"/>
-                  </a:defRPr>
-                </a:lvl9pPr>
-              </a:lstStyle>
-              <a:p>
-                <a:pPr eaLnBrk="1" hangingPunct="1"/>
-                <a:r>
-                  <a:rPr lang="en-US" sz="2000" b="1" dirty="0">
-                    <a:latin typeface="+mn-lt"/>
-                  </a:rPr>
-                  <a:t>Genigraphics®</a:t>
-                </a:r>
-                <a:r>
-                  <a:rPr lang="en-US" sz="2000" dirty="0">
-                    <a:latin typeface="+mn-lt"/>
-                  </a:rPr>
-                  <a:t> has provided this template to assist in preparation of a medical or scientific research poster. The dimensions are set to 24” high by 36” wide but prints can be scaled up or down in size to any dimension with a 2:3 aspect ratio. For example, if you order a 36” x 54” poster using this template, we will print the file at 150% of its original size. If you order a 48” x 72” poster, we will print at 200%. </a:t>
-                </a:r>
-                <a:r>
-                  <a:rPr lang="en-US" sz="2000" b="1" dirty="0">
-                    <a:latin typeface="+mn-lt"/>
-                  </a:rPr>
-                  <a:t>The most critical factor is that your template and poster dimensions must be proportional:</a:t>
-                </a:r>
-              </a:p>
-              <a:p>
-                <a:pPr eaLnBrk="1" hangingPunct="1"/>
-                <a:endParaRPr lang="en-US" sz="2000" b="1" dirty="0">
-                  <a:latin typeface="+mn-lt"/>
-                </a:endParaRPr>
-              </a:p>
-              <a:p>
-                <a:pPr eaLnBrk="1" hangingPunct="1"/>
-                <a14:m>
-                  <m:oMathPara xmlns:m="http://schemas.openxmlformats.org/officeDocument/2006/math">
-                    <m:oMathParaPr>
-                      <m:jc m:val="centerGroup"/>
-                    </m:oMathParaPr>
-                    <m:oMath xmlns:m="http://schemas.openxmlformats.org/officeDocument/2006/math">
-                      <m:box>
-                        <m:boxPr>
-                          <m:ctrlPr>
-                            <a:rPr lang="en-US" sz="2000" b="1" i="1">
-                              <a:latin typeface="Cambria Math" panose="02040503050406030204" pitchFamily="18" charset="0"/>
-                            </a:rPr>
-                          </m:ctrlPr>
-                        </m:boxPr>
-                        <m:e>
-                          <m:f>
-                            <m:fPr>
-                              <m:ctrlPr>
-                                <a:rPr lang="en-US" sz="2000" b="1" i="1">
-                                  <a:latin typeface="Cambria Math" panose="02040503050406030204" pitchFamily="18" charset="0"/>
-                                </a:rPr>
-                              </m:ctrlPr>
-                            </m:fPr>
-                            <m:num>
-                              <m:r>
-                                <a:rPr lang="en-US" sz="2000" b="1" i="1">
-                                  <a:latin typeface="Cambria Math"/>
-                                </a:rPr>
-                                <m:t>𝒕𝒆𝒎𝒑𝒍𝒂𝒕𝒆</m:t>
-                              </m:r>
-                              <m:r>
-                                <a:rPr lang="en-US" sz="2000" b="1" i="1">
-                                  <a:latin typeface="Cambria Math"/>
-                                </a:rPr>
-                                <m:t> </m:t>
-                              </m:r>
-                              <m:r>
-                                <a:rPr lang="en-US" sz="2000" b="1" i="1">
-                                  <a:latin typeface="Cambria Math"/>
-                                </a:rPr>
-                                <m:t>𝒉𝒆𝒊𝒈𝒉𝒕</m:t>
-                              </m:r>
-                            </m:num>
-                            <m:den>
-                              <m:r>
-                                <a:rPr lang="en-US" sz="2000" b="1" i="1">
-                                  <a:latin typeface="Cambria Math"/>
-                                </a:rPr>
-                                <m:t>𝒕𝒆𝒎𝒑𝒍𝒂𝒕𝒆</m:t>
-                              </m:r>
-                              <m:r>
-                                <a:rPr lang="en-US" sz="2000" b="1" i="1">
-                                  <a:latin typeface="Cambria Math"/>
-                                </a:rPr>
-                                <m:t> </m:t>
-                              </m:r>
-                              <m:r>
-                                <a:rPr lang="en-US" sz="2000" b="1" i="1">
-                                  <a:latin typeface="Cambria Math"/>
-                                </a:rPr>
-                                <m:t>𝒘𝒊𝒅𝒕𝒉</m:t>
-                              </m:r>
-                            </m:den>
-                          </m:f>
-                        </m:e>
-                      </m:box>
-                      <m:r>
-                        <a:rPr lang="en-US" sz="2000" b="1" i="1">
-                          <a:latin typeface="Cambria Math"/>
-                        </a:rPr>
-                        <m:t> = </m:t>
-                      </m:r>
-                      <m:box>
-                        <m:boxPr>
-                          <m:ctrlPr>
-                            <a:rPr lang="en-US" sz="2000" b="1" i="1">
-                              <a:latin typeface="Cambria Math" panose="02040503050406030204" pitchFamily="18" charset="0"/>
-                            </a:rPr>
-                          </m:ctrlPr>
-                        </m:boxPr>
-                        <m:e>
-                          <m:f>
-                            <m:fPr>
-                              <m:ctrlPr>
-                                <a:rPr lang="en-US" sz="2000" b="1" i="1">
-                                  <a:latin typeface="Cambria Math" panose="02040503050406030204" pitchFamily="18" charset="0"/>
-                                </a:rPr>
-                              </m:ctrlPr>
-                            </m:fPr>
-                            <m:num>
-                              <m:r>
-                                <a:rPr lang="en-US" sz="2000" b="1" i="1">
-                                  <a:latin typeface="Cambria Math"/>
-                                </a:rPr>
-                                <m:t>𝒅𝒆𝒔𝒊𝒓𝒆𝒅</m:t>
-                              </m:r>
-                              <m:r>
-                                <a:rPr lang="en-US" sz="2000" b="1" i="1">
-                                  <a:latin typeface="Cambria Math"/>
-                                </a:rPr>
-                                <m:t> </m:t>
-                              </m:r>
-                              <m:r>
-                                <a:rPr lang="en-US" sz="2000" b="1" i="1">
-                                  <a:latin typeface="Cambria Math"/>
-                                </a:rPr>
-                                <m:t>𝒑𝒓𝒊𝒏𝒕</m:t>
-                              </m:r>
-                              <m:r>
-                                <a:rPr lang="en-US" sz="2000" b="1" i="1">
-                                  <a:latin typeface="Cambria Math"/>
-                                </a:rPr>
-                                <m:t> </m:t>
-                              </m:r>
-                              <m:r>
-                                <a:rPr lang="en-US" sz="2000" b="1" i="1">
-                                  <a:latin typeface="Cambria Math"/>
-                                </a:rPr>
-                                <m:t>𝒉𝒆𝒊𝒈𝒉𝒕</m:t>
-                              </m:r>
-                            </m:num>
-                            <m:den>
-                              <m:r>
-                                <a:rPr lang="en-US" sz="2000" b="1" i="1">
-                                  <a:latin typeface="Cambria Math"/>
-                                </a:rPr>
-                                <m:t>𝒅𝒆𝒔𝒊𝒓𝒆𝒅</m:t>
-                              </m:r>
-                              <m:r>
-                                <a:rPr lang="en-US" sz="2000" b="1" i="1">
-                                  <a:latin typeface="Cambria Math"/>
-                                </a:rPr>
-                                <m:t> </m:t>
-                              </m:r>
-                              <m:r>
-                                <a:rPr lang="en-US" sz="2000" b="1" i="1">
-                                  <a:latin typeface="Cambria Math"/>
-                                </a:rPr>
-                                <m:t>𝒑𝒓𝒊𝒏𝒕</m:t>
-                              </m:r>
-                              <m:r>
-                                <a:rPr lang="en-US" sz="2000" b="1" i="1">
-                                  <a:latin typeface="Cambria Math"/>
-                                </a:rPr>
-                                <m:t> </m:t>
-                              </m:r>
-                              <m:r>
-                                <a:rPr lang="en-US" sz="2000" b="1" i="1">
-                                  <a:latin typeface="Cambria Math"/>
-                                </a:rPr>
-                                <m:t>𝒘𝒊𝒅𝒕𝒉</m:t>
-                              </m:r>
-                            </m:den>
-                          </m:f>
-                        </m:e>
-                      </m:box>
-                    </m:oMath>
-                  </m:oMathPara>
-                </a14:m>
-                <a:endParaRPr lang="en-US" sz="2000" b="1" dirty="0">
-                  <a:latin typeface="+mn-lt"/>
-                </a:endParaRPr>
-              </a:p>
-              <a:p>
-                <a:pPr eaLnBrk="1" hangingPunct="1"/>
-                <a:endParaRPr lang="en-US" sz="2000" dirty="0">
-                  <a:latin typeface="+mn-lt"/>
-                </a:endParaRPr>
-              </a:p>
-              <a:p>
-                <a:pPr eaLnBrk="1" hangingPunct="1"/>
-                <a:r>
-                  <a:rPr lang="en-US" sz="2000" dirty="0">
-                    <a:latin typeface="+mn-lt"/>
-                  </a:rPr>
-                  <a:t>Order your poster from Genigraphics and we will perform a free design review and advise you if we see anything that may be a concern for printing. We’ll even help tidy things up.</a:t>
-                </a:r>
-              </a:p>
-              <a:p>
-                <a:pPr eaLnBrk="1" hangingPunct="1"/>
-                <a:endParaRPr lang="en-US" sz="2000" dirty="0">
-                  <a:latin typeface="+mn-lt"/>
-                </a:endParaRPr>
-              </a:p>
-              <a:p>
-                <a:pPr eaLnBrk="1" hangingPunct="1"/>
-                <a:r>
-                  <a:rPr lang="en-US" sz="2000" dirty="0">
-                    <a:latin typeface="+mn-lt"/>
-                  </a:rPr>
-                  <a:t>We have more history with PowerPoint® than any other printing company. In fact, we helped Microsoft® design the software and we created all of the original color themes, templates, and clip art galleries. We know how to make your printed poster look just like it does on screen. Other printing companies and copy centers will blindly convert your file to another format prior to printing. This can result in text shifting, symbols changing, and altered colors. We know the secrets to avoid those issues. So choose Genigraphics for the most accurate reproduction available.</a:t>
-                </a:r>
-              </a:p>
-            </p:txBody>
-          </p:sp>
-        </mc:Choice>
-        <mc:Fallback>
-          <p:sp>
-            <p:nvSpPr>
-              <p:cNvPr id="11" name="Text Box 190"/>
-              <p:cNvSpPr txBox="1">
-                <a:spLocks noRot="1" noChangeAspect="1" noMove="1" noResize="1" noEditPoints="1" noAdjustHandles="1" noChangeArrowheads="1" noChangeShapeType="1" noTextEdit="1"/>
-              </p:cNvSpPr>
-              <p:nvPr/>
-            </p:nvSpPr>
-            <p:spPr bwMode="auto">
-              <a:xfrm>
-                <a:off x="1097280" y="8737602"/>
-                <a:ext cx="9875520" cy="6374231"/>
-              </a:xfrm>
-              <a:prstGeom prst="rect">
-                <a:avLst/>
-              </a:prstGeom>
-              <a:blipFill>
-                <a:blip r:embed="rId2"/>
-                <a:stretch>
-                  <a:fillRect l="-493" r="-1048"/>
-                </a:stretch>
-              </a:blipFill>
-              <a:ln w="12700">
-                <a:solidFill>
-                  <a:schemeClr val="accent1">
-                    <a:lumMod val="75000"/>
-                  </a:schemeClr>
-                </a:solidFill>
-              </a:ln>
-              <a:effectLst/>
-            </p:spPr>
-            <p:txBody>
-              <a:bodyPr/>
-              <a:lstStyle/>
-              <a:p>
-                <a:r>
-                  <a:rPr lang="en-US">
-                    <a:noFill/>
-                  </a:rPr>
-                  <a:t> </a:t>
-                </a:r>
-              </a:p>
-            </p:txBody>
-          </p:sp>
-        </mc:Fallback>
-      </mc:AlternateContent>
+      <p:sp>
+        <p:nvSpPr>
+          <p:cNvPr id="11" name="Text Box 190"/>
+          <p:cNvSpPr txBox="1">
+            <a:spLocks noChangeArrowheads="1"/>
+          </p:cNvSpPr>
+          <p:nvPr/>
+        </p:nvSpPr>
+        <p:spPr bwMode="auto">
+          <a:xfrm>
+            <a:off x="1097280" y="8737602"/>
+            <a:ext cx="9875520" cy="5122222"/>
+          </a:xfrm>
+          <a:prstGeom prst="rect">
+            <a:avLst/>
+          </a:prstGeom>
+          <a:solidFill>
+            <a:schemeClr val="bg1"/>
+          </a:solidFill>
+          <a:ln w="12700">
+            <a:solidFill>
+              <a:schemeClr val="accent1">
+                <a:lumMod val="75000"/>
+              </a:schemeClr>
+            </a:solidFill>
+          </a:ln>
+          <a:effectLst/>
+        </p:spPr>
+        <p:txBody>
+          <a:bodyPr lIns="97942" tIns="97942" rIns="97942" bIns="97942">
+            <a:spAutoFit/>
+          </a:bodyPr>
+          <a:lstStyle>
+            <a:lvl1pPr eaLnBrk="0" hangingPunct="0">
+              <a:defRPr sz="2200">
+                <a:solidFill>
+                  <a:schemeClr val="tx1"/>
+                </a:solidFill>
+                <a:latin typeface="Arial" charset="0"/>
+              </a:defRPr>
+            </a:lvl1pPr>
+            <a:lvl2pPr marL="742950" indent="-285750" eaLnBrk="0" hangingPunct="0">
+              <a:defRPr sz="2200">
+                <a:solidFill>
+                  <a:schemeClr val="tx1"/>
+                </a:solidFill>
+                <a:latin typeface="Arial" charset="0"/>
+              </a:defRPr>
+            </a:lvl2pPr>
+            <a:lvl3pPr marL="1143000" indent="-228600" eaLnBrk="0" hangingPunct="0">
+              <a:defRPr sz="2200">
+                <a:solidFill>
+                  <a:schemeClr val="tx1"/>
+                </a:solidFill>
+                <a:latin typeface="Arial" charset="0"/>
+              </a:defRPr>
+            </a:lvl3pPr>
+            <a:lvl4pPr marL="1600200" indent="-228600" eaLnBrk="0" hangingPunct="0">
+              <a:defRPr sz="2200">
+                <a:solidFill>
+                  <a:schemeClr val="tx1"/>
+                </a:solidFill>
+                <a:latin typeface="Arial" charset="0"/>
+              </a:defRPr>
+            </a:lvl4pPr>
+            <a:lvl5pPr marL="2057400" indent="-228600" eaLnBrk="0" hangingPunct="0">
+              <a:defRPr sz="2200">
+                <a:solidFill>
+                  <a:schemeClr val="tx1"/>
+                </a:solidFill>
+                <a:latin typeface="Arial" charset="0"/>
+              </a:defRPr>
+            </a:lvl5pPr>
+            <a:lvl6pPr marL="2514600" indent="-228600" eaLnBrk="0" fontAlgn="base" hangingPunct="0">
+              <a:spcBef>
+                <a:spcPct val="0"/>
+              </a:spcBef>
+              <a:spcAft>
+                <a:spcPct val="0"/>
+              </a:spcAft>
+              <a:defRPr sz="2200">
+                <a:solidFill>
+                  <a:schemeClr val="tx1"/>
+                </a:solidFill>
+                <a:latin typeface="Arial" charset="0"/>
+              </a:defRPr>
+            </a:lvl6pPr>
+            <a:lvl7pPr marL="2971800" indent="-228600" eaLnBrk="0" fontAlgn="base" hangingPunct="0">
+              <a:spcBef>
+                <a:spcPct val="0"/>
+              </a:spcBef>
+              <a:spcAft>
+                <a:spcPct val="0"/>
+              </a:spcAft>
+              <a:defRPr sz="2200">
+                <a:solidFill>
+                  <a:schemeClr val="tx1"/>
+                </a:solidFill>
+                <a:latin typeface="Arial" charset="0"/>
+              </a:defRPr>
+            </a:lvl7pPr>
+            <a:lvl8pPr marL="3429000" indent="-228600" eaLnBrk="0" fontAlgn="base" hangingPunct="0">
+              <a:spcBef>
+                <a:spcPct val="0"/>
+              </a:spcBef>
+              <a:spcAft>
+                <a:spcPct val="0"/>
+              </a:spcAft>
+              <a:defRPr sz="2200">
+                <a:solidFill>
+                  <a:schemeClr val="tx1"/>
+                </a:solidFill>
+                <a:latin typeface="Arial" charset="0"/>
+              </a:defRPr>
+            </a:lvl8pPr>
+            <a:lvl9pPr marL="3886200" indent="-228600" eaLnBrk="0" fontAlgn="base" hangingPunct="0">
+              <a:spcBef>
+                <a:spcPct val="0"/>
+              </a:spcBef>
+              <a:spcAft>
+                <a:spcPct val="0"/>
+              </a:spcAft>
+              <a:defRPr sz="2200">
+                <a:solidFill>
+                  <a:schemeClr val="tx1"/>
+                </a:solidFill>
+                <a:latin typeface="Arial" charset="0"/>
+              </a:defRPr>
+            </a:lvl9pPr>
+          </a:lstStyle>
+          <a:p>
+            <a:pPr eaLnBrk="1" hangingPunct="1"/>
+            <a:r>
+              <a:rPr lang="en-US" sz="2000" dirty="0">
+                <a:latin typeface="+mn-lt"/>
+              </a:rPr>
+              <a:t>Our analysis of music revolves around the self-similarity matrix, a graphical representation of sequences in a data series. To construct this, we transform a discrete audio time series into a sequence of feature vectors. Various methods are used to compute the feature vectors, including construction of spectrograms, </a:t>
+            </a:r>
+            <a:r>
+              <a:rPr lang="en-US" sz="2000" dirty="0" err="1">
+                <a:latin typeface="+mn-lt"/>
+              </a:rPr>
+              <a:t>rhythmograms</a:t>
+            </a:r>
+            <a:r>
+              <a:rPr lang="en-US" sz="2000" dirty="0">
+                <a:latin typeface="+mn-lt"/>
+              </a:rPr>
+              <a:t>, and </a:t>
+            </a:r>
+            <a:r>
+              <a:rPr lang="en-US" sz="2000" dirty="0" err="1">
+                <a:latin typeface="+mn-lt"/>
+              </a:rPr>
+              <a:t>timbregrams</a:t>
+            </a:r>
+            <a:r>
+              <a:rPr lang="en-US" sz="2000" dirty="0">
+                <a:latin typeface="+mn-lt"/>
+              </a:rPr>
+              <a:t>. We use the </a:t>
+            </a:r>
+            <a:r>
+              <a:rPr lang="en-US" sz="2000" dirty="0" err="1">
+                <a:latin typeface="+mn-lt"/>
+              </a:rPr>
+              <a:t>timbregram</a:t>
+            </a:r>
+            <a:r>
+              <a:rPr lang="en-US" sz="2000" dirty="0">
+                <a:latin typeface="+mn-lt"/>
+              </a:rPr>
+              <a:t> because of its superior performance</a:t>
+            </a:r>
+            <a:r>
+              <a:rPr lang="en-US" sz="2000" baseline="30000" dirty="0">
+                <a:latin typeface="+mn-lt"/>
+              </a:rPr>
+              <a:t>1</a:t>
+            </a:r>
+            <a:r>
+              <a:rPr lang="en-US" sz="2000" dirty="0">
+                <a:latin typeface="+mn-lt"/>
+              </a:rPr>
+              <a:t> in the literature.</a:t>
+            </a:r>
+          </a:p>
+          <a:p>
+            <a:pPr eaLnBrk="1" hangingPunct="1"/>
+            <a:endParaRPr lang="en-US" sz="2000" dirty="0">
+              <a:latin typeface="+mn-lt"/>
+            </a:endParaRPr>
+          </a:p>
+          <a:p>
+            <a:pPr eaLnBrk="1" hangingPunct="1"/>
+            <a:r>
+              <a:rPr lang="en-US" sz="2000" dirty="0">
+                <a:latin typeface="+mn-lt"/>
+              </a:rPr>
+              <a:t>We compute a standard spectrogram as the concatenation of short-time Fourier transforms (STFTs). The frequency vectors for each frame are mapped into </a:t>
+            </a:r>
+            <a:r>
+              <a:rPr lang="en-US" sz="2000" dirty="0" err="1">
+                <a:latin typeface="+mn-lt"/>
+              </a:rPr>
+              <a:t>mel</a:t>
+            </a:r>
+            <a:r>
+              <a:rPr lang="en-US" sz="2000" dirty="0">
+                <a:latin typeface="+mn-lt"/>
+              </a:rPr>
+              <a:t>-space, yielding </a:t>
+            </a:r>
+            <a:r>
+              <a:rPr lang="en-US" sz="2000" dirty="0" err="1">
+                <a:latin typeface="+mn-lt"/>
+              </a:rPr>
+              <a:t>mel</a:t>
+            </a:r>
+            <a:r>
+              <a:rPr lang="en-US" sz="2000" dirty="0">
+                <a:latin typeface="+mn-lt"/>
+              </a:rPr>
+              <a:t>-frequency cepstral coefficients (MFCCs). The </a:t>
+            </a:r>
+            <a:r>
+              <a:rPr lang="en-US" sz="2000" dirty="0" err="1">
+                <a:latin typeface="+mn-lt"/>
+              </a:rPr>
+              <a:t>timbregram</a:t>
+            </a:r>
+            <a:r>
+              <a:rPr lang="en-US" sz="2000" dirty="0">
+                <a:latin typeface="+mn-lt"/>
+              </a:rPr>
+              <a:t> is then computed as the concatenation of the MFCC feature vectors.</a:t>
+            </a:r>
+          </a:p>
+          <a:p>
+            <a:pPr eaLnBrk="1" hangingPunct="1"/>
+            <a:endParaRPr lang="en-US" sz="2000" dirty="0">
+              <a:latin typeface="+mn-lt"/>
+            </a:endParaRPr>
+          </a:p>
+          <a:p>
+            <a:pPr eaLnBrk="1" hangingPunct="1"/>
+            <a:r>
+              <a:rPr lang="en-US" sz="2000" dirty="0">
+                <a:latin typeface="+mn-lt"/>
+              </a:rPr>
+              <a:t>The pairwise distance between each feature vector in the </a:t>
+            </a:r>
+            <a:r>
+              <a:rPr lang="en-US" sz="2000" dirty="0" err="1">
+                <a:latin typeface="+mn-lt"/>
+              </a:rPr>
+              <a:t>timbregram</a:t>
+            </a:r>
+            <a:r>
+              <a:rPr lang="en-US" sz="2000" dirty="0">
+                <a:latin typeface="+mn-lt"/>
+              </a:rPr>
+              <a:t> is computed and stored in the self-similarity matrix. Distances are computed using the Euclidean norm, though others (including cosine, </a:t>
+            </a:r>
+            <a:r>
+              <a:rPr lang="en-US" sz="2000" dirty="0" err="1">
+                <a:latin typeface="+mn-lt"/>
+              </a:rPr>
+              <a:t>cityblock</a:t>
+            </a:r>
+            <a:r>
+              <a:rPr lang="en-US" sz="2000" dirty="0">
+                <a:latin typeface="+mn-lt"/>
+              </a:rPr>
+              <a:t>, and correlation) have been tested. Finally, we aggregate features that belong to the same beat by taking their median, which reduces dimensionality, increases computational efficiency, and gives each feature vector more meaning.</a:t>
+            </a:r>
+          </a:p>
+        </p:txBody>
+      </p:sp>
       <p:sp>
         <p:nvSpPr>
           <p:cNvPr id="45" name="Rectangle 44"/>
@@ -5711,109 +5879,6 @@
           </a:p>
         </p:txBody>
       </p:sp>
-      <p:pic>
-        <p:nvPicPr>
-          <p:cNvPr id="49" name="Picture 178" descr="Picture1"/>
-          <p:cNvPicPr>
-            <a:picLocks noChangeAspect="1" noChangeArrowheads="1"/>
-          </p:cNvPicPr>
-          <p:nvPr/>
-        </p:nvPicPr>
-        <p:blipFill>
-          <a:blip r:embed="rId3">
-            <a:extLst>
-              <a:ext uri="{28A0092B-C50C-407E-A947-70E740481C1C}">
-                <a14:useLocalDpi xmlns:a14="http://schemas.microsoft.com/office/drawing/2010/main" val="0"/>
-              </a:ext>
-            </a:extLst>
-          </a:blip>
-          <a:stretch>
-            <a:fillRect/>
-          </a:stretch>
-        </p:blipFill>
-        <p:spPr bwMode="auto">
-          <a:xfrm>
-            <a:off x="2171700" y="16568583"/>
-            <a:ext cx="3086100" cy="1899138"/>
-          </a:xfrm>
-          <a:prstGeom prst="rect">
-            <a:avLst/>
-          </a:prstGeom>
-          <a:noFill/>
-          <a:ln w="9525">
-            <a:solidFill>
-              <a:schemeClr val="tx2">
-                <a:lumMod val="50000"/>
-              </a:schemeClr>
-            </a:solidFill>
-            <a:miter lim="800000"/>
-            <a:headEnd/>
-            <a:tailEnd/>
-          </a:ln>
-          <a:extLst>
-            <a:ext uri="{909E8E84-426E-40DD-AFC4-6F175D3DCCD1}">
-              <a14:hiddenFill xmlns:a14="http://schemas.microsoft.com/office/drawing/2010/main">
-                <a:solidFill>
-                  <a:srgbClr val="FFFFFF"/>
-                </a:solidFill>
-              </a14:hiddenFill>
-            </a:ext>
-          </a:extLst>
-        </p:spPr>
-      </p:pic>
-      <p:pic>
-        <p:nvPicPr>
-          <p:cNvPr id="50" name="Picture 179" descr="Picture2"/>
-          <p:cNvPicPr>
-            <a:picLocks noChangeAspect="1" noChangeArrowheads="1"/>
-          </p:cNvPicPr>
-          <p:nvPr/>
-        </p:nvPicPr>
-        <p:blipFill>
-          <a:blip r:embed="rId4">
-            <a:extLst>
-              <a:ext uri="{28A0092B-C50C-407E-A947-70E740481C1C}">
-                <a14:useLocalDpi xmlns:a14="http://schemas.microsoft.com/office/drawing/2010/main" val="0"/>
-              </a:ext>
-            </a:extLst>
-          </a:blip>
-          <a:stretch>
-            <a:fillRect/>
-          </a:stretch>
-        </p:blipFill>
-        <p:spPr bwMode="auto">
-          <a:xfrm>
-            <a:off x="6800850" y="16568625"/>
-            <a:ext cx="3086100" cy="1899208"/>
-          </a:xfrm>
-          <a:prstGeom prst="rect">
-            <a:avLst/>
-          </a:prstGeom>
-          <a:noFill/>
-          <a:ln>
-            <a:noFill/>
-          </a:ln>
-          <a:extLst>
-            <a:ext uri="{909E8E84-426E-40DD-AFC4-6F175D3DCCD1}">
-              <a14:hiddenFill xmlns:a14="http://schemas.microsoft.com/office/drawing/2010/main">
-                <a:solidFill>
-                  <a:srgbClr val="FFFFFF"/>
-                </a:solidFill>
-              </a14:hiddenFill>
-            </a:ext>
-            <a:ext uri="{91240B29-F687-4F45-9708-019B960494DF}">
-              <a14:hiddenLine xmlns:a14="http://schemas.microsoft.com/office/drawing/2010/main" w="9525">
-                <a:solidFill>
-                  <a:srgbClr val="000000"/>
-                </a:solidFill>
-                <a:miter lim="800000"/>
-                <a:headEnd/>
-                <a:tailEnd/>
-              </a14:hiddenLine>
-            </a:ext>
-          </a:extLst>
-        </p:spPr>
-      </p:pic>
       <p:sp>
         <p:nvSpPr>
           <p:cNvPr id="51" name="Text Box 180"/>
@@ -5824,8 +5889,8 @@
         </p:nvSpPr>
         <p:spPr bwMode="auto">
           <a:xfrm>
-            <a:off x="2139047" y="18605220"/>
-            <a:ext cx="2572332" cy="295671"/>
+            <a:off x="6857222" y="18329113"/>
+            <a:ext cx="4028372" cy="295671"/>
           </a:xfrm>
           <a:prstGeom prst="rect">
             <a:avLst/>
@@ -5972,13 +6037,13 @@
               <a:rPr lang="en-US" sz="1600" b="1" dirty="0">
                 <a:latin typeface="Calibri" pitchFamily="34" charset="0"/>
               </a:rPr>
-              <a:t>Figure 1.</a:t>
+              <a:t>Figure 2.</a:t>
             </a:r>
             <a:r>
               <a:rPr lang="en-US" sz="1600" dirty="0">
                 <a:latin typeface="Calibri" pitchFamily="34" charset="0"/>
               </a:rPr>
-              <a:t> Label in 16pt Calibri.</a:t>
+              <a:t> Similarity matrix for “Call Me Maybe”.</a:t>
             </a:r>
           </a:p>
         </p:txBody>
@@ -5993,8 +6058,8 @@
         </p:nvSpPr>
         <p:spPr bwMode="auto">
           <a:xfrm>
-            <a:off x="6768196" y="18605220"/>
-            <a:ext cx="2572332" cy="295671"/>
+            <a:off x="1065284" y="18329114"/>
+            <a:ext cx="5320777" cy="295671"/>
           </a:xfrm>
           <a:prstGeom prst="rect">
             <a:avLst/>
@@ -6141,14 +6206,35 @@
               <a:rPr lang="en-US" sz="1600" b="1" dirty="0">
                 <a:latin typeface="Calibri" pitchFamily="34" charset="0"/>
               </a:rPr>
-              <a:t>Figure 2.</a:t>
+              <a:t>Figure 1.</a:t>
             </a:r>
             <a:r>
               <a:rPr lang="en-US" sz="1600" dirty="0">
                 <a:latin typeface="Calibri" pitchFamily="34" charset="0"/>
               </a:rPr>
-              <a:t> Label in 16pt Calibri.</a:t>
-            </a:r>
+              <a:t> </a:t>
+            </a:r>
+            <a:r>
+              <a:rPr lang="en-US" sz="1600" dirty="0" err="1">
+                <a:latin typeface="Calibri" pitchFamily="34" charset="0"/>
+              </a:rPr>
+              <a:t>Timbregram</a:t>
+            </a:r>
+            <a:r>
+              <a:rPr lang="en-US" sz="1600" dirty="0">
+                <a:latin typeface="Calibri" pitchFamily="34" charset="0"/>
+              </a:rPr>
+              <a:t> for “Call Me Maybe” by Carly Rae </a:t>
+            </a:r>
+            <a:r>
+              <a:rPr lang="en-US" sz="1600" dirty="0" err="1">
+                <a:latin typeface="Calibri" pitchFamily="34" charset="0"/>
+              </a:rPr>
+              <a:t>Jespen</a:t>
+            </a:r>
+            <a:endParaRPr lang="en-US" sz="1600" dirty="0">
+              <a:latin typeface="Calibri" pitchFamily="34" charset="0"/>
+            </a:endParaRPr>
           </a:p>
         </p:txBody>
       </p:sp>
@@ -6339,7 +6425,7 @@
         </p:xfrm>
         <a:graphic>
           <a:graphicData uri="http://schemas.openxmlformats.org/drawingml/2006/chart">
-            <c:chart xmlns:c="http://schemas.openxmlformats.org/drawingml/2006/chart" xmlns:r="http://schemas.openxmlformats.org/officeDocument/2006/relationships" r:id="rId5"/>
+            <c:chart xmlns:c="http://schemas.openxmlformats.org/drawingml/2006/chart" xmlns:r="http://schemas.openxmlformats.org/officeDocument/2006/relationships" r:id="rId3"/>
           </a:graphicData>
         </a:graphic>
       </p:graphicFrame>
@@ -6521,7 +6607,7 @@
           <p:nvPr/>
         </p:nvPicPr>
         <p:blipFill rotWithShape="1">
-          <a:blip r:embed="rId6">
+          <a:blip r:embed="rId4">
             <a:extLst>
               <a:ext uri="{28A0092B-C50C-407E-A947-70E740481C1C}">
                 <a14:useLocalDpi xmlns:a14="http://schemas.microsoft.com/office/drawing/2010/main" val="0"/>
@@ -6549,6 +6635,64 @@
               </a14:hiddenFill>
             </a:ext>
           </a:extLst>
+        </p:spPr>
+      </p:pic>
+      <p:pic>
+        <p:nvPicPr>
+          <p:cNvPr id="2" name="Picture 1"/>
+          <p:cNvPicPr>
+            <a:picLocks noChangeAspect="1"/>
+          </p:cNvPicPr>
+          <p:nvPr/>
+        </p:nvPicPr>
+        <p:blipFill rotWithShape="1">
+          <a:blip r:embed="rId5">
+            <a:extLst>
+              <a:ext uri="{28A0092B-C50C-407E-A947-70E740481C1C}">
+                <a14:useLocalDpi xmlns:a14="http://schemas.microsoft.com/office/drawing/2010/main" val="0"/>
+              </a:ext>
+            </a:extLst>
+          </a:blip>
+          <a:srcRect l="8493" t="4561" r="10394" b="4791"/>
+          <a:stretch/>
+        </p:blipFill>
+        <p:spPr>
+          <a:xfrm>
+            <a:off x="6617961" y="14399621"/>
+            <a:ext cx="4506895" cy="3746052"/>
+          </a:xfrm>
+          <a:prstGeom prst="rect">
+            <a:avLst/>
+          </a:prstGeom>
+        </p:spPr>
+      </p:pic>
+      <p:pic>
+        <p:nvPicPr>
+          <p:cNvPr id="6" name="Picture 5"/>
+          <p:cNvPicPr>
+            <a:picLocks noChangeAspect="1"/>
+          </p:cNvPicPr>
+          <p:nvPr/>
+        </p:nvPicPr>
+        <p:blipFill rotWithShape="1">
+          <a:blip r:embed="rId6">
+            <a:extLst>
+              <a:ext uri="{28A0092B-C50C-407E-A947-70E740481C1C}">
+                <a14:useLocalDpi xmlns:a14="http://schemas.microsoft.com/office/drawing/2010/main" val="0"/>
+              </a:ext>
+            </a:extLst>
+          </a:blip>
+          <a:srcRect l="9520" t="7446" r="7570" b="6690"/>
+          <a:stretch/>
+        </p:blipFill>
+        <p:spPr>
+          <a:xfrm>
+            <a:off x="911981" y="14048004"/>
+            <a:ext cx="5573261" cy="4292682"/>
+          </a:xfrm>
+          <a:prstGeom prst="rect">
+            <a:avLst/>
+          </a:prstGeom>
         </p:spPr>
       </p:pic>
     </p:spTree>

--- a/poster.pptx
+++ b/poster.pptx
@@ -3503,7 +3503,7 @@
         <p:spPr bwMode="auto">
           <a:xfrm>
             <a:off x="1097280" y="3657600"/>
-            <a:ext cx="9875520" cy="3337118"/>
+            <a:ext cx="9875520" cy="4198892"/>
           </a:xfrm>
           <a:prstGeom prst="rect">
             <a:avLst/>
@@ -3655,13 +3655,52 @@
               <a:rPr lang="en-US" sz="2000" dirty="0">
                 <a:latin typeface="Calibri" pitchFamily="34" charset="0"/>
               </a:rPr>
-              <a:t>.  A shortest path algorithm is implemented on a graph of potential segment boundaries with weights as the cost of computing segments.  We are able to </a:t>
+              <a:t>.  A shortest path algorithm is implemented on a graph of potential segment boundaries with weights as the cost of computing segments.  </a:t>
+            </a:r>
+          </a:p>
+          <a:p>
+            <a:pPr eaLnBrk="1" hangingPunct="1"/>
+            <a:endParaRPr lang="en-US" sz="2000" dirty="0">
+              <a:latin typeface="Calibri" pitchFamily="34" charset="0"/>
+            </a:endParaRPr>
+          </a:p>
+          <a:p>
+            <a:pPr eaLnBrk="1" hangingPunct="1"/>
+            <a:r>
+              <a:rPr lang="en-US" sz="2000" dirty="0">
+                <a:latin typeface="Calibri" pitchFamily="34" charset="0"/>
+              </a:rPr>
+              <a:t>When using timbre features on a dataset of 10 pop songs, we were able to correctly identify </a:t>
             </a:r>
             <a:r>
               <a:rPr lang="en-US" sz="2000" b="1" dirty="0">
                 <a:latin typeface="Calibri" pitchFamily="34" charset="0"/>
               </a:rPr>
-              <a:t>INSERT SOMETHING ABOUT HOW WELL THIS WORKS TAKE UP LIKE THREE LINES.</a:t>
+              <a:t>XX% </a:t>
+            </a:r>
+            <a:r>
+              <a:rPr lang="en-US" sz="2000" dirty="0">
+                <a:latin typeface="Calibri" pitchFamily="34" charset="0"/>
+              </a:rPr>
+              <a:t>of manually coded segmentations (recall). Moreover, </a:t>
+            </a:r>
+            <a:r>
+              <a:rPr lang="en-US" sz="2000" b="1" dirty="0">
+                <a:latin typeface="Calibri" pitchFamily="34" charset="0"/>
+              </a:rPr>
+              <a:t>XX% </a:t>
+            </a:r>
+            <a:r>
+              <a:rPr lang="en-US" sz="2000" dirty="0">
+                <a:latin typeface="Calibri" pitchFamily="34" charset="0"/>
+              </a:rPr>
+              <a:t>of automatically identified segmentations were correct (precision). Our average F1 measure was </a:t>
+            </a:r>
+            <a:r>
+              <a:rPr lang="en-US" sz="2000" b="1" dirty="0">
+                <a:latin typeface="Calibri" pitchFamily="34" charset="0"/>
+              </a:rPr>
+              <a:t>XX.</a:t>
             </a:r>
             <a:endParaRPr lang="en-US" sz="2000" dirty="0">
               <a:latin typeface="Calibri" pitchFamily="34" charset="0"/>
@@ -3736,7 +3775,7 @@
         <p:spPr bwMode="auto">
           <a:xfrm>
             <a:off x="11521440" y="8737601"/>
-            <a:ext cx="9875520" cy="5122222"/>
+            <a:ext cx="9875520" cy="1736680"/>
           </a:xfrm>
           <a:prstGeom prst="rect">
             <a:avLst/>
@@ -3861,7 +3900,55 @@
               <a:rPr lang="en-US" sz="2000" dirty="0">
                 <a:latin typeface="Calibri" pitchFamily="34" charset="0"/>
               </a:rPr>
-              <a:t>Click here to insert your Results text. Type it in or copy and paste from your Word document or other source.</a:t>
+              <a:t>We tested our segmentation algorithm with three types of feature vectors (</a:t>
+            </a:r>
+            <a:r>
+              <a:rPr lang="en-US" sz="2000" dirty="0" err="1">
+                <a:latin typeface="Calibri" pitchFamily="34" charset="0"/>
+              </a:rPr>
+              <a:t>chromagram</a:t>
+            </a:r>
+            <a:r>
+              <a:rPr lang="en-US" sz="2000" dirty="0">
+                <a:latin typeface="Calibri" pitchFamily="34" charset="0"/>
+              </a:rPr>
+              <a:t>, </a:t>
+            </a:r>
+            <a:r>
+              <a:rPr lang="en-US" sz="2000" dirty="0" err="1">
+                <a:latin typeface="Calibri" pitchFamily="34" charset="0"/>
+              </a:rPr>
+              <a:t>tempogram</a:t>
+            </a:r>
+            <a:r>
+              <a:rPr lang="en-US" sz="2000" dirty="0">
+                <a:latin typeface="Calibri" pitchFamily="34" charset="0"/>
+              </a:rPr>
+              <a:t>, </a:t>
+            </a:r>
+            <a:r>
+              <a:rPr lang="en-US" sz="2000" dirty="0" err="1">
+                <a:latin typeface="Calibri" pitchFamily="34" charset="0"/>
+              </a:rPr>
+              <a:t>timbregram</a:t>
+            </a:r>
+            <a:r>
+              <a:rPr lang="en-US" sz="2000" dirty="0">
+                <a:latin typeface="Calibri" pitchFamily="34" charset="0"/>
+              </a:rPr>
+              <a:t>) on a set of ten pop songs. The segment boundaries identified were compared to manually </a:t>
+            </a:r>
+            <a:r>
+              <a:rPr lang="en-US" sz="2000">
+                <a:latin typeface="Calibri" pitchFamily="34" charset="0"/>
+              </a:rPr>
+              <a:t>identified segment boundaries</a:t>
+            </a:r>
+            <a:r>
+              <a:rPr lang="en-US" sz="2000" dirty="0">
+                <a:latin typeface="Calibri" pitchFamily="34" charset="0"/>
+              </a:rPr>
+              <a:t>. </a:t>
             </a:r>
           </a:p>
           <a:p>
@@ -3876,88 +3963,7 @@
               <a:rPr lang="en-US" sz="2000" dirty="0">
                 <a:latin typeface="Calibri" pitchFamily="34" charset="0"/>
               </a:rPr>
-              <a:t>This text box will automatically re-size to your text. To turn off that feature, right click inside this box and go to </a:t>
-            </a:r>
-            <a:r>
-              <a:rPr lang="en-US" sz="2000" b="1" dirty="0">
-                <a:latin typeface="Calibri" pitchFamily="34" charset="0"/>
-              </a:rPr>
-              <a:t>Format Shape, Text Box, Autofit</a:t>
-            </a:r>
-            <a:r>
-              <a:rPr lang="en-US" sz="2000" dirty="0">
-                <a:latin typeface="Calibri" pitchFamily="34" charset="0"/>
-              </a:rPr>
-              <a:t>, and select the “Do Not Autofit” radio button.</a:t>
-            </a:r>
-          </a:p>
-          <a:p>
-            <a:pPr eaLnBrk="1" hangingPunct="1"/>
-            <a:endParaRPr lang="en-US" sz="2000" dirty="0">
-              <a:latin typeface="Calibri" pitchFamily="34" charset="0"/>
-            </a:endParaRPr>
-          </a:p>
-          <a:p>
-            <a:pPr eaLnBrk="1" hangingPunct="1"/>
-            <a:r>
-              <a:rPr lang="en-US" sz="2000" dirty="0">
-                <a:latin typeface="Calibri" pitchFamily="34" charset="0"/>
-              </a:rPr>
-              <a:t>To change the font style of this text box: Click on the border once to highlight the entire text box, then select a different font or font size that suits you. This text is Calibri 20pt and is easily read up to 3 feet away on a 24x36 poster, and up to 6 feet away on a 48x72 poster.</a:t>
-            </a:r>
-          </a:p>
-          <a:p>
-            <a:pPr eaLnBrk="1" hangingPunct="1"/>
-            <a:endParaRPr lang="en-US" sz="2000" dirty="0">
-              <a:latin typeface="Calibri" pitchFamily="34" charset="0"/>
-            </a:endParaRPr>
-          </a:p>
-          <a:p>
-            <a:pPr eaLnBrk="1" hangingPunct="1"/>
-            <a:r>
-              <a:rPr lang="en-US" sz="2000" dirty="0">
-                <a:latin typeface="Calibri" pitchFamily="34" charset="0"/>
-              </a:rPr>
-              <a:t>Zoom out to 100% (for 24x36) or 200% (for 48x72) to preview what this will look like on your printed poster.</a:t>
-            </a:r>
-          </a:p>
-          <a:p>
-            <a:pPr eaLnBrk="1" hangingPunct="1"/>
-            <a:endParaRPr lang="en-US" sz="2000" dirty="0">
-              <a:latin typeface="Calibri" pitchFamily="34" charset="0"/>
-            </a:endParaRPr>
-          </a:p>
-          <a:p>
-            <a:pPr eaLnBrk="1" hangingPunct="1"/>
-            <a:r>
-              <a:rPr lang="en-US" sz="2000" dirty="0">
-                <a:latin typeface="Calibri" pitchFamily="34" charset="0"/>
-              </a:rPr>
-              <a:t>Speaking of Results, yours will look better if you remember to run a spell-check on your poster! After you’ve added your content click on </a:t>
-            </a:r>
-            <a:r>
-              <a:rPr lang="en-US" sz="2000" b="1" dirty="0">
-                <a:latin typeface="Calibri" pitchFamily="34" charset="0"/>
-              </a:rPr>
-              <a:t>Review</a:t>
-            </a:r>
-            <a:r>
-              <a:rPr lang="en-US" sz="2000" dirty="0">
-                <a:latin typeface="Calibri" pitchFamily="34" charset="0"/>
-              </a:rPr>
-              <a:t>, </a:t>
-            </a:r>
-            <a:r>
-              <a:rPr lang="en-US" sz="2000" b="1" dirty="0">
-                <a:latin typeface="Calibri" pitchFamily="34" charset="0"/>
-              </a:rPr>
-              <a:t>Spelling</a:t>
-            </a:r>
-            <a:r>
-              <a:rPr lang="en-US" sz="2000" dirty="0">
-                <a:latin typeface="Calibri" pitchFamily="34" charset="0"/>
-              </a:rPr>
-              <a:t>, or press F7.</a:t>
+              <a:t>It can be seen that timbre features generally work well. </a:t>
             </a:r>
           </a:p>
         </p:txBody>
@@ -5680,43 +5686,55 @@
               <a:rPr lang="en-US" sz="2000" dirty="0">
                 <a:latin typeface="+mn-lt"/>
               </a:rPr>
-              <a:t>Our analysis of music revolves around the self-similarity matrix, a graphical representation of sequences in a data series. To construct this, we transform a discrete audio time series into a sequence of feature vectors. Various methods are used to compute the feature vectors, including construction of spectrograms, </a:t>
+              <a:t>Our analysis of music revolves around the self-similarity matrix, a graphical representation of sequences in a data series. To construct this, we transform a discrete audio time series into a sequence of feature vectors. Various methods are used to compute the feature vectors, including construction of </a:t>
             </a:r>
             <a:r>
               <a:rPr lang="en-US" sz="2000" dirty="0" err="1">
                 <a:latin typeface="+mn-lt"/>
               </a:rPr>
-              <a:t>rhythmograms</a:t>
+              <a:t>chromgragrams</a:t>
             </a:r>
             <a:r>
               <a:rPr lang="en-US" sz="2000" dirty="0">
                 <a:latin typeface="+mn-lt"/>
               </a:rPr>
-              <a:t>, and </a:t>
+              <a:t>, </a:t>
             </a:r>
             <a:r>
               <a:rPr lang="en-US" sz="2000" dirty="0" err="1">
                 <a:latin typeface="+mn-lt"/>
               </a:rPr>
-              <a:t>timbregrams</a:t>
+              <a:t>tempogram</a:t>
             </a:r>
             <a:r>
               <a:rPr lang="en-US" sz="2000" dirty="0">
                 <a:latin typeface="+mn-lt"/>
               </a:rPr>
-              <a:t>. We use the </a:t>
+              <a:t>, and </a:t>
             </a:r>
             <a:r>
               <a:rPr lang="en-US" sz="2000" dirty="0" err="1">
                 <a:latin typeface="+mn-lt"/>
               </a:rPr>
-              <a:t>timbregram</a:t>
+              <a:t>timbregrams</a:t>
             </a:r>
             <a:r>
               <a:rPr lang="en-US" sz="2000" dirty="0">
                 <a:latin typeface="+mn-lt"/>
               </a:rPr>
-              <a:t> because of its superior performance</a:t>
+              <a:t>. We tested all three, but ultimately use the </a:t>
+            </a:r>
+            <a:r>
+              <a:rPr lang="en-US" sz="2000" dirty="0" err="1">
+                <a:latin typeface="+mn-lt"/>
+              </a:rPr>
+              <a:t>timbregram</a:t>
+            </a:r>
+            <a:r>
+              <a:rPr lang="en-US" sz="2000" dirty="0">
+                <a:latin typeface="+mn-lt"/>
+              </a:rPr>
+              <a:t> due to its superior performance</a:t>
             </a:r>
             <a:r>
               <a:rPr lang="en-US" sz="2000" baseline="30000" dirty="0">

--- a/poster.pptx
+++ b/poster.pptx
@@ -3775,7 +3775,7 @@
         <p:spPr bwMode="auto">
           <a:xfrm>
             <a:off x="11521440" y="8737601"/>
-            <a:ext cx="9875520" cy="1736680"/>
+            <a:ext cx="9875520" cy="3583339"/>
           </a:xfrm>
           <a:prstGeom prst="rect">
             <a:avLst/>
@@ -3900,55 +3900,19 @@
               <a:rPr lang="en-US" sz="2000" dirty="0">
                 <a:latin typeface="Calibri" pitchFamily="34" charset="0"/>
               </a:rPr>
-              <a:t>We tested our segmentation algorithm with three types of feature vectors (</a:t>
+              <a:t>We tested our segmentation algorithm on a dataset of ten pop songs, chosen </a:t>
             </a:r>
             <a:r>
               <a:rPr lang="en-US" sz="2000" dirty="0" err="1">
                 <a:latin typeface="Calibri" pitchFamily="34" charset="0"/>
               </a:rPr>
-              <a:t>chromagram</a:t>
+              <a:t>semirandomly</a:t>
             </a:r>
             <a:r>
               <a:rPr lang="en-US" sz="2000" dirty="0">
                 <a:latin typeface="Calibri" pitchFamily="34" charset="0"/>
               </a:rPr>
-              <a:t>, </a:t>
-            </a:r>
-            <a:r>
-              <a:rPr lang="en-US" sz="2000" dirty="0" err="1">
-                <a:latin typeface="Calibri" pitchFamily="34" charset="0"/>
-              </a:rPr>
-              <a:t>tempogram</a:t>
-            </a:r>
-            <a:r>
-              <a:rPr lang="en-US" sz="2000" dirty="0">
-                <a:latin typeface="Calibri" pitchFamily="34" charset="0"/>
-              </a:rPr>
-              <a:t>, </a:t>
-            </a:r>
-            <a:r>
-              <a:rPr lang="en-US" sz="2000" dirty="0" err="1">
-                <a:latin typeface="Calibri" pitchFamily="34" charset="0"/>
-              </a:rPr>
-              <a:t>timbregram</a:t>
-            </a:r>
-            <a:r>
-              <a:rPr lang="en-US" sz="2000" dirty="0">
-                <a:latin typeface="Calibri" pitchFamily="34" charset="0"/>
-              </a:rPr>
-              <a:t>) on a set of ten pop songs. The segment boundaries identified were compared to manually </a:t>
-            </a:r>
-            <a:r>
-              <a:rPr lang="en-US" sz="2000">
-                <a:latin typeface="Calibri" pitchFamily="34" charset="0"/>
-              </a:rPr>
-              <a:t>identified segment boundaries</a:t>
-            </a:r>
-            <a:r>
-              <a:rPr lang="en-US" sz="2000" dirty="0">
-                <a:latin typeface="Calibri" pitchFamily="34" charset="0"/>
-              </a:rPr>
-              <a:t>. </a:t>
+              <a:t> from a list of all-time most popular songs. In each case, we compared the boundaries to manually identified boundaries, obtained by group members listening to each song and noting transitions between sections. We define a segment boundary within two beats of an actual boundary as being correct.</a:t>
             </a:r>
           </a:p>
           <a:p>
@@ -3963,7 +3927,34 @@
               <a:rPr lang="en-US" sz="2000" dirty="0">
                 <a:latin typeface="Calibri" pitchFamily="34" charset="0"/>
               </a:rPr>
-              <a:t>It can be seen that timbre features generally work well. </a:t>
+              <a:t>We computed the proportion of actual boundaries that were identified (precision), the proportion of identified boundaries that were correct (recall), and the F1 measure from these. This was done for each type of feature vector (</a:t>
+            </a:r>
+            <a:r>
+              <a:rPr lang="en-US" sz="2000" dirty="0" err="1">
+                <a:latin typeface="Calibri" pitchFamily="34" charset="0"/>
+              </a:rPr>
+              <a:t>chroma</a:t>
+            </a:r>
+            <a:r>
+              <a:rPr lang="en-US" sz="2000" dirty="0">
+                <a:latin typeface="Calibri" pitchFamily="34" charset="0"/>
+              </a:rPr>
+              <a:t>, tempo, and timbre features).</a:t>
+            </a:r>
+          </a:p>
+          <a:p>
+            <a:pPr eaLnBrk="1" hangingPunct="1"/>
+            <a:endParaRPr lang="en-US" sz="2000" dirty="0">
+              <a:latin typeface="Calibri" pitchFamily="34" charset="0"/>
+            </a:endParaRPr>
+          </a:p>
+          <a:p>
+            <a:pPr eaLnBrk="1" hangingPunct="1"/>
+            <a:r>
+              <a:rPr lang="en-US" sz="2000" dirty="0">
+                <a:latin typeface="Calibri" pitchFamily="34" charset="0"/>
+              </a:rPr>
+              <a:t>Table 1 presents a detailed comparison of the F1 measures for the ten testing songs. </a:t>
             </a:r>
           </a:p>
         </p:txBody>
@@ -4024,8 +4015,8 @@
           </a:p>
         </p:txBody>
       </p:sp>
-      <mc:AlternateContent xmlns:mc="http://schemas.openxmlformats.org/markup-compatibility/2006" xmlns:a14="http://schemas.microsoft.com/office/drawing/2010/main">
-        <mc:Choice Requires="a14">
+      <mc:AlternateContent xmlns:mc="http://schemas.openxmlformats.org/markup-compatibility/2006">
+        <mc:Choice xmlns:a14="http://schemas.microsoft.com/office/drawing/2010/main" Requires="a14">
           <p:sp>
             <p:nvSpPr>
               <p:cNvPr id="13" name="Text Box 192"/>
@@ -4236,7 +4227,21 @@
                         <a:rPr lang="en-US" sz="2000" b="0" i="1" smtClean="0">
                           <a:latin typeface="Cambria Math" panose="02040503050406030204" pitchFamily="18" charset="0"/>
                         </a:rPr>
-                        <m:t>= </m:t>
+                        <m:t>=</m:t>
+                      </m:r>
+                      <m:r>
+                        <a:rPr lang="en-US" sz="2000" b="0" i="1" smtClean="0">
+                          <a:latin typeface="Cambria Math" panose="02040503050406030204" pitchFamily="18" charset="0"/>
+                          <a:ea typeface="Cambria Math" panose="02040503050406030204" pitchFamily="18" charset="0"/>
+                        </a:rPr>
+                        <m:t>𝛼</m:t>
+                      </m:r>
+                      <m:r>
+                        <a:rPr lang="en-US" sz="2000" b="0" i="1" smtClean="0">
+                          <a:latin typeface="Cambria Math" panose="02040503050406030204" pitchFamily="18" charset="0"/>
+                          <a:ea typeface="Cambria Math" panose="02040503050406030204" pitchFamily="18" charset="0"/>
+                        </a:rPr>
+                        <m:t>+ </m:t>
                       </m:r>
                       <m:f>
                         <m:fPr>
@@ -4405,7 +4410,19 @@
                   <a:rPr lang="en-US" sz="2000" dirty="0">
                     <a:latin typeface="Calibri" pitchFamily="34" charset="0"/>
                   </a:rPr>
-                  <a:t>which computes an average self-similarity of each beat in the segment to all other beats in the segment. </a:t>
+                  <a:t>which computes an average self-similarity of each beat in the segment to all other beats in the segment. The parameter </a:t>
+                </a:r>
+                <a:r>
+                  <a:rPr lang="el-GR" sz="2000" dirty="0">
+                    <a:latin typeface="Calibri" pitchFamily="34" charset="0"/>
+                  </a:rPr>
+                  <a:t>α</a:t>
+                </a:r>
+                <a:r>
+                  <a:rPr lang="en-US" sz="2000" dirty="0">
+                    <a:latin typeface="Calibri" pitchFamily="34" charset="0"/>
+                  </a:rPr>
+                  <a:t> is a fixed cost which discourages excessively short segments.</a:t>
                 </a:r>
               </a:p>
               <a:p>
@@ -4420,13 +4437,13 @@
                   <a:rPr lang="en-US" sz="2000" dirty="0">
                     <a:latin typeface="Calibri" pitchFamily="34" charset="0"/>
                   </a:rPr>
-                  <a:t>After constructing the graph, we simply find the lowest-cost path from the first to the last beat. This can be done in O(N log N) time using standard pathfinding algorithms. The path with the least total cost is returned as a list of beats, and these beats become the boundaries of our segmentation.</a:t>
+                  <a:t>After constructing the graph, we simply find the lowest-cost path from the first to the last beat. This can be done in O(N log N) time using standard pathfinding algorithms. The path with the least total cost is returned as a list of beats (segment boundaries), where each beat represents the start of a segmentation.</a:t>
                 </a:r>
               </a:p>
             </p:txBody>
           </p:sp>
         </mc:Choice>
-        <mc:Fallback xmlns="">
+        <mc:Fallback>
           <p:sp>
             <p:nvSpPr>
               <p:cNvPr id="13" name="Text Box 192"/>
@@ -4446,7 +4463,7 @@
               <a:blipFill>
                 <a:blip r:embed="rId2"/>
                 <a:stretch>
-                  <a:fillRect l="-493" r="-247" b="-293"/>
+                  <a:fillRect l="-493" b="-293"/>
                 </a:stretch>
               </a:blipFill>
               <a:ln w="12700">
@@ -5046,14 +5063,14 @@
           <p:nvPr>
             <p:extLst>
               <p:ext uri="{D42A27DB-BD31-4B8C-83A1-F6EECF244321}">
-                <p14:modId xmlns:p14="http://schemas.microsoft.com/office/powerpoint/2010/main" val="1050678600"/>
+                <p14:modId xmlns:p14="http://schemas.microsoft.com/office/powerpoint/2010/main" val="634745182"/>
               </p:ext>
             </p:extLst>
           </p:nvPr>
         </p:nvGraphicFramePr>
         <p:xfrm>
-          <a:off x="11722914" y="15080517"/>
-          <a:ext cx="9599228" cy="3626581"/>
+          <a:off x="11521438" y="12420600"/>
+          <a:ext cx="9875524" cy="6216996"/>
         </p:xfrm>
         <a:graphic>
           <a:graphicData uri="http://schemas.openxmlformats.org/drawingml/2006/table">
@@ -5062,28 +5079,28 @@
                 <a:tableStyleId>{F5AB1C69-6EDB-4FF4-983F-18BD219EF322}</a:tableStyleId>
               </a:tblPr>
               <a:tblGrid>
-                <a:gridCol w="2399807">
+                <a:gridCol w="2468881">
                   <a:extLst>
                     <a:ext uri="{9D8B030D-6E8A-4147-A177-3AD203B41FA5}">
                       <a16:colId xmlns:a16="http://schemas.microsoft.com/office/drawing/2014/main" val="20000"/>
                     </a:ext>
                   </a:extLst>
                 </a:gridCol>
-                <a:gridCol w="2399807">
+                <a:gridCol w="2468881">
                   <a:extLst>
                     <a:ext uri="{9D8B030D-6E8A-4147-A177-3AD203B41FA5}">
                       <a16:colId xmlns:a16="http://schemas.microsoft.com/office/drawing/2014/main" val="20001"/>
                     </a:ext>
                   </a:extLst>
                 </a:gridCol>
-                <a:gridCol w="2399807">
+                <a:gridCol w="2468881">
                   <a:extLst>
                     <a:ext uri="{9D8B030D-6E8A-4147-A177-3AD203B41FA5}">
                       <a16:colId xmlns:a16="http://schemas.microsoft.com/office/drawing/2014/main" val="20002"/>
                     </a:ext>
                   </a:extLst>
                 </a:gridCol>
-                <a:gridCol w="2399807">
+                <a:gridCol w="2468881">
                   <a:extLst>
                     <a:ext uri="{9D8B030D-6E8A-4147-A177-3AD203B41FA5}">
                       <a16:colId xmlns:a16="http://schemas.microsoft.com/office/drawing/2014/main" val="20003"/>
@@ -5116,7 +5133,7 @@
                       <a:pPr algn="ctr"/>
                       <a:r>
                         <a:rPr lang="en-US" sz="2400" dirty="0"/>
-                        <a:t>Heading</a:t>
+                        <a:t>Chroma</a:t>
                       </a:r>
                     </a:p>
                   </a:txBody>
@@ -5136,7 +5153,7 @@
                       <a:pPr algn="ctr"/>
                       <a:r>
                         <a:rPr lang="en-US" sz="2400" dirty="0"/>
-                        <a:t>Heading</a:t>
+                        <a:t>Tempo</a:t>
                       </a:r>
                     </a:p>
                   </a:txBody>
@@ -5156,7 +5173,7 @@
                       <a:pPr algn="ctr"/>
                       <a:r>
                         <a:rPr lang="en-US" sz="2400" dirty="0"/>
-                        <a:t>Heading</a:t>
+                        <a:t>Timbre</a:t>
                       </a:r>
                     </a:p>
                   </a:txBody>
@@ -5180,9 +5197,29 @@
                     <a:bodyPr/>
                     <a:lstStyle/>
                     <a:p>
+                      <a:pPr algn="ctr"/>
                       <a:r>
-                        <a:rPr lang="en-US" sz="2400" dirty="0"/>
-                        <a:t>Item</a:t>
+                        <a:rPr lang="en-US" sz="1800" dirty="0"/>
+                        <a:t>Bohemian</a:t>
+                      </a:r>
+                      <a:r>
+                        <a:rPr lang="en-US" sz="1800" baseline="0" dirty="0"/>
+                        <a:t> Rhapsody</a:t>
+                      </a:r>
+                      <a:endParaRPr lang="en-US" sz="1800" dirty="0"/>
+                    </a:p>
+                  </a:txBody>
+                  <a:tcPr marT="22861" marB="22861" anchor="ctr"/>
+                </a:tc>
+                <a:tc>
+                  <a:txBody>
+                    <a:bodyPr/>
+                    <a:lstStyle/>
+                    <a:p>
+                      <a:pPr algn="ctr"/>
+                      <a:r>
+                        <a:rPr lang="en-US" sz="1800" dirty="0"/>
+                        <a:t>0.12</a:t>
                       </a:r>
                     </a:p>
                   </a:txBody>
@@ -5195,8 +5232,8 @@
                     <a:p>
                       <a:pPr algn="ctr"/>
                       <a:r>
-                        <a:rPr lang="en-US" sz="2400" dirty="0"/>
-                        <a:t>800</a:t>
+                        <a:rPr lang="en-US" sz="1800" dirty="0"/>
+                        <a:t>0.22</a:t>
                       </a:r>
                     </a:p>
                   </a:txBody>
@@ -5209,22 +5246,8 @@
                     <a:p>
                       <a:pPr algn="ctr"/>
                       <a:r>
-                        <a:rPr lang="en-US" sz="2400" dirty="0"/>
-                        <a:t>790</a:t>
-                      </a:r>
-                    </a:p>
-                  </a:txBody>
-                  <a:tcPr marT="22861" marB="22861" anchor="ctr"/>
-                </a:tc>
-                <a:tc>
-                  <a:txBody>
-                    <a:bodyPr/>
-                    <a:lstStyle/>
-                    <a:p>
-                      <a:pPr algn="ctr"/>
-                      <a:r>
-                        <a:rPr lang="en-US" sz="2400" dirty="0"/>
-                        <a:t>4001</a:t>
+                        <a:rPr lang="en-US" sz="1800" dirty="0"/>
+                        <a:t>0.19</a:t>
                       </a:r>
                     </a:p>
                   </a:txBody>
@@ -5242,9 +5265,10 @@
                     <a:bodyPr/>
                     <a:lstStyle/>
                     <a:p>
+                      <a:pPr algn="ctr"/>
                       <a:r>
-                        <a:rPr lang="en-US" sz="2400" dirty="0"/>
-                        <a:t>Item</a:t>
+                        <a:rPr lang="en-US" sz="1800" dirty="0"/>
+                        <a:t>Call Me Maybe</a:t>
                       </a:r>
                     </a:p>
                   </a:txBody>
@@ -5257,8 +5281,8 @@
                     <a:p>
                       <a:pPr algn="ctr"/>
                       <a:r>
-                        <a:rPr lang="en-US" sz="2400" dirty="0"/>
-                        <a:t>356</a:t>
+                        <a:rPr lang="en-US" sz="1800" dirty="0"/>
+                        <a:t>0.53</a:t>
                       </a:r>
                     </a:p>
                   </a:txBody>
@@ -5271,8 +5295,8 @@
                     <a:p>
                       <a:pPr algn="ctr"/>
                       <a:r>
-                        <a:rPr lang="en-US" sz="2400" dirty="0"/>
-                        <a:t>856</a:t>
+                        <a:rPr lang="en-US" sz="1800" dirty="0"/>
+                        <a:t>0.47</a:t>
                       </a:r>
                     </a:p>
                   </a:txBody>
@@ -5285,8 +5309,8 @@
                     <a:p>
                       <a:pPr algn="ctr"/>
                       <a:r>
-                        <a:rPr lang="en-US" sz="2400" dirty="0"/>
-                        <a:t>290</a:t>
+                        <a:rPr lang="en-US" sz="1800" dirty="0"/>
+                        <a:t>0.66</a:t>
                       </a:r>
                     </a:p>
                   </a:txBody>
@@ -5304,9 +5328,10 @@
                     <a:bodyPr/>
                     <a:lstStyle/>
                     <a:p>
+                      <a:pPr algn="ctr"/>
                       <a:r>
-                        <a:rPr lang="en-US" sz="2400" dirty="0"/>
-                        <a:t>Item</a:t>
+                        <a:rPr lang="en-US" sz="1800" dirty="0"/>
+                        <a:t>Come On Eileen</a:t>
                       </a:r>
                     </a:p>
                   </a:txBody>
@@ -5319,8 +5344,8 @@
                     <a:p>
                       <a:pPr algn="ctr"/>
                       <a:r>
-                        <a:rPr lang="en-US" sz="2400" dirty="0"/>
-                        <a:t>228</a:t>
+                        <a:rPr lang="en-US" sz="1800" dirty="0"/>
+                        <a:t>0.28</a:t>
                       </a:r>
                     </a:p>
                   </a:txBody>
@@ -5333,8 +5358,8 @@
                     <a:p>
                       <a:pPr algn="ctr"/>
                       <a:r>
-                        <a:rPr lang="en-US" sz="2400" dirty="0"/>
-                        <a:t>134</a:t>
+                        <a:rPr lang="en-US" sz="1800" dirty="0"/>
+                        <a:t>0.31</a:t>
                       </a:r>
                     </a:p>
                   </a:txBody>
@@ -5347,8 +5372,8 @@
                     <a:p>
                       <a:pPr algn="ctr"/>
                       <a:r>
-                        <a:rPr lang="en-US" sz="2400" dirty="0"/>
-                        <a:t>238</a:t>
+                        <a:rPr lang="en-US" sz="1800" dirty="0"/>
+                        <a:t>0.38</a:t>
                       </a:r>
                     </a:p>
                   </a:txBody>
@@ -5366,9 +5391,10 @@
                     <a:bodyPr/>
                     <a:lstStyle/>
                     <a:p>
+                      <a:pPr algn="ctr"/>
                       <a:r>
-                        <a:rPr lang="en-US" sz="2400" dirty="0"/>
-                        <a:t>Item</a:t>
+                        <a:rPr lang="en-US" sz="1800" dirty="0"/>
+                        <a:t>Firework</a:t>
                       </a:r>
                     </a:p>
                   </a:txBody>
@@ -5381,8 +5407,8 @@
                     <a:p>
                       <a:pPr algn="ctr"/>
                       <a:r>
-                        <a:rPr lang="en-US" sz="2400" dirty="0"/>
-                        <a:t>954</a:t>
+                        <a:rPr lang="en-US" sz="1800" dirty="0"/>
+                        <a:t>0.35</a:t>
                       </a:r>
                     </a:p>
                   </a:txBody>
@@ -5395,8 +5421,8 @@
                     <a:p>
                       <a:pPr algn="ctr"/>
                       <a:r>
-                        <a:rPr lang="en-US" sz="2400" dirty="0"/>
-                        <a:t>875</a:t>
+                        <a:rPr lang="en-US" sz="1800" dirty="0"/>
+                        <a:t>0.53</a:t>
                       </a:r>
                     </a:p>
                   </a:txBody>
@@ -5409,8 +5435,8 @@
                     <a:p>
                       <a:pPr algn="ctr"/>
                       <a:r>
-                        <a:rPr lang="en-US" sz="2400" dirty="0"/>
-                        <a:t>976</a:t>
+                        <a:rPr lang="en-US" sz="1800" dirty="0"/>
+                        <a:t>0.53</a:t>
                       </a:r>
                     </a:p>
                   </a:txBody>
@@ -5428,9 +5454,29 @@
                     <a:bodyPr/>
                     <a:lstStyle/>
                     <a:p>
+                      <a:pPr algn="ctr"/>
                       <a:r>
-                        <a:rPr lang="en-US" sz="2400" dirty="0"/>
-                        <a:t>Item</a:t>
+                        <a:rPr lang="en-US" sz="1800" dirty="0"/>
+                        <a:t>Happy</a:t>
+                      </a:r>
+                      <a:r>
+                        <a:rPr lang="en-US" sz="1800" baseline="0" dirty="0"/>
+                        <a:t> Together</a:t>
+                      </a:r>
+                      <a:endParaRPr lang="en-US" sz="1800" dirty="0"/>
+                    </a:p>
+                  </a:txBody>
+                  <a:tcPr marT="22861" marB="22861" anchor="ctr"/>
+                </a:tc>
+                <a:tc>
+                  <a:txBody>
+                    <a:bodyPr/>
+                    <a:lstStyle/>
+                    <a:p>
+                      <a:pPr algn="ctr"/>
+                      <a:r>
+                        <a:rPr lang="en-US" sz="1800" dirty="0"/>
+                        <a:t>0.38</a:t>
                       </a:r>
                     </a:p>
                   </a:txBody>
@@ -5443,8 +5489,8 @@
                     <a:p>
                       <a:pPr algn="ctr"/>
                       <a:r>
-                        <a:rPr lang="en-US" sz="2400" dirty="0"/>
-                        <a:t>324</a:t>
+                        <a:rPr lang="en-US" sz="1800" dirty="0"/>
+                        <a:t>0.38</a:t>
                       </a:r>
                     </a:p>
                   </a:txBody>
@@ -5457,22 +5503,8 @@
                     <a:p>
                       <a:pPr algn="ctr"/>
                       <a:r>
-                        <a:rPr lang="en-US" sz="2400" dirty="0"/>
-                        <a:t>325</a:t>
-                      </a:r>
-                    </a:p>
-                  </a:txBody>
-                  <a:tcPr marT="22861" marB="22861" anchor="ctr"/>
-                </a:tc>
-                <a:tc>
-                  <a:txBody>
-                    <a:bodyPr/>
-                    <a:lstStyle/>
-                    <a:p>
-                      <a:pPr algn="ctr"/>
-                      <a:r>
-                        <a:rPr lang="en-US" sz="2400" dirty="0"/>
-                        <a:t>301</a:t>
+                        <a:rPr lang="en-US" sz="1800" dirty="0"/>
+                        <a:t>0.25</a:t>
                       </a:r>
                     </a:p>
                   </a:txBody>
@@ -5490,9 +5522,10 @@
                     <a:bodyPr/>
                     <a:lstStyle/>
                     <a:p>
+                      <a:pPr algn="ctr"/>
                       <a:r>
-                        <a:rPr lang="en-US" sz="2400" dirty="0"/>
-                        <a:t>Item</a:t>
+                        <a:rPr lang="en-US" sz="1800" dirty="0"/>
+                        <a:t>Hotel California</a:t>
                       </a:r>
                     </a:p>
                   </a:txBody>
@@ -5505,8 +5538,8 @@
                     <a:p>
                       <a:pPr algn="ctr"/>
                       <a:r>
-                        <a:rPr lang="en-US" sz="2400" dirty="0"/>
-                        <a:t>199</a:t>
+                        <a:rPr lang="en-US" sz="1800" dirty="0"/>
+                        <a:t>0.44</a:t>
                       </a:r>
                     </a:p>
                   </a:txBody>
@@ -5519,8 +5552,8 @@
                     <a:p>
                       <a:pPr algn="ctr"/>
                       <a:r>
-                        <a:rPr lang="en-US" sz="2400" dirty="0"/>
-                        <a:t>137</a:t>
+                        <a:rPr lang="en-US" sz="1800" dirty="0"/>
+                        <a:t>0.14</a:t>
                       </a:r>
                     </a:p>
                   </a:txBody>
@@ -5533,8 +5566,8 @@
                     <a:p>
                       <a:pPr algn="ctr"/>
                       <a:r>
-                        <a:rPr lang="en-US" sz="2400" dirty="0"/>
-                        <a:t>186</a:t>
+                        <a:rPr lang="en-US" sz="1800" dirty="0"/>
+                        <a:t>0.38</a:t>
                       </a:r>
                     </a:p>
                   </a:txBody>
@@ -5543,6 +5576,326 @@
                 <a:extLst>
                   <a:ext uri="{0D108BD9-81ED-4DB2-BD59-A6C34878D82A}">
                     <a16:rowId xmlns:a16="http://schemas.microsoft.com/office/drawing/2014/main" val="10006"/>
+                  </a:ext>
+                </a:extLst>
+              </a:tr>
+              <a:tr h="518083">
+                <a:tc>
+                  <a:txBody>
+                    <a:bodyPr/>
+                    <a:lstStyle/>
+                    <a:p>
+                      <a:pPr algn="ctr"/>
+                      <a:r>
+                        <a:rPr lang="en-US" sz="1800" dirty="0"/>
+                        <a:t>Raspberry</a:t>
+                      </a:r>
+                      <a:r>
+                        <a:rPr lang="en-US" sz="1800" baseline="0" dirty="0"/>
+                        <a:t> Beret</a:t>
+                      </a:r>
+                      <a:endParaRPr lang="en-US" sz="1800" dirty="0"/>
+                    </a:p>
+                  </a:txBody>
+                  <a:tcPr marT="22861" marB="22861" anchor="ctr"/>
+                </a:tc>
+                <a:tc>
+                  <a:txBody>
+                    <a:bodyPr/>
+                    <a:lstStyle/>
+                    <a:p>
+                      <a:pPr algn="ctr"/>
+                      <a:r>
+                        <a:rPr lang="en-US" sz="1800" dirty="0"/>
+                        <a:t>0.36</a:t>
+                      </a:r>
+                    </a:p>
+                  </a:txBody>
+                  <a:tcPr marT="22861" marB="22861" anchor="ctr"/>
+                </a:tc>
+                <a:tc>
+                  <a:txBody>
+                    <a:bodyPr/>
+                    <a:lstStyle/>
+                    <a:p>
+                      <a:pPr algn="ctr"/>
+                      <a:r>
+                        <a:rPr lang="en-US" sz="1800" dirty="0"/>
+                        <a:t>0.53</a:t>
+                      </a:r>
+                    </a:p>
+                  </a:txBody>
+                  <a:tcPr marT="22861" marB="22861" anchor="ctr"/>
+                </a:tc>
+                <a:tc>
+                  <a:txBody>
+                    <a:bodyPr/>
+                    <a:lstStyle/>
+                    <a:p>
+                      <a:pPr algn="ctr"/>
+                      <a:r>
+                        <a:rPr lang="en-US" sz="1800" dirty="0"/>
+                        <a:t>0.50</a:t>
+                      </a:r>
+                    </a:p>
+                  </a:txBody>
+                  <a:tcPr marT="22861" marB="22861" anchor="ctr"/>
+                </a:tc>
+                <a:extLst>
+                  <a:ext uri="{0D108BD9-81ED-4DB2-BD59-A6C34878D82A}">
+                    <a16:rowId xmlns:a16="http://schemas.microsoft.com/office/drawing/2014/main" val="1208779022"/>
+                  </a:ext>
+                </a:extLst>
+              </a:tr>
+              <a:tr h="518083">
+                <a:tc>
+                  <a:txBody>
+                    <a:bodyPr/>
+                    <a:lstStyle/>
+                    <a:p>
+                      <a:pPr algn="ctr"/>
+                      <a:r>
+                        <a:rPr lang="en-US" sz="1800" dirty="0"/>
+                        <a:t>Rolling in the Deep</a:t>
+                      </a:r>
+                    </a:p>
+                  </a:txBody>
+                  <a:tcPr marT="22861" marB="22861" anchor="ctr"/>
+                </a:tc>
+                <a:tc>
+                  <a:txBody>
+                    <a:bodyPr/>
+                    <a:lstStyle/>
+                    <a:p>
+                      <a:pPr algn="ctr"/>
+                      <a:r>
+                        <a:rPr lang="en-US" sz="1800" dirty="0"/>
+                        <a:t>0.47</a:t>
+                      </a:r>
+                    </a:p>
+                  </a:txBody>
+                  <a:tcPr marT="22861" marB="22861" anchor="ctr"/>
+                </a:tc>
+                <a:tc>
+                  <a:txBody>
+                    <a:bodyPr/>
+                    <a:lstStyle/>
+                    <a:p>
+                      <a:pPr algn="ctr"/>
+                      <a:r>
+                        <a:rPr lang="en-US" sz="1800" dirty="0"/>
+                        <a:t>0.31</a:t>
+                      </a:r>
+                    </a:p>
+                  </a:txBody>
+                  <a:tcPr marT="22861" marB="22861" anchor="ctr"/>
+                </a:tc>
+                <a:tc>
+                  <a:txBody>
+                    <a:bodyPr/>
+                    <a:lstStyle/>
+                    <a:p>
+                      <a:pPr algn="ctr"/>
+                      <a:r>
+                        <a:rPr lang="en-US" sz="1800" dirty="0"/>
+                        <a:t>0.43</a:t>
+                      </a:r>
+                    </a:p>
+                  </a:txBody>
+                  <a:tcPr marT="22861" marB="22861" anchor="ctr"/>
+                </a:tc>
+                <a:extLst>
+                  <a:ext uri="{0D108BD9-81ED-4DB2-BD59-A6C34878D82A}">
+                    <a16:rowId xmlns:a16="http://schemas.microsoft.com/office/drawing/2014/main" val="3512014767"/>
+                  </a:ext>
+                </a:extLst>
+              </a:tr>
+              <a:tr h="518083">
+                <a:tc>
+                  <a:txBody>
+                    <a:bodyPr/>
+                    <a:lstStyle/>
+                    <a:p>
+                      <a:pPr algn="ctr"/>
+                      <a:r>
+                        <a:rPr lang="en-US" sz="1800" dirty="0"/>
+                        <a:t>Titanium</a:t>
+                      </a:r>
+                    </a:p>
+                  </a:txBody>
+                  <a:tcPr marT="22861" marB="22861" anchor="ctr"/>
+                </a:tc>
+                <a:tc>
+                  <a:txBody>
+                    <a:bodyPr/>
+                    <a:lstStyle/>
+                    <a:p>
+                      <a:pPr algn="ctr"/>
+                      <a:r>
+                        <a:rPr lang="en-US" sz="1800" dirty="0"/>
+                        <a:t>0.25</a:t>
+                      </a:r>
+                    </a:p>
+                  </a:txBody>
+                  <a:tcPr marT="22861" marB="22861" anchor="ctr"/>
+                </a:tc>
+                <a:tc>
+                  <a:txBody>
+                    <a:bodyPr/>
+                    <a:lstStyle/>
+                    <a:p>
+                      <a:pPr algn="ctr"/>
+                      <a:r>
+                        <a:rPr lang="en-US" sz="1800" dirty="0"/>
+                        <a:t>0.33</a:t>
+                      </a:r>
+                    </a:p>
+                  </a:txBody>
+                  <a:tcPr marT="22861" marB="22861" anchor="ctr"/>
+                </a:tc>
+                <a:tc>
+                  <a:txBody>
+                    <a:bodyPr/>
+                    <a:lstStyle/>
+                    <a:p>
+                      <a:pPr algn="ctr"/>
+                      <a:r>
+                        <a:rPr lang="en-US" sz="1800" dirty="0"/>
+                        <a:t>0.78</a:t>
+                      </a:r>
+                    </a:p>
+                  </a:txBody>
+                  <a:tcPr marT="22861" marB="22861" anchor="ctr"/>
+                </a:tc>
+                <a:extLst>
+                  <a:ext uri="{0D108BD9-81ED-4DB2-BD59-A6C34878D82A}">
+                    <a16:rowId xmlns:a16="http://schemas.microsoft.com/office/drawing/2014/main" val="2222168316"/>
+                  </a:ext>
+                </a:extLst>
+              </a:tr>
+              <a:tr h="518083">
+                <a:tc>
+                  <a:txBody>
+                    <a:bodyPr/>
+                    <a:lstStyle/>
+                    <a:p>
+                      <a:pPr algn="ctr"/>
+                      <a:r>
+                        <a:rPr lang="en-US" sz="1800" dirty="0"/>
+                        <a:t>When Doves Cry</a:t>
+                      </a:r>
+                    </a:p>
+                  </a:txBody>
+                  <a:tcPr marT="22861" marB="22861" anchor="ctr"/>
+                </a:tc>
+                <a:tc>
+                  <a:txBody>
+                    <a:bodyPr/>
+                    <a:lstStyle/>
+                    <a:p>
+                      <a:pPr algn="ctr"/>
+                      <a:r>
+                        <a:rPr lang="en-US" sz="1800" dirty="0"/>
+                        <a:t>0.36</a:t>
+                      </a:r>
+                    </a:p>
+                  </a:txBody>
+                  <a:tcPr marT="22861" marB="22861" anchor="ctr"/>
+                </a:tc>
+                <a:tc>
+                  <a:txBody>
+                    <a:bodyPr/>
+                    <a:lstStyle/>
+                    <a:p>
+                      <a:pPr algn="ctr"/>
+                      <a:r>
+                        <a:rPr lang="en-US" sz="1800" dirty="0"/>
+                        <a:t>0.20</a:t>
+                      </a:r>
+                    </a:p>
+                  </a:txBody>
+                  <a:tcPr marT="22861" marB="22861" anchor="ctr"/>
+                </a:tc>
+                <a:tc>
+                  <a:txBody>
+                    <a:bodyPr/>
+                    <a:lstStyle/>
+                    <a:p>
+                      <a:pPr algn="ctr"/>
+                      <a:r>
+                        <a:rPr lang="en-US" sz="1800" dirty="0"/>
+                        <a:t>0.27</a:t>
+                      </a:r>
+                    </a:p>
+                  </a:txBody>
+                  <a:tcPr marT="22861" marB="22861" anchor="ctr"/>
+                </a:tc>
+                <a:extLst>
+                  <a:ext uri="{0D108BD9-81ED-4DB2-BD59-A6C34878D82A}">
+                    <a16:rowId xmlns:a16="http://schemas.microsoft.com/office/drawing/2014/main" val="3627103803"/>
+                  </a:ext>
+                </a:extLst>
+              </a:tr>
+              <a:tr h="518083">
+                <a:tc>
+                  <a:txBody>
+                    <a:bodyPr/>
+                    <a:lstStyle/>
+                    <a:p>
+                      <a:pPr algn="ctr"/>
+                      <a:r>
+                        <a:rPr lang="en-US" sz="1800" b="1" dirty="0"/>
+                        <a:t>Average</a:t>
+                      </a:r>
+                    </a:p>
+                  </a:txBody>
+                  <a:tcPr marT="22861" marB="22861" anchor="ctr"/>
+                </a:tc>
+                <a:tc>
+                  <a:txBody>
+                    <a:bodyPr/>
+                    <a:lstStyle/>
+                    <a:p>
+                      <a:pPr algn="ctr"/>
+                      <a:r>
+                        <a:rPr lang="en-US" sz="1800" b="1" dirty="0"/>
+                        <a:t>0.35</a:t>
+                      </a:r>
+                    </a:p>
+                  </a:txBody>
+                  <a:tcPr marT="22861" marB="22861" anchor="ctr"/>
+                </a:tc>
+                <a:tc>
+                  <a:txBody>
+                    <a:bodyPr/>
+                    <a:lstStyle/>
+                    <a:p>
+                      <a:pPr algn="ctr"/>
+                      <a:r>
+                        <a:rPr lang="en-US" sz="1800" b="1" dirty="0"/>
+                        <a:t>0.34</a:t>
+                      </a:r>
+                    </a:p>
+                  </a:txBody>
+                  <a:tcPr marT="22861" marB="22861" anchor="ctr"/>
+                </a:tc>
+                <a:tc>
+                  <a:txBody>
+                    <a:bodyPr/>
+                    <a:lstStyle/>
+                    <a:p>
+                      <a:pPr algn="ctr"/>
+                      <a:r>
+                        <a:rPr lang="en-US" sz="1800" b="1" dirty="0"/>
+                        <a:t>0.44</a:t>
+                      </a:r>
+                    </a:p>
+                  </a:txBody>
+                  <a:tcPr marT="22861" marB="22861" anchor="ctr"/>
+                </a:tc>
+                <a:extLst>
+                  <a:ext uri="{0D108BD9-81ED-4DB2-BD59-A6C34878D82A}">
+                    <a16:rowId xmlns:a16="http://schemas.microsoft.com/office/drawing/2014/main" val="443034617"/>
                   </a:ext>
                 </a:extLst>
               </a:tr>
@@ -6266,8 +6619,8 @@
         </p:nvSpPr>
         <p:spPr bwMode="auto">
           <a:xfrm>
-            <a:off x="11983787" y="14711691"/>
-            <a:ext cx="2495004" cy="295671"/>
+            <a:off x="14028238" y="18624784"/>
+            <a:ext cx="4861934" cy="295671"/>
           </a:xfrm>
           <a:prstGeom prst="rect">
             <a:avLst/>
@@ -6420,7 +6773,7 @@
               <a:rPr lang="en-US" sz="1600" dirty="0">
                 <a:latin typeface="Calibri" pitchFamily="34" charset="0"/>
               </a:rPr>
-              <a:t> Label in 16pt Calibri.</a:t>
+              <a:t> Comparison of feature vectors on testing dataset</a:t>
             </a:r>
           </a:p>
         </p:txBody>

--- a/poster.pptx
+++ b/poster.pptx
@@ -2742,6 +2742,260 @@
       </p:grpSpPr>
       <p:sp>
         <p:nvSpPr>
+          <p:cNvPr id="30" name="Text Box 191"/>
+          <p:cNvSpPr txBox="1">
+            <a:spLocks noChangeArrowheads="1"/>
+          </p:cNvSpPr>
+          <p:nvPr/>
+        </p:nvSpPr>
+        <p:spPr bwMode="auto">
+          <a:xfrm>
+            <a:off x="22074882" y="3657600"/>
+            <a:ext cx="9875520" cy="2044456"/>
+          </a:xfrm>
+          <a:prstGeom prst="rect">
+            <a:avLst/>
+          </a:prstGeom>
+          <a:solidFill>
+            <a:schemeClr val="bg1"/>
+          </a:solidFill>
+          <a:ln w="12700">
+            <a:solidFill>
+              <a:schemeClr val="accent1">
+                <a:lumMod val="75000"/>
+              </a:schemeClr>
+            </a:solidFill>
+          </a:ln>
+          <a:effectLst/>
+        </p:spPr>
+        <p:txBody>
+          <a:bodyPr lIns="97942" tIns="97942" rIns="97942" bIns="97942">
+            <a:spAutoFit/>
+          </a:bodyPr>
+          <a:lstStyle>
+            <a:lvl1pPr eaLnBrk="0" hangingPunct="0">
+              <a:defRPr sz="2200">
+                <a:solidFill>
+                  <a:schemeClr val="tx1"/>
+                </a:solidFill>
+                <a:latin typeface="Arial" charset="0"/>
+              </a:defRPr>
+            </a:lvl1pPr>
+            <a:lvl2pPr marL="742950" indent="-285750" eaLnBrk="0" hangingPunct="0">
+              <a:defRPr sz="2200">
+                <a:solidFill>
+                  <a:schemeClr val="tx1"/>
+                </a:solidFill>
+                <a:latin typeface="Arial" charset="0"/>
+              </a:defRPr>
+            </a:lvl2pPr>
+            <a:lvl3pPr marL="1143000" indent="-228600" eaLnBrk="0" hangingPunct="0">
+              <a:defRPr sz="2200">
+                <a:solidFill>
+                  <a:schemeClr val="tx1"/>
+                </a:solidFill>
+                <a:latin typeface="Arial" charset="0"/>
+              </a:defRPr>
+            </a:lvl3pPr>
+            <a:lvl4pPr marL="1600200" indent="-228600" eaLnBrk="0" hangingPunct="0">
+              <a:defRPr sz="2200">
+                <a:solidFill>
+                  <a:schemeClr val="tx1"/>
+                </a:solidFill>
+                <a:latin typeface="Arial" charset="0"/>
+              </a:defRPr>
+            </a:lvl4pPr>
+            <a:lvl5pPr marL="2057400" indent="-228600" eaLnBrk="0" hangingPunct="0">
+              <a:defRPr sz="2200">
+                <a:solidFill>
+                  <a:schemeClr val="tx1"/>
+                </a:solidFill>
+                <a:latin typeface="Arial" charset="0"/>
+              </a:defRPr>
+            </a:lvl5pPr>
+            <a:lvl6pPr marL="2514600" indent="-228600" eaLnBrk="0" fontAlgn="base" hangingPunct="0">
+              <a:spcBef>
+                <a:spcPct val="0"/>
+              </a:spcBef>
+              <a:spcAft>
+                <a:spcPct val="0"/>
+              </a:spcAft>
+              <a:defRPr sz="2200">
+                <a:solidFill>
+                  <a:schemeClr val="tx1"/>
+                </a:solidFill>
+                <a:latin typeface="Arial" charset="0"/>
+              </a:defRPr>
+            </a:lvl6pPr>
+            <a:lvl7pPr marL="2971800" indent="-228600" eaLnBrk="0" fontAlgn="base" hangingPunct="0">
+              <a:spcBef>
+                <a:spcPct val="0"/>
+              </a:spcBef>
+              <a:spcAft>
+                <a:spcPct val="0"/>
+              </a:spcAft>
+              <a:defRPr sz="2200">
+                <a:solidFill>
+                  <a:schemeClr val="tx1"/>
+                </a:solidFill>
+                <a:latin typeface="Arial" charset="0"/>
+              </a:defRPr>
+            </a:lvl7pPr>
+            <a:lvl8pPr marL="3429000" indent="-228600" eaLnBrk="0" fontAlgn="base" hangingPunct="0">
+              <a:spcBef>
+                <a:spcPct val="0"/>
+              </a:spcBef>
+              <a:spcAft>
+                <a:spcPct val="0"/>
+              </a:spcAft>
+              <a:defRPr sz="2200">
+                <a:solidFill>
+                  <a:schemeClr val="tx1"/>
+                </a:solidFill>
+                <a:latin typeface="Arial" charset="0"/>
+              </a:defRPr>
+            </a:lvl8pPr>
+            <a:lvl9pPr marL="3886200" indent="-228600" eaLnBrk="0" fontAlgn="base" hangingPunct="0">
+              <a:spcBef>
+                <a:spcPct val="0"/>
+              </a:spcBef>
+              <a:spcAft>
+                <a:spcPct val="0"/>
+              </a:spcAft>
+              <a:defRPr sz="2200">
+                <a:solidFill>
+                  <a:schemeClr val="tx1"/>
+                </a:solidFill>
+                <a:latin typeface="Arial" charset="0"/>
+              </a:defRPr>
+            </a:lvl9pPr>
+          </a:lstStyle>
+          <a:p>
+            <a:pPr eaLnBrk="1" hangingPunct="1"/>
+            <a:r>
+              <a:rPr lang="en-US" sz="2000" dirty="0">
+                <a:latin typeface="Calibri" pitchFamily="34" charset="0"/>
+              </a:rPr>
+              <a:t>We see that </a:t>
+            </a:r>
+            <a:r>
+              <a:rPr lang="en-US" sz="2000" dirty="0" err="1">
+                <a:latin typeface="Calibri" pitchFamily="34" charset="0"/>
+              </a:rPr>
+              <a:t>Structify</a:t>
+            </a:r>
+            <a:r>
+              <a:rPr lang="en-US" sz="2000" dirty="0">
+                <a:latin typeface="Calibri" pitchFamily="34" charset="0"/>
+              </a:rPr>
+              <a:t> works reasonably well. Some notable results include accurately identifying the start of the chorus of “Call Me Maybe” each time it occurred, and </a:t>
+            </a:r>
+            <a:r>
+              <a:rPr lang="en-US" sz="2000" b="1" dirty="0">
+                <a:latin typeface="Calibri" pitchFamily="34" charset="0"/>
+              </a:rPr>
+              <a:t>ADD MORE THINGS THAT THIS DOES</a:t>
+            </a:r>
+          </a:p>
+          <a:p>
+            <a:pPr eaLnBrk="1" hangingPunct="1"/>
+            <a:endParaRPr lang="en-US" sz="2000" b="1" dirty="0">
+              <a:latin typeface="Calibri" pitchFamily="34" charset="0"/>
+            </a:endParaRPr>
+          </a:p>
+          <a:p>
+            <a:pPr eaLnBrk="1" hangingPunct="1"/>
+            <a:r>
+              <a:rPr lang="en-US" sz="2000" dirty="0">
+                <a:latin typeface="Calibri" pitchFamily="34" charset="0"/>
+              </a:rPr>
+              <a:t>Figures 3 and 4 show the results of </a:t>
+            </a:r>
+            <a:r>
+              <a:rPr lang="en-US" sz="2000" dirty="0" err="1">
+                <a:latin typeface="Calibri" pitchFamily="34" charset="0"/>
+              </a:rPr>
+              <a:t>Structify</a:t>
+            </a:r>
+            <a:r>
+              <a:rPr lang="en-US" sz="2000" dirty="0">
+                <a:latin typeface="Calibri" pitchFamily="34" charset="0"/>
+              </a:rPr>
+              <a:t> on “Call Me Maybe” (Carly Rae Jepsen) and “Titanium” (David Guetta ft. </a:t>
+            </a:r>
+            <a:r>
+              <a:rPr lang="en-US" sz="2000" dirty="0" err="1">
+                <a:latin typeface="Calibri" pitchFamily="34" charset="0"/>
+              </a:rPr>
+              <a:t>Sia</a:t>
+            </a:r>
+            <a:r>
+              <a:rPr lang="en-US" sz="2000" dirty="0">
+                <a:latin typeface="Calibri" pitchFamily="34" charset="0"/>
+              </a:rPr>
+              <a:t>).</a:t>
+            </a:r>
+          </a:p>
+        </p:txBody>
+      </p:sp>
+      <p:sp>
+        <p:nvSpPr>
+          <p:cNvPr id="31" name="Rectangle 30"/>
+          <p:cNvSpPr/>
+          <p:nvPr/>
+        </p:nvSpPr>
+        <p:spPr>
+          <a:xfrm>
+            <a:off x="22074882" y="3200400"/>
+            <a:ext cx="9875520" cy="457200"/>
+          </a:xfrm>
+          <a:prstGeom prst="rect">
+            <a:avLst/>
+          </a:prstGeom>
+          <a:solidFill>
+            <a:schemeClr val="accent1">
+              <a:lumMod val="75000"/>
+            </a:schemeClr>
+          </a:solidFill>
+          <a:ln w="12700"/>
+        </p:spPr>
+        <p:style>
+          <a:lnRef idx="2">
+            <a:schemeClr val="accent1">
+              <a:shade val="50000"/>
+            </a:schemeClr>
+          </a:lnRef>
+          <a:fillRef idx="1">
+            <a:schemeClr val="accent1"/>
+          </a:fillRef>
+          <a:effectRef idx="0">
+            <a:schemeClr val="accent1"/>
+          </a:effectRef>
+          <a:fontRef idx="minor">
+            <a:schemeClr val="lt1"/>
+          </a:fontRef>
+        </p:style>
+        <p:txBody>
+          <a:bodyPr lIns="48971" tIns="24486" rIns="48971" bIns="24486" rtlCol="0" anchor="ctr"/>
+          <a:lstStyle/>
+          <a:p>
+            <a:pPr algn="ctr"/>
+            <a:r>
+              <a:rPr lang="en-US" sz="3200" b="1" dirty="0">
+                <a:solidFill>
+                  <a:schemeClr val="accent3">
+                    <a:lumMod val="20000"/>
+                    <a:lumOff val="80000"/>
+                  </a:schemeClr>
+                </a:solidFill>
+              </a:rPr>
+              <a:t>Discussion</a:t>
+            </a:r>
+          </a:p>
+        </p:txBody>
+      </p:sp>
+      <p:sp>
+        <p:nvSpPr>
           <p:cNvPr id="4" name="Text Box 122"/>
           <p:cNvSpPr txBox="1">
             <a:spLocks noChangeArrowheads="1"/>
@@ -3503,7 +3757,7 @@
         <p:spPr bwMode="auto">
           <a:xfrm>
             <a:off x="1097280" y="3657600"/>
-            <a:ext cx="9875520" cy="4198892"/>
+            <a:ext cx="9875520" cy="4506669"/>
           </a:xfrm>
           <a:prstGeom prst="rect">
             <a:avLst/>
@@ -3628,7 +3882,7 @@
               <a:rPr lang="en-US" sz="2000" dirty="0">
                 <a:latin typeface="Calibri" pitchFamily="34" charset="0"/>
               </a:rPr>
-              <a:t>It is well-known that repetition is fundamental to music; it both gives music structure and allows humans to perceive this structure. Pop songs often repeat verses and choruses, sometimes with minor variations, to create structure. Approaches to computationally analyzing this structure often involve detecting repeating patterns in a self-similarity matrix of spectral features. </a:t>
+              <a:t>It is well-known that repetition is fundamental to music; it both gives music structure and allows humans to perceive this structure. In particular, pop songs often repeat the verse and chorus, but in different patterns. Approaches to automatically and computationally analyzing this structure often involve detecting patterns in a self-similarity matrix of spectral features.</a:t>
             </a:r>
           </a:p>
           <a:p>
@@ -3655,7 +3909,7 @@
               <a:rPr lang="en-US" sz="2000" dirty="0">
                 <a:latin typeface="Calibri" pitchFamily="34" charset="0"/>
               </a:rPr>
-              <a:t>.  A shortest path algorithm is implemented on a graph of potential segment boundaries with weights as the cost of computing segments.  </a:t>
+              <a:t>.  A shortest path algorithm is implemented on a graph structure of potential segment boundaries, having weights be costs of segmentations.  </a:t>
             </a:r>
           </a:p>
           <a:p>
@@ -3670,41 +3924,32 @@
               <a:rPr lang="en-US" sz="2000" dirty="0">
                 <a:latin typeface="Calibri" pitchFamily="34" charset="0"/>
               </a:rPr>
-              <a:t>When using timbre features on a dataset of 10 pop songs, we were able to correctly identify </a:t>
-            </a:r>
-            <a:r>
-              <a:rPr lang="en-US" sz="2000" b="1" dirty="0">
-                <a:latin typeface="Calibri" pitchFamily="34" charset="0"/>
-              </a:rPr>
-              <a:t>XX% </a:t>
+              <a:t>When using timbre features on a dataset of 10 pop songs, we obtained an F1 measure of 0.44, comparing the boundaries </a:t>
+            </a:r>
+            <a:r>
+              <a:rPr lang="en-US" sz="2000" dirty="0" err="1">
+                <a:latin typeface="Calibri" pitchFamily="34" charset="0"/>
+              </a:rPr>
+              <a:t>Structify</a:t>
             </a:r>
             <a:r>
               <a:rPr lang="en-US" sz="2000" dirty="0">
                 <a:latin typeface="Calibri" pitchFamily="34" charset="0"/>
               </a:rPr>
-              <a:t>of manually coded segmentations (recall). Moreover, </a:t>
-            </a:r>
-            <a:r>
-              <a:rPr lang="en-US" sz="2000" b="1" dirty="0">
-                <a:latin typeface="Calibri" pitchFamily="34" charset="0"/>
-              </a:rPr>
-              <a:t>XX% </a:t>
+              <a:t> identified to manually identified splits. Chroma and tempo features performed slightly worse, having F1 measures near 0.35. This is a promising result for automatic song structure analysis, as </a:t>
+            </a:r>
+            <a:r>
+              <a:rPr lang="en-US" sz="2000" dirty="0" err="1">
+                <a:latin typeface="Calibri" pitchFamily="34" charset="0"/>
+              </a:rPr>
+              <a:t>Structify</a:t>
             </a:r>
             <a:r>
               <a:rPr lang="en-US" sz="2000" dirty="0">
                 <a:latin typeface="Calibri" pitchFamily="34" charset="0"/>
               </a:rPr>
-              <a:t>of automatically identified segmentations were correct (precision). Our average F1 measure was </a:t>
-            </a:r>
-            <a:r>
-              <a:rPr lang="en-US" sz="2000" b="1" dirty="0">
-                <a:latin typeface="Calibri" pitchFamily="34" charset="0"/>
-              </a:rPr>
-              <a:t>XX.</a:t>
-            </a:r>
-            <a:endParaRPr lang="en-US" sz="2000" dirty="0">
-              <a:latin typeface="Calibri" pitchFamily="34" charset="0"/>
-            </a:endParaRPr>
+              <a:t> was frequently able to identify the verse, chorus, or bridge of pop songs.</a:t>
+            </a:r>
           </a:p>
         </p:txBody>
       </p:sp>
@@ -3900,19 +4145,31 @@
               <a:rPr lang="en-US" sz="2000" dirty="0">
                 <a:latin typeface="Calibri" pitchFamily="34" charset="0"/>
               </a:rPr>
-              <a:t>We tested our segmentation algorithm on a dataset of ten pop songs, chosen </a:t>
+              <a:t>We tested </a:t>
             </a:r>
             <a:r>
               <a:rPr lang="en-US" sz="2000" dirty="0" err="1">
                 <a:latin typeface="Calibri" pitchFamily="34" charset="0"/>
               </a:rPr>
+              <a:t>Structify</a:t>
+            </a:r>
+            <a:r>
+              <a:rPr lang="en-US" sz="2000" dirty="0">
+                <a:latin typeface="Calibri" pitchFamily="34" charset="0"/>
+              </a:rPr>
+              <a:t> on a dataset of ten pop songs, chosen </a:t>
+            </a:r>
+            <a:r>
+              <a:rPr lang="en-US" sz="2000" dirty="0" err="1">
+                <a:latin typeface="Calibri" pitchFamily="34" charset="0"/>
+              </a:rPr>
               <a:t>semirandomly</a:t>
             </a:r>
             <a:r>
               <a:rPr lang="en-US" sz="2000" dirty="0">
                 <a:latin typeface="Calibri" pitchFamily="34" charset="0"/>
               </a:rPr>
-              <a:t> from a list of all-time most popular songs. In each case, we compared the boundaries to manually identified boundaries, obtained by group members listening to each song and noting transitions between sections. We define a segment boundary within two beats of an actual boundary as being correct.</a:t>
+              <a:t> from a list of all-time most popular songs. In each case, we compared the boundaries identified to manually identified boundaries, obtained by group members listening to each song and noting transitions between sections. We define a segment boundary as correct if it is within two beats of an actual boundary.</a:t>
             </a:r>
           </a:p>
           <a:p>
@@ -4028,7 +4285,7 @@
             <p:spPr bwMode="auto">
               <a:xfrm>
                 <a:off x="11521440" y="3657600"/>
-                <a:ext cx="9875520" cy="4151764"/>
+                <a:ext cx="9875520" cy="4459541"/>
               </a:xfrm>
               <a:prstGeom prst="rect">
                 <a:avLst/>
@@ -4422,7 +4679,7 @@
                   <a:rPr lang="en-US" sz="2000" dirty="0">
                     <a:latin typeface="Calibri" pitchFamily="34" charset="0"/>
                   </a:rPr>
-                  <a:t> is a fixed cost which discourages excessively short segments.</a:t>
+                  <a:t> is a fixed value added to each cost, discouraging excessively short segments.</a:t>
                 </a:r>
               </a:p>
               <a:p>
@@ -4455,7 +4712,7 @@
             <p:spPr bwMode="auto">
               <a:xfrm>
                 <a:off x="11521440" y="3657600"/>
-                <a:ext cx="9875520" cy="4151764"/>
+                <a:ext cx="9875520" cy="4459541"/>
               </a:xfrm>
               <a:prstGeom prst="rect">
                 <a:avLst/>
@@ -4463,7 +4720,7 @@
               <a:blipFill>
                 <a:blip r:embed="rId2"/>
                 <a:stretch>
-                  <a:fillRect l="-493" b="-293"/>
+                  <a:fillRect l="-493" b="-136"/>
                 </a:stretch>
               </a:blipFill>
               <a:ln w="12700">
@@ -4548,7 +4805,7 @@
       </p:sp>
       <p:sp>
         <p:nvSpPr>
-          <p:cNvPr id="12" name="Text Box 191"/>
+          <p:cNvPr id="14" name="Text Box 193"/>
           <p:cNvSpPr txBox="1">
             <a:spLocks noChangeArrowheads="1"/>
           </p:cNvSpPr>
@@ -4556,8 +4813,8 @@
         </p:nvSpPr>
         <p:spPr bwMode="auto">
           <a:xfrm>
-            <a:off x="21945600" y="8737600"/>
-            <a:ext cx="9875520" cy="4198892"/>
+            <a:off x="21945600" y="14173201"/>
+            <a:ext cx="9875520" cy="505573"/>
           </a:xfrm>
           <a:prstGeom prst="rect">
             <a:avLst/>
@@ -4679,321 +4936,16 @@
           <a:p>
             <a:pPr eaLnBrk="1" hangingPunct="1"/>
             <a:r>
+              <a:rPr lang="en-US" sz="2000" dirty="0" err="1">
+                <a:latin typeface="Calibri" pitchFamily="34" charset="0"/>
+              </a:rPr>
+              <a:t>Structify</a:t>
+            </a:r>
+            <a:r>
               <a:rPr lang="en-US" sz="2000" dirty="0">
                 <a:latin typeface="Calibri" pitchFamily="34" charset="0"/>
               </a:rPr>
-              <a:t>Click here to insert your Discussion text. Type it in or copy and paste from your Word document or other source.</a:t>
-            </a:r>
-          </a:p>
-          <a:p>
-            <a:pPr eaLnBrk="1" hangingPunct="1"/>
-            <a:endParaRPr lang="en-US" sz="2000" dirty="0">
-              <a:latin typeface="Calibri" pitchFamily="34" charset="0"/>
-            </a:endParaRPr>
-          </a:p>
-          <a:p>
-            <a:pPr eaLnBrk="1" hangingPunct="1"/>
-            <a:r>
-              <a:rPr lang="en-US" sz="2000" dirty="0">
-                <a:latin typeface="Calibri" pitchFamily="34" charset="0"/>
-              </a:rPr>
-              <a:t>This text box will automatically re-size to your text. To turn off that feature, right click inside this box and go to </a:t>
-            </a:r>
-            <a:r>
-              <a:rPr lang="en-US" sz="2000" b="1" dirty="0">
-                <a:latin typeface="Calibri" pitchFamily="34" charset="0"/>
-              </a:rPr>
-              <a:t>Format Shape, Text Box, Autofit</a:t>
-            </a:r>
-            <a:r>
-              <a:rPr lang="en-US" sz="2000" dirty="0">
-                <a:latin typeface="Calibri" pitchFamily="34" charset="0"/>
-              </a:rPr>
-              <a:t>, and select the “Do Not Autofit” radio button.</a:t>
-            </a:r>
-          </a:p>
-          <a:p>
-            <a:pPr eaLnBrk="1" hangingPunct="1"/>
-            <a:endParaRPr lang="en-US" sz="2000" dirty="0">
-              <a:latin typeface="Calibri" pitchFamily="34" charset="0"/>
-            </a:endParaRPr>
-          </a:p>
-          <a:p>
-            <a:pPr eaLnBrk="1" hangingPunct="1"/>
-            <a:r>
-              <a:rPr lang="en-US" sz="2000" dirty="0">
-                <a:latin typeface="Calibri" pitchFamily="34" charset="0"/>
-              </a:rPr>
-              <a:t>To change the font style of this text box: Click on the border once to highlight the entire text box, then select a different font or font size that suits you. This text is Calibri 20pt and is easily read up to 3 feet away on a 24x36 poster, and up to 6 feet away on a 48x72 poster.</a:t>
-            </a:r>
-          </a:p>
-          <a:p>
-            <a:pPr eaLnBrk="1" hangingPunct="1"/>
-            <a:endParaRPr lang="en-US" sz="2000" dirty="0">
-              <a:latin typeface="Calibri" pitchFamily="34" charset="0"/>
-            </a:endParaRPr>
-          </a:p>
-          <a:p>
-            <a:pPr eaLnBrk="1" hangingPunct="1"/>
-            <a:r>
-              <a:rPr lang="en-US" sz="2000" dirty="0">
-                <a:latin typeface="Calibri" pitchFamily="34" charset="0"/>
-              </a:rPr>
-              <a:t>Zoom out to 100% (for 24x36) or 200% (for 48x72) to preview what this will look like on your printed poster.</a:t>
-            </a:r>
-          </a:p>
-        </p:txBody>
-      </p:sp>
-      <p:sp>
-        <p:nvSpPr>
-          <p:cNvPr id="35" name="Rectangle 34"/>
-          <p:cNvSpPr/>
-          <p:nvPr/>
-        </p:nvSpPr>
-        <p:spPr>
-          <a:xfrm>
-            <a:off x="21945600" y="8280400"/>
-            <a:ext cx="9875520" cy="457200"/>
-          </a:xfrm>
-          <a:prstGeom prst="rect">
-            <a:avLst/>
-          </a:prstGeom>
-          <a:solidFill>
-            <a:schemeClr val="accent1">
-              <a:lumMod val="75000"/>
-            </a:schemeClr>
-          </a:solidFill>
-          <a:ln w="12700"/>
-        </p:spPr>
-        <p:style>
-          <a:lnRef idx="2">
-            <a:schemeClr val="accent1">
-              <a:shade val="50000"/>
-            </a:schemeClr>
-          </a:lnRef>
-          <a:fillRef idx="1">
-            <a:schemeClr val="accent1"/>
-          </a:fillRef>
-          <a:effectRef idx="0">
-            <a:schemeClr val="accent1"/>
-          </a:effectRef>
-          <a:fontRef idx="minor">
-            <a:schemeClr val="lt1"/>
-          </a:fontRef>
-        </p:style>
-        <p:txBody>
-          <a:bodyPr lIns="48971" tIns="24486" rIns="48971" bIns="24486" rtlCol="0" anchor="ctr"/>
-          <a:lstStyle/>
-          <a:p>
-            <a:pPr algn="ctr"/>
-            <a:r>
-              <a:rPr lang="en-US" sz="3200" b="1" dirty="0">
-                <a:solidFill>
-                  <a:schemeClr val="accent3">
-                    <a:lumMod val="20000"/>
-                    <a:lumOff val="80000"/>
-                  </a:schemeClr>
-                </a:solidFill>
-              </a:rPr>
-              <a:t>Discussion</a:t>
-            </a:r>
-          </a:p>
-        </p:txBody>
-      </p:sp>
-      <p:sp>
-        <p:nvSpPr>
-          <p:cNvPr id="14" name="Text Box 193"/>
-          <p:cNvSpPr txBox="1">
-            <a:spLocks noChangeArrowheads="1"/>
-          </p:cNvSpPr>
-          <p:nvPr/>
-        </p:nvSpPr>
-        <p:spPr bwMode="auto">
-          <a:xfrm>
-            <a:off x="21945600" y="14173201"/>
-            <a:ext cx="9875520" cy="4198892"/>
-          </a:xfrm>
-          <a:prstGeom prst="rect">
-            <a:avLst/>
-          </a:prstGeom>
-          <a:solidFill>
-            <a:schemeClr val="bg1"/>
-          </a:solidFill>
-          <a:ln w="12700">
-            <a:solidFill>
-              <a:schemeClr val="accent1">
-                <a:lumMod val="75000"/>
-              </a:schemeClr>
-            </a:solidFill>
-          </a:ln>
-          <a:effectLst/>
-        </p:spPr>
-        <p:txBody>
-          <a:bodyPr lIns="97942" tIns="97942" rIns="97942" bIns="97942">
-            <a:spAutoFit/>
-          </a:bodyPr>
-          <a:lstStyle>
-            <a:lvl1pPr eaLnBrk="0" hangingPunct="0">
-              <a:defRPr sz="2200">
-                <a:solidFill>
-                  <a:schemeClr val="tx1"/>
-                </a:solidFill>
-                <a:latin typeface="Arial" charset="0"/>
-              </a:defRPr>
-            </a:lvl1pPr>
-            <a:lvl2pPr marL="742950" indent="-285750" eaLnBrk="0" hangingPunct="0">
-              <a:defRPr sz="2200">
-                <a:solidFill>
-                  <a:schemeClr val="tx1"/>
-                </a:solidFill>
-                <a:latin typeface="Arial" charset="0"/>
-              </a:defRPr>
-            </a:lvl2pPr>
-            <a:lvl3pPr marL="1143000" indent="-228600" eaLnBrk="0" hangingPunct="0">
-              <a:defRPr sz="2200">
-                <a:solidFill>
-                  <a:schemeClr val="tx1"/>
-                </a:solidFill>
-                <a:latin typeface="Arial" charset="0"/>
-              </a:defRPr>
-            </a:lvl3pPr>
-            <a:lvl4pPr marL="1600200" indent="-228600" eaLnBrk="0" hangingPunct="0">
-              <a:defRPr sz="2200">
-                <a:solidFill>
-                  <a:schemeClr val="tx1"/>
-                </a:solidFill>
-                <a:latin typeface="Arial" charset="0"/>
-              </a:defRPr>
-            </a:lvl4pPr>
-            <a:lvl5pPr marL="2057400" indent="-228600" eaLnBrk="0" hangingPunct="0">
-              <a:defRPr sz="2200">
-                <a:solidFill>
-                  <a:schemeClr val="tx1"/>
-                </a:solidFill>
-                <a:latin typeface="Arial" charset="0"/>
-              </a:defRPr>
-            </a:lvl5pPr>
-            <a:lvl6pPr marL="2514600" indent="-228600" eaLnBrk="0" fontAlgn="base" hangingPunct="0">
-              <a:spcBef>
-                <a:spcPct val="0"/>
-              </a:spcBef>
-              <a:spcAft>
-                <a:spcPct val="0"/>
-              </a:spcAft>
-              <a:defRPr sz="2200">
-                <a:solidFill>
-                  <a:schemeClr val="tx1"/>
-                </a:solidFill>
-                <a:latin typeface="Arial" charset="0"/>
-              </a:defRPr>
-            </a:lvl6pPr>
-            <a:lvl7pPr marL="2971800" indent="-228600" eaLnBrk="0" fontAlgn="base" hangingPunct="0">
-              <a:spcBef>
-                <a:spcPct val="0"/>
-              </a:spcBef>
-              <a:spcAft>
-                <a:spcPct val="0"/>
-              </a:spcAft>
-              <a:defRPr sz="2200">
-                <a:solidFill>
-                  <a:schemeClr val="tx1"/>
-                </a:solidFill>
-                <a:latin typeface="Arial" charset="0"/>
-              </a:defRPr>
-            </a:lvl7pPr>
-            <a:lvl8pPr marL="3429000" indent="-228600" eaLnBrk="0" fontAlgn="base" hangingPunct="0">
-              <a:spcBef>
-                <a:spcPct val="0"/>
-              </a:spcBef>
-              <a:spcAft>
-                <a:spcPct val="0"/>
-              </a:spcAft>
-              <a:defRPr sz="2200">
-                <a:solidFill>
-                  <a:schemeClr val="tx1"/>
-                </a:solidFill>
-                <a:latin typeface="Arial" charset="0"/>
-              </a:defRPr>
-            </a:lvl8pPr>
-            <a:lvl9pPr marL="3886200" indent="-228600" eaLnBrk="0" fontAlgn="base" hangingPunct="0">
-              <a:spcBef>
-                <a:spcPct val="0"/>
-              </a:spcBef>
-              <a:spcAft>
-                <a:spcPct val="0"/>
-              </a:spcAft>
-              <a:defRPr sz="2200">
-                <a:solidFill>
-                  <a:schemeClr val="tx1"/>
-                </a:solidFill>
-                <a:latin typeface="Arial" charset="0"/>
-              </a:defRPr>
-            </a:lvl9pPr>
-          </a:lstStyle>
-          <a:p>
-            <a:pPr eaLnBrk="1" hangingPunct="1"/>
-            <a:r>
-              <a:rPr lang="en-US" sz="2000" dirty="0">
-                <a:latin typeface="Calibri" pitchFamily="34" charset="0"/>
-              </a:rPr>
-              <a:t>Click here to insert your Conclusions text. Type it in or copy and paste from your Word document or other source.</a:t>
-            </a:r>
-          </a:p>
-          <a:p>
-            <a:pPr eaLnBrk="1" hangingPunct="1"/>
-            <a:endParaRPr lang="en-US" sz="2000" dirty="0">
-              <a:latin typeface="Calibri" pitchFamily="34" charset="0"/>
-            </a:endParaRPr>
-          </a:p>
-          <a:p>
-            <a:pPr eaLnBrk="1" hangingPunct="1"/>
-            <a:r>
-              <a:rPr lang="en-US" sz="2000" dirty="0">
-                <a:latin typeface="Calibri" pitchFamily="34" charset="0"/>
-              </a:rPr>
-              <a:t>This text box will automatically re-size to your text. To turn off that feature, right click inside this box and go to </a:t>
-            </a:r>
-            <a:r>
-              <a:rPr lang="en-US" sz="2000" b="1" dirty="0">
-                <a:latin typeface="Calibri" pitchFamily="34" charset="0"/>
-              </a:rPr>
-              <a:t>Format Shape, Text Box, Autofit</a:t>
-            </a:r>
-            <a:r>
-              <a:rPr lang="en-US" sz="2000" dirty="0">
-                <a:latin typeface="Calibri" pitchFamily="34" charset="0"/>
-              </a:rPr>
-              <a:t>, and select the “Do Not Autofit” radio button.</a:t>
-            </a:r>
-          </a:p>
-          <a:p>
-            <a:pPr eaLnBrk="1" hangingPunct="1"/>
-            <a:endParaRPr lang="en-US" sz="2000" dirty="0">
-              <a:latin typeface="Calibri" pitchFamily="34" charset="0"/>
-            </a:endParaRPr>
-          </a:p>
-          <a:p>
-            <a:pPr eaLnBrk="1" hangingPunct="1"/>
-            <a:r>
-              <a:rPr lang="en-US" sz="2000" dirty="0">
-                <a:latin typeface="Calibri" pitchFamily="34" charset="0"/>
-              </a:rPr>
-              <a:t>To change the font style of this text box: Click on the border once to highlight the entire text box, then select a different font or font size that suits you. This text is Calibri 20pt and is easily read up to 3 feet away on a 24x36 poster, and up to 6 feet away on a 48x72 poster.</a:t>
-            </a:r>
-          </a:p>
-          <a:p>
-            <a:pPr eaLnBrk="1" hangingPunct="1"/>
-            <a:endParaRPr lang="en-US" sz="2000" dirty="0">
-              <a:latin typeface="Calibri" pitchFamily="34" charset="0"/>
-            </a:endParaRPr>
-          </a:p>
-          <a:p>
-            <a:pPr eaLnBrk="1" hangingPunct="1"/>
-            <a:r>
-              <a:rPr lang="en-US" sz="2000" dirty="0">
-                <a:latin typeface="Calibri" pitchFamily="34" charset="0"/>
-              </a:rPr>
-              <a:t>Zoom out to 100% (for 24x36) or 200% (for 48x72) to preview what this will look like on your printed poster.</a:t>
+              <a:t> showed extremely promising results, as it was frequently able to identify </a:t>
             </a:r>
           </a:p>
         </p:txBody>
@@ -6177,7 +6129,7 @@
               <a:rPr lang="en-US" sz="2000" dirty="0">
                 <a:latin typeface="+mn-lt"/>
               </a:rPr>
-              <a:t> is computed and stored in the self-similarity matrix. Distances are computed using the Euclidean norm, though others (including cosine, </a:t>
+              <a:t> is computed and stored in the self-similarity matrix. Distances are computed using the </a:t>
             </a:r>
             <a:r>
               <a:rPr lang="en-US" sz="2000" dirty="0" err="1">
@@ -6189,7 +6141,7 @@
               <a:rPr lang="en-US" sz="2000" dirty="0">
                 <a:latin typeface="+mn-lt"/>
               </a:rPr>
-              <a:t>, and correlation) have been tested. Finally, we aggregate features that belong to the same beat by taking their median, which reduces dimensionality, increases computational efficiency, and gives each feature vector more meaning.</a:t>
+              <a:t> norm, though others (including cosine, Euclidean, and correlation) have been tested. Finally, we aggregate features that belong to the same beat by taking their median, which reduces dimensionality, increases computational efficiency, and gives each feature vector more meaning.</a:t>
             </a:r>
           </a:p>
         </p:txBody>
@@ -6619,8 +6571,8 @@
         </p:nvSpPr>
         <p:spPr bwMode="auto">
           <a:xfrm>
-            <a:off x="14028238" y="18624784"/>
-            <a:ext cx="4861934" cy="295671"/>
+            <a:off x="13579631" y="18624784"/>
+            <a:ext cx="5759167" cy="295671"/>
           </a:xfrm>
           <a:prstGeom prst="rect">
             <a:avLst/>
@@ -6773,7 +6725,19 @@
               <a:rPr lang="en-US" sz="1600" dirty="0">
                 <a:latin typeface="Calibri" pitchFamily="34" charset="0"/>
               </a:rPr>
-              <a:t> Comparison of feature vectors on testing dataset</a:t>
+              <a:t> Comparison of performance of </a:t>
+            </a:r>
+            <a:r>
+              <a:rPr lang="en-US" sz="1600" dirty="0" err="1">
+                <a:latin typeface="Calibri" pitchFamily="34" charset="0"/>
+              </a:rPr>
+              <a:t>Structify</a:t>
+            </a:r>
+            <a:r>
+              <a:rPr lang="en-US" sz="1600" dirty="0">
+                <a:latin typeface="Calibri" pitchFamily="34" charset="0"/>
+              </a:rPr>
+              <a:t> on testing dataset</a:t>
             </a:r>
           </a:p>
         </p:txBody>
@@ -6785,13 +6749,13 @@
           <p:nvPr>
             <p:extLst>
               <p:ext uri="{D42A27DB-BD31-4B8C-83A1-F6EECF244321}">
-                <p14:modId xmlns:p14="http://schemas.microsoft.com/office/powerpoint/2010/main" val="292270342"/>
+                <p14:modId xmlns:p14="http://schemas.microsoft.com/office/powerpoint/2010/main" val="2055249375"/>
               </p:ext>
             </p:extLst>
           </p:nvPr>
         </p:nvGraphicFramePr>
         <p:xfrm>
-          <a:off x="22074882" y="3316357"/>
+          <a:off x="22387043" y="8717350"/>
           <a:ext cx="9563359" cy="4141705"/>
         </p:xfrm>
         <a:graphic>
@@ -6810,7 +6774,7 @@
         </p:nvSpPr>
         <p:spPr bwMode="auto">
           <a:xfrm>
-            <a:off x="22568550" y="7620000"/>
+            <a:off x="25628099" y="12868345"/>
             <a:ext cx="2510521" cy="295671"/>
           </a:xfrm>
           <a:prstGeom prst="rect">

--- a/poster.pptx
+++ b/poster.pptx
@@ -147,284 +147,6 @@
     </p:ext>
   </p:extLst>
 </p:presentation>
-</file>
-
-<file path=ppt/charts/chart1.xml><?xml version="1.0" encoding="utf-8"?>
-<c:chartSpace xmlns:c="http://schemas.openxmlformats.org/drawingml/2006/chart" xmlns:a="http://schemas.openxmlformats.org/drawingml/2006/main" xmlns:r="http://schemas.openxmlformats.org/officeDocument/2006/relationships" xmlns:c16r2="http://schemas.microsoft.com/office/drawing/2015/06/chart">
-  <c:date1904 val="0"/>
-  <c:lang val="en-US"/>
-  <c:roundedCorners val="0"/>
-  <mc:AlternateContent xmlns:mc="http://schemas.openxmlformats.org/markup-compatibility/2006">
-    <mc:Choice xmlns:c14="http://schemas.microsoft.com/office/drawing/2007/8/2/chart" Requires="c14">
-      <c14:style val="103"/>
-    </mc:Choice>
-    <mc:Fallback>
-      <c:style val="3"/>
-    </mc:Fallback>
-  </mc:AlternateContent>
-  <c:chart>
-    <c:autoTitleDeleted val="0"/>
-    <c:plotArea>
-      <c:layout/>
-      <c:barChart>
-        <c:barDir val="col"/>
-        <c:grouping val="clustered"/>
-        <c:varyColors val="0"/>
-        <c:ser>
-          <c:idx val="0"/>
-          <c:order val="0"/>
-          <c:tx>
-            <c:strRef>
-              <c:f>Sheet1!$B$1</c:f>
-              <c:strCache>
-                <c:ptCount val="1"/>
-                <c:pt idx="0">
-                  <c:v>Series 1</c:v>
-                </c:pt>
-              </c:strCache>
-            </c:strRef>
-          </c:tx>
-          <c:invertIfNegative val="0"/>
-          <c:cat>
-            <c:strRef>
-              <c:f>Sheet1!$A$2:$A$5</c:f>
-              <c:strCache>
-                <c:ptCount val="4"/>
-                <c:pt idx="0">
-                  <c:v>Category 1</c:v>
-                </c:pt>
-                <c:pt idx="1">
-                  <c:v>Category 2</c:v>
-                </c:pt>
-                <c:pt idx="2">
-                  <c:v>Category 3</c:v>
-                </c:pt>
-                <c:pt idx="3">
-                  <c:v>Category 4</c:v>
-                </c:pt>
-              </c:strCache>
-            </c:strRef>
-          </c:cat>
-          <c:val>
-            <c:numRef>
-              <c:f>Sheet1!$B$2:$B$5</c:f>
-              <c:numCache>
-                <c:formatCode>General</c:formatCode>
-                <c:ptCount val="4"/>
-                <c:pt idx="0">
-                  <c:v>4.3</c:v>
-                </c:pt>
-                <c:pt idx="1">
-                  <c:v>2.5</c:v>
-                </c:pt>
-                <c:pt idx="2">
-                  <c:v>3.5</c:v>
-                </c:pt>
-                <c:pt idx="3">
-                  <c:v>4.5</c:v>
-                </c:pt>
-              </c:numCache>
-            </c:numRef>
-          </c:val>
-          <c:extLst>
-            <c:ext xmlns:c16="http://schemas.microsoft.com/office/drawing/2014/chart" uri="{C3380CC4-5D6E-409C-BE32-E72D297353CC}">
-              <c16:uniqueId val="{00000000-6706-466A-BB58-8473F3647CA6}"/>
-            </c:ext>
-          </c:extLst>
-        </c:ser>
-        <c:ser>
-          <c:idx val="1"/>
-          <c:order val="1"/>
-          <c:tx>
-            <c:strRef>
-              <c:f>Sheet1!$C$1</c:f>
-              <c:strCache>
-                <c:ptCount val="1"/>
-                <c:pt idx="0">
-                  <c:v>Series 2</c:v>
-                </c:pt>
-              </c:strCache>
-            </c:strRef>
-          </c:tx>
-          <c:invertIfNegative val="0"/>
-          <c:cat>
-            <c:strRef>
-              <c:f>Sheet1!$A$2:$A$5</c:f>
-              <c:strCache>
-                <c:ptCount val="4"/>
-                <c:pt idx="0">
-                  <c:v>Category 1</c:v>
-                </c:pt>
-                <c:pt idx="1">
-                  <c:v>Category 2</c:v>
-                </c:pt>
-                <c:pt idx="2">
-                  <c:v>Category 3</c:v>
-                </c:pt>
-                <c:pt idx="3">
-                  <c:v>Category 4</c:v>
-                </c:pt>
-              </c:strCache>
-            </c:strRef>
-          </c:cat>
-          <c:val>
-            <c:numRef>
-              <c:f>Sheet1!$C$2:$C$5</c:f>
-              <c:numCache>
-                <c:formatCode>General</c:formatCode>
-                <c:ptCount val="4"/>
-                <c:pt idx="0">
-                  <c:v>2.4</c:v>
-                </c:pt>
-                <c:pt idx="1">
-                  <c:v>4.4000000000000004</c:v>
-                </c:pt>
-                <c:pt idx="2">
-                  <c:v>1.8</c:v>
-                </c:pt>
-                <c:pt idx="3">
-                  <c:v>2.8</c:v>
-                </c:pt>
-              </c:numCache>
-            </c:numRef>
-          </c:val>
-          <c:extLst>
-            <c:ext xmlns:c16="http://schemas.microsoft.com/office/drawing/2014/chart" uri="{C3380CC4-5D6E-409C-BE32-E72D297353CC}">
-              <c16:uniqueId val="{00000001-6706-466A-BB58-8473F3647CA6}"/>
-            </c:ext>
-          </c:extLst>
-        </c:ser>
-        <c:ser>
-          <c:idx val="2"/>
-          <c:order val="2"/>
-          <c:tx>
-            <c:strRef>
-              <c:f>Sheet1!$D$1</c:f>
-              <c:strCache>
-                <c:ptCount val="1"/>
-                <c:pt idx="0">
-                  <c:v>Series 3</c:v>
-                </c:pt>
-              </c:strCache>
-            </c:strRef>
-          </c:tx>
-          <c:invertIfNegative val="0"/>
-          <c:cat>
-            <c:strRef>
-              <c:f>Sheet1!$A$2:$A$5</c:f>
-              <c:strCache>
-                <c:ptCount val="4"/>
-                <c:pt idx="0">
-                  <c:v>Category 1</c:v>
-                </c:pt>
-                <c:pt idx="1">
-                  <c:v>Category 2</c:v>
-                </c:pt>
-                <c:pt idx="2">
-                  <c:v>Category 3</c:v>
-                </c:pt>
-                <c:pt idx="3">
-                  <c:v>Category 4</c:v>
-                </c:pt>
-              </c:strCache>
-            </c:strRef>
-          </c:cat>
-          <c:val>
-            <c:numRef>
-              <c:f>Sheet1!$D$2:$D$5</c:f>
-              <c:numCache>
-                <c:formatCode>General</c:formatCode>
-                <c:ptCount val="4"/>
-                <c:pt idx="0">
-                  <c:v>2</c:v>
-                </c:pt>
-                <c:pt idx="1">
-                  <c:v>2</c:v>
-                </c:pt>
-                <c:pt idx="2">
-                  <c:v>3</c:v>
-                </c:pt>
-                <c:pt idx="3">
-                  <c:v>3.4</c:v>
-                </c:pt>
-              </c:numCache>
-            </c:numRef>
-          </c:val>
-          <c:extLst>
-            <c:ext xmlns:c16="http://schemas.microsoft.com/office/drawing/2014/chart" uri="{C3380CC4-5D6E-409C-BE32-E72D297353CC}">
-              <c16:uniqueId val="{00000002-6706-466A-BB58-8473F3647CA6}"/>
-            </c:ext>
-          </c:extLst>
-        </c:ser>
-        <c:dLbls>
-          <c:showLegendKey val="0"/>
-          <c:showVal val="0"/>
-          <c:showCatName val="0"/>
-          <c:showSerName val="0"/>
-          <c:showPercent val="0"/>
-          <c:showBubbleSize val="0"/>
-        </c:dLbls>
-        <c:gapWidth val="150"/>
-        <c:axId val="89868544"/>
-        <c:axId val="89870336"/>
-      </c:barChart>
-      <c:catAx>
-        <c:axId val="89868544"/>
-        <c:scaling>
-          <c:orientation val="minMax"/>
-        </c:scaling>
-        <c:delete val="0"/>
-        <c:axPos val="b"/>
-        <c:numFmt formatCode="General" sourceLinked="0"/>
-        <c:majorTickMark val="out"/>
-        <c:minorTickMark val="none"/>
-        <c:tickLblPos val="nextTo"/>
-        <c:crossAx val="89870336"/>
-        <c:crosses val="autoZero"/>
-        <c:auto val="1"/>
-        <c:lblAlgn val="ctr"/>
-        <c:lblOffset val="100"/>
-        <c:noMultiLvlLbl val="0"/>
-      </c:catAx>
-      <c:valAx>
-        <c:axId val="89870336"/>
-        <c:scaling>
-          <c:orientation val="minMax"/>
-        </c:scaling>
-        <c:delete val="0"/>
-        <c:axPos val="l"/>
-        <c:majorGridlines/>
-        <c:numFmt formatCode="General" sourceLinked="1"/>
-        <c:majorTickMark val="out"/>
-        <c:minorTickMark val="none"/>
-        <c:tickLblPos val="nextTo"/>
-        <c:crossAx val="89868544"/>
-        <c:crosses val="autoZero"/>
-        <c:crossBetween val="between"/>
-      </c:valAx>
-    </c:plotArea>
-    <c:legend>
-      <c:legendPos val="r"/>
-      <c:overlay val="0"/>
-    </c:legend>
-    <c:plotVisOnly val="1"/>
-    <c:dispBlanksAs val="gap"/>
-    <c:showDLblsOverMax val="0"/>
-  </c:chart>
-  <c:txPr>
-    <a:bodyPr/>
-    <a:lstStyle/>
-    <a:p>
-      <a:pPr>
-        <a:defRPr sz="1800"/>
-      </a:pPr>
-      <a:endParaRPr lang="en-US"/>
-    </a:p>
-  </c:txPr>
-  <c:externalData r:id="rId1">
-    <c:autoUpdate val="0"/>
-  </c:externalData>
-</c:chartSpace>
 </file>
 
 <file path=ppt/handoutMasters/handoutMaster1.xml><?xml version="1.0" encoding="utf-8"?>
@@ -2740,6 +2462,64 @@
           <a:chExt cx="0" cy="0"/>
         </a:xfrm>
       </p:grpSpPr>
+      <p:pic>
+        <p:nvPicPr>
+          <p:cNvPr id="9" name="Picture 8"/>
+          <p:cNvPicPr>
+            <a:picLocks noChangeAspect="1"/>
+          </p:cNvPicPr>
+          <p:nvPr/>
+        </p:nvPicPr>
+        <p:blipFill rotWithShape="1">
+          <a:blip r:embed="rId2">
+            <a:extLst>
+              <a:ext uri="{28A0092B-C50C-407E-A947-70E740481C1C}">
+                <a14:useLocalDpi xmlns:a14="http://schemas.microsoft.com/office/drawing/2010/main" val="0"/>
+              </a:ext>
+            </a:extLst>
+          </a:blip>
+          <a:srcRect t="-3406" b="5022"/>
+          <a:stretch/>
+        </p:blipFill>
+        <p:spPr>
+          <a:xfrm>
+            <a:off x="22440651" y="7145724"/>
+            <a:ext cx="9144000" cy="3598476"/>
+          </a:xfrm>
+          <a:prstGeom prst="rect">
+            <a:avLst/>
+          </a:prstGeom>
+        </p:spPr>
+      </p:pic>
+      <p:pic>
+        <p:nvPicPr>
+          <p:cNvPr id="8" name="Picture 7"/>
+          <p:cNvPicPr>
+            <a:picLocks noChangeAspect="1"/>
+          </p:cNvPicPr>
+          <p:nvPr/>
+        </p:nvPicPr>
+        <p:blipFill rotWithShape="1">
+          <a:blip r:embed="rId3">
+            <a:extLst>
+              <a:ext uri="{28A0092B-C50C-407E-A947-70E740481C1C}">
+                <a14:useLocalDpi xmlns:a14="http://schemas.microsoft.com/office/drawing/2010/main" val="0"/>
+              </a:ext>
+            </a:extLst>
+          </a:blip>
+          <a:srcRect b="4195"/>
+          <a:stretch/>
+        </p:blipFill>
+        <p:spPr>
+          <a:xfrm>
+            <a:off x="22440633" y="10669040"/>
+            <a:ext cx="9144018" cy="3504160"/>
+          </a:xfrm>
+          <a:prstGeom prst="rect">
+            <a:avLst/>
+          </a:prstGeom>
+        </p:spPr>
+      </p:pic>
       <p:sp>
         <p:nvSpPr>
           <p:cNvPr id="30" name="Text Box 191"/>
@@ -2751,7 +2531,7 @@
         <p:spPr bwMode="auto">
           <a:xfrm>
             <a:off x="22074882" y="3657600"/>
-            <a:ext cx="9875520" cy="2044456"/>
+            <a:ext cx="9875520" cy="3583339"/>
           </a:xfrm>
           <a:prstGeom prst="rect">
             <a:avLst/>
@@ -2899,17 +2679,59 @@
           </a:p>
           <a:p>
             <a:pPr eaLnBrk="1" hangingPunct="1"/>
+            <a:r>
+              <a:rPr lang="en-US" sz="2000" b="1" dirty="0">
+                <a:latin typeface="Calibri" pitchFamily="34" charset="0"/>
+              </a:rPr>
+              <a:t>FILLER</a:t>
+            </a:r>
+          </a:p>
+          <a:p>
+            <a:pPr eaLnBrk="1" hangingPunct="1"/>
+            <a:r>
+              <a:rPr lang="en-US" sz="2000" b="1" dirty="0">
+                <a:latin typeface="Calibri" pitchFamily="34" charset="0"/>
+              </a:rPr>
+              <a:t>FILLER</a:t>
+            </a:r>
+          </a:p>
+          <a:p>
+            <a:pPr eaLnBrk="1" hangingPunct="1"/>
+            <a:r>
+              <a:rPr lang="en-US" sz="2000" b="1" dirty="0">
+                <a:latin typeface="Calibri" pitchFamily="34" charset="0"/>
+              </a:rPr>
+              <a:t>FILLER</a:t>
+            </a:r>
+          </a:p>
+          <a:p>
+            <a:pPr eaLnBrk="1" hangingPunct="1"/>
+            <a:r>
+              <a:rPr lang="en-US" sz="2000" b="1" dirty="0">
+                <a:latin typeface="Calibri" pitchFamily="34" charset="0"/>
+              </a:rPr>
+              <a:t>FILLER</a:t>
+            </a:r>
+          </a:p>
+          <a:p>
+            <a:pPr eaLnBrk="1" hangingPunct="1"/>
             <a:endParaRPr lang="en-US" sz="2000" b="1" dirty="0">
               <a:latin typeface="Calibri" pitchFamily="34" charset="0"/>
             </a:endParaRPr>
           </a:p>
           <a:p>
             <a:pPr eaLnBrk="1" hangingPunct="1"/>
+            <a:endParaRPr lang="en-US" sz="2000" b="1" dirty="0">
+              <a:latin typeface="Calibri" pitchFamily="34" charset="0"/>
+            </a:endParaRPr>
+          </a:p>
+          <a:p>
+            <a:pPr eaLnBrk="1" hangingPunct="1"/>
             <a:r>
               <a:rPr lang="en-US" sz="2000" dirty="0">
                 <a:latin typeface="Calibri" pitchFamily="34" charset="0"/>
               </a:rPr>
-              <a:t>Figures 3 and 4 show the results of </a:t>
+              <a:t>Figure 3 shows the </a:t>
             </a:r>
             <a:r>
               <a:rPr lang="en-US" sz="2000" dirty="0" err="1">
@@ -2921,19 +2743,7 @@
               <a:rPr lang="en-US" sz="2000" dirty="0">
                 <a:latin typeface="Calibri" pitchFamily="34" charset="0"/>
               </a:rPr>
-              <a:t> on “Call Me Maybe” (Carly Rae Jepsen) and “Titanium” (David Guetta ft. </a:t>
-            </a:r>
-            <a:r>
-              <a:rPr lang="en-US" sz="2000" dirty="0" err="1">
-                <a:latin typeface="Calibri" pitchFamily="34" charset="0"/>
-              </a:rPr>
-              <a:t>Sia</a:t>
-            </a:r>
-            <a:r>
-              <a:rPr lang="en-US" sz="2000" dirty="0">
-                <a:latin typeface="Calibri" pitchFamily="34" charset="0"/>
-              </a:rPr>
-              <a:t>).</a:t>
+              <a:t> segmentation of “Call Me Maybe” and includes the correct segmentation for comparison.</a:t>
             </a:r>
           </a:p>
         </p:txBody>
@@ -3561,7 +3371,7 @@
         <p:spPr>
           <a:xfrm>
             <a:off x="1200337" y="20025359"/>
-            <a:ext cx="12287063" cy="1280556"/>
+            <a:ext cx="12287063" cy="1588333"/>
           </a:xfrm>
           <a:prstGeom prst="rect">
             <a:avLst/>
@@ -3610,6 +3420,9 @@
               <a:rPr lang="en-US" sz="2000" dirty="0"/>
               <a:t>Northwestern University</a:t>
             </a:r>
+          </a:p>
+          <a:p>
+            <a:endParaRPr lang="en-US" sz="2000" dirty="0"/>
           </a:p>
           <a:p>
             <a:r>
@@ -3681,15 +3494,15 @@
               <a:buAutoNum type="arabicPeriod"/>
             </a:pPr>
             <a:r>
-              <a:rPr lang="en-US" sz="2400" dirty="0"/>
+              <a:rPr lang="en-US" sz="2000" dirty="0"/>
               <a:t>Jensen, </a:t>
             </a:r>
             <a:r>
-              <a:rPr lang="en-US" sz="2400" dirty="0" err="1"/>
+              <a:rPr lang="en-US" sz="2000" dirty="0" err="1"/>
               <a:t>Kristoffer</a:t>
             </a:r>
             <a:r>
-              <a:rPr lang="en-US" sz="2400" dirty="0"/>
+              <a:rPr lang="en-US" sz="2000" dirty="0"/>
               <a:t>. "Multiple scale music segmentation using rhythm, timbre, and harmony." EURASIP Journal on Applied Signal Processing 2007.1 (2007): 159-159.</a:t>
             </a:r>
           </a:p>
@@ -3699,21 +3512,36 @@
               <a:buAutoNum type="arabicPeriod"/>
             </a:pPr>
             <a:r>
-              <a:rPr lang="en-US" sz="2400" dirty="0" err="1"/>
+              <a:rPr lang="en-US" sz="2000" dirty="0" err="1"/>
               <a:t>Couvreur</a:t>
             </a:r>
             <a:r>
-              <a:rPr lang="en-US" sz="2400" dirty="0"/>
+              <a:rPr lang="en-US" sz="2000" dirty="0"/>
               <a:t>, Laurent, et al. "Audio thumbnailing." QPSR of the </a:t>
             </a:r>
             <a:r>
-              <a:rPr lang="en-US" sz="2400" dirty="0" err="1"/>
+              <a:rPr lang="en-US" sz="2000" dirty="0" err="1"/>
               <a:t>numediart</a:t>
             </a:r>
             <a:r>
-              <a:rPr lang="en-US" sz="2400" dirty="0"/>
+              <a:rPr lang="en-US" sz="2000" dirty="0"/>
               <a:t> research program 1 (2008): 67-85.</a:t>
             </a:r>
+          </a:p>
+          <a:p>
+            <a:pPr marL="244855" indent="-244855">
+              <a:buFont typeface="+mj-lt"/>
+              <a:buAutoNum type="arabicPeriod"/>
+            </a:pPr>
+            <a:r>
+              <a:rPr lang="en-US" sz="2000" dirty="0" err="1"/>
+              <a:t>McFee</a:t>
+            </a:r>
+            <a:r>
+              <a:rPr lang="en-US" sz="2000" dirty="0"/>
+              <a:t>, Brian, and Dan Ellis. "Analyzing Song Structure with Spectral Clustering." ISMIR. 2014.</a:t>
+            </a:r>
+            <a:endParaRPr lang="en-US" sz="2000" dirty="0"/>
           </a:p>
         </p:txBody>
       </p:sp>
@@ -4718,7 +4546,7 @@
                 <a:avLst/>
               </a:prstGeom>
               <a:blipFill>
-                <a:blip r:embed="rId2"/>
+                <a:blip r:embed="rId4"/>
                 <a:stretch>
                   <a:fillRect l="-493" b="-136"/>
                 </a:stretch>
@@ -4813,8 +4641,8 @@
         </p:nvSpPr>
         <p:spPr bwMode="auto">
           <a:xfrm>
-            <a:off x="21945600" y="14173201"/>
-            <a:ext cx="9875520" cy="505573"/>
+            <a:off x="21945600" y="15011401"/>
+            <a:ext cx="9875520" cy="3583339"/>
           </a:xfrm>
           <a:prstGeom prst="rect">
             <a:avLst/>
@@ -4947,6 +4775,90 @@
               </a:rPr>
               <a:t> showed extremely promising results, as it was frequently able to identify </a:t>
             </a:r>
+            <a:r>
+              <a:rPr lang="en-US" sz="2000" b="1" dirty="0">
+                <a:latin typeface="Calibri" pitchFamily="34" charset="0"/>
+              </a:rPr>
+              <a:t>things it was able to do. </a:t>
+            </a:r>
+            <a:r>
+              <a:rPr lang="en-US" sz="2000" dirty="0">
+                <a:latin typeface="Calibri" pitchFamily="34" charset="0"/>
+              </a:rPr>
+              <a:t>In addition, it correctly </a:t>
+            </a:r>
+            <a:r>
+              <a:rPr lang="en-US" sz="2000" b="1" dirty="0">
+                <a:latin typeface="Calibri" pitchFamily="34" charset="0"/>
+              </a:rPr>
+              <a:t>did another thing. Maybe another line. </a:t>
+            </a:r>
+          </a:p>
+          <a:p>
+            <a:pPr eaLnBrk="1" hangingPunct="1"/>
+            <a:r>
+              <a:rPr lang="en-US" sz="2000" b="1" dirty="0">
+                <a:latin typeface="Calibri" pitchFamily="34" charset="0"/>
+              </a:rPr>
+              <a:t>FILLER</a:t>
+            </a:r>
+          </a:p>
+          <a:p>
+            <a:pPr eaLnBrk="1" hangingPunct="1"/>
+            <a:r>
+              <a:rPr lang="en-US" sz="2000" b="1" dirty="0">
+                <a:latin typeface="Calibri" pitchFamily="34" charset="0"/>
+              </a:rPr>
+              <a:t>FILLER</a:t>
+            </a:r>
+          </a:p>
+          <a:p>
+            <a:pPr eaLnBrk="1" hangingPunct="1"/>
+            <a:r>
+              <a:rPr lang="en-US" sz="2000" dirty="0">
+                <a:latin typeface="Calibri" pitchFamily="34" charset="0"/>
+              </a:rPr>
+              <a:t>While song segmentation is a difficult task, </a:t>
+            </a:r>
+            <a:r>
+              <a:rPr lang="en-US" sz="2000" dirty="0" err="1">
+                <a:latin typeface="Calibri" pitchFamily="34" charset="0"/>
+              </a:rPr>
+              <a:t>Structify</a:t>
+            </a:r>
+            <a:r>
+              <a:rPr lang="en-US" sz="2000" dirty="0">
+                <a:latin typeface="Calibri" pitchFamily="34" charset="0"/>
+              </a:rPr>
+              <a:t> works well on a variety of pop songs.</a:t>
+            </a:r>
+          </a:p>
+          <a:p>
+            <a:pPr eaLnBrk="1" hangingPunct="1"/>
+            <a:endParaRPr lang="en-US" sz="2000" dirty="0">
+              <a:latin typeface="Calibri" pitchFamily="34" charset="0"/>
+            </a:endParaRPr>
+          </a:p>
+          <a:p>
+            <a:pPr eaLnBrk="1" hangingPunct="1"/>
+            <a:r>
+              <a:rPr lang="en-US" sz="2000" dirty="0">
+                <a:latin typeface="Calibri" pitchFamily="34" charset="0"/>
+              </a:rPr>
+              <a:t>This project can be taken in several directions. The segmentation pipeline could likely be fine-tuned, as the original authors were able to obtain better results than we were. Other methods of segmentation could also be investigated, such as analysis with spectral clustering</a:t>
+            </a:r>
+            <a:r>
+              <a:rPr lang="en-US" sz="2000" baseline="30000" dirty="0">
+                <a:latin typeface="Calibri" pitchFamily="34" charset="0"/>
+              </a:rPr>
+              <a:t>3</a:t>
+            </a:r>
+            <a:r>
+              <a:rPr lang="en-US" sz="2000" dirty="0">
+                <a:latin typeface="Calibri" pitchFamily="34" charset="0"/>
+              </a:rPr>
+              <a:t>. Finally, we originally wanted to label sections (as “intro,” “verse,” etc.), but decided that this was out of scope; this is yet another path forward.</a:t>
+            </a:r>
           </a:p>
         </p:txBody>
       </p:sp>
@@ -4958,7 +4870,7 @@
         </p:nvSpPr>
         <p:spPr>
           <a:xfrm>
-            <a:off x="21945600" y="13716000"/>
+            <a:off x="21945600" y="14554200"/>
             <a:ext cx="9875520" cy="457200"/>
           </a:xfrm>
           <a:prstGeom prst="rect">
@@ -6742,28 +6654,6 @@
           </a:p>
         </p:txBody>
       </p:sp>
-      <p:graphicFrame>
-        <p:nvGraphicFramePr>
-          <p:cNvPr id="3" name="Chart 2"/>
-          <p:cNvGraphicFramePr/>
-          <p:nvPr>
-            <p:extLst>
-              <p:ext uri="{D42A27DB-BD31-4B8C-83A1-F6EECF244321}">
-                <p14:modId xmlns:p14="http://schemas.microsoft.com/office/powerpoint/2010/main" val="2055249375"/>
-              </p:ext>
-            </p:extLst>
-          </p:nvPr>
-        </p:nvGraphicFramePr>
-        <p:xfrm>
-          <a:off x="22387043" y="8717350"/>
-          <a:ext cx="9563359" cy="4141705"/>
-        </p:xfrm>
-        <a:graphic>
-          <a:graphicData uri="http://schemas.openxmlformats.org/drawingml/2006/chart">
-            <c:chart xmlns:c="http://schemas.openxmlformats.org/drawingml/2006/chart" xmlns:r="http://schemas.openxmlformats.org/officeDocument/2006/relationships" r:id="rId3"/>
-          </a:graphicData>
-        </a:graphic>
-      </p:graphicFrame>
       <p:sp>
         <p:nvSpPr>
           <p:cNvPr id="37" name="Text Box 180"/>
@@ -6774,8 +6664,8 @@
         </p:nvSpPr>
         <p:spPr bwMode="auto">
           <a:xfrm>
-            <a:off x="25628099" y="12868345"/>
-            <a:ext cx="2510521" cy="295671"/>
+            <a:off x="23391974" y="14193663"/>
+            <a:ext cx="7241367" cy="295671"/>
           </a:xfrm>
           <a:prstGeom prst="rect">
             <a:avLst/>
@@ -6922,13 +6812,19 @@
               <a:rPr lang="en-US" sz="1600" b="1" dirty="0">
                 <a:latin typeface="Calibri" pitchFamily="34" charset="0"/>
               </a:rPr>
-              <a:t>Chart 1.</a:t>
+              <a:t>Figure 3a, b: </a:t>
+            </a:r>
+            <a:r>
+              <a:rPr lang="en-US" sz="1600" dirty="0" err="1">
+                <a:latin typeface="Calibri" pitchFamily="34" charset="0"/>
+              </a:rPr>
+              <a:t>Structify</a:t>
             </a:r>
             <a:r>
               <a:rPr lang="en-US" sz="1600" dirty="0">
                 <a:latin typeface="Calibri" pitchFamily="34" charset="0"/>
               </a:rPr>
-              <a:t> Label in 16pt Calibri.</a:t>
+              <a:t> (top) and manual (bottom) segmentations of “Call Me Maybe”</a:t>
             </a:r>
           </a:p>
         </p:txBody>
@@ -6942,7 +6838,7 @@
           <p:nvPr/>
         </p:nvPicPr>
         <p:blipFill rotWithShape="1">
-          <a:blip r:embed="rId4">
+          <a:blip r:embed="rId5">
             <a:extLst>
               <a:ext uri="{28A0092B-C50C-407E-A947-70E740481C1C}">
                 <a14:useLocalDpi xmlns:a14="http://schemas.microsoft.com/office/drawing/2010/main" val="0"/>
@@ -6981,7 +6877,7 @@
           <p:nvPr/>
         </p:nvPicPr>
         <p:blipFill rotWithShape="1">
-          <a:blip r:embed="rId5">
+          <a:blip r:embed="rId6">
             <a:extLst>
               <a:ext uri="{28A0092B-C50C-407E-A947-70E740481C1C}">
                 <a14:useLocalDpi xmlns:a14="http://schemas.microsoft.com/office/drawing/2010/main" val="0"/>
@@ -7010,7 +6906,7 @@
           <p:nvPr/>
         </p:nvPicPr>
         <p:blipFill rotWithShape="1">
-          <a:blip r:embed="rId6">
+          <a:blip r:embed="rId7">
             <a:extLst>
               <a:ext uri="{28A0092B-C50C-407E-A947-70E740481C1C}">
                 <a14:useLocalDpi xmlns:a14="http://schemas.microsoft.com/office/drawing/2010/main" val="0"/>

--- a/poster.pptx
+++ b/poster.pptx
@@ -2483,7 +2483,7 @@
         </p:blipFill>
         <p:spPr>
           <a:xfrm>
-            <a:off x="22440651" y="7145724"/>
+            <a:off x="22440651" y="7086600"/>
             <a:ext cx="9144000" cy="3598476"/>
           </a:xfrm>
           <a:prstGeom prst="rect">
@@ -2507,13 +2507,13 @@
               </a:ext>
             </a:extLst>
           </a:blip>
-          <a:srcRect b="4195"/>
+          <a:srcRect t="2201" b="4195"/>
           <a:stretch/>
         </p:blipFill>
         <p:spPr>
           <a:xfrm>
-            <a:off x="22440633" y="10669040"/>
-            <a:ext cx="9144018" cy="3504160"/>
+            <a:off x="22440633" y="10749526"/>
+            <a:ext cx="9144018" cy="3423674"/>
           </a:xfrm>
           <a:prstGeom prst="rect">
             <a:avLst/>

--- a/poster.pptx
+++ b/poster.pptx
@@ -2483,8 +2483,8 @@
         </p:blipFill>
         <p:spPr>
           <a:xfrm>
-            <a:off x="22440651" y="7086600"/>
-            <a:ext cx="9144000" cy="3598476"/>
+            <a:off x="22860000" y="7629118"/>
+            <a:ext cx="8496549" cy="3343682"/>
           </a:xfrm>
           <a:prstGeom prst="rect">
             <a:avLst/>
@@ -2512,8 +2512,8 @@
         </p:blipFill>
         <p:spPr>
           <a:xfrm>
-            <a:off x="22440633" y="10749526"/>
-            <a:ext cx="9144018" cy="3423674"/>
+            <a:off x="22859982" y="10977769"/>
+            <a:ext cx="8496566" cy="3181257"/>
           </a:xfrm>
           <a:prstGeom prst="rect">
             <a:avLst/>
@@ -2531,7 +2531,7 @@
         <p:spPr bwMode="auto">
           <a:xfrm>
             <a:off x="22074882" y="3657600"/>
-            <a:ext cx="9875520" cy="3583339"/>
+            <a:ext cx="9875520" cy="4198892"/>
           </a:xfrm>
           <a:prstGeom prst="rect">
             <a:avLst/>
@@ -2668,60 +2668,87 @@
               <a:rPr lang="en-US" sz="2000" dirty="0">
                 <a:latin typeface="Calibri" pitchFamily="34" charset="0"/>
               </a:rPr>
-              <a:t> works reasonably well. Some notable results include accurately identifying the start of the chorus of “Call Me Maybe” each time it occurred, and </a:t>
-            </a:r>
-            <a:r>
-              <a:rPr lang="en-US" sz="2000" b="1" dirty="0">
-                <a:latin typeface="Calibri" pitchFamily="34" charset="0"/>
-              </a:rPr>
-              <a:t>ADD MORE THINGS THAT THIS DOES</a:t>
+              <a:t> works reasonably well. On “Call Me Maybe,” </a:t>
+            </a:r>
+            <a:r>
+              <a:rPr lang="en-US" sz="2000" dirty="0" err="1">
+                <a:latin typeface="Calibri" pitchFamily="34" charset="0"/>
+              </a:rPr>
+              <a:t>Structify</a:t>
+            </a:r>
+            <a:r>
+              <a:rPr lang="en-US" sz="2000" dirty="0">
+                <a:latin typeface="Calibri" pitchFamily="34" charset="0"/>
+              </a:rPr>
+              <a:t> correctly identified the start of the chorus each time it occurred, though it missed certain other segments (precision 0.71, recall 0.63). On a cover of “Titanium,” </a:t>
+            </a:r>
+            <a:r>
+              <a:rPr lang="en-US" sz="2000" dirty="0" err="1">
+                <a:latin typeface="Calibri" pitchFamily="34" charset="0"/>
+              </a:rPr>
+              <a:t>Structify</a:t>
+            </a:r>
+            <a:r>
+              <a:rPr lang="en-US" sz="2000" dirty="0">
+                <a:latin typeface="Calibri" pitchFamily="34" charset="0"/>
+              </a:rPr>
+              <a:t> generally segmented the song well, but occasionally halfway through the chorus </a:t>
+            </a:r>
+            <a:r>
+              <a:rPr lang="en-US" sz="2000" dirty="0">
+                <a:latin typeface="Calibri" pitchFamily="34" charset="0"/>
+              </a:rPr>
+              <a:t>(precision 0.71, recall 0.83)</a:t>
+            </a:r>
+            <a:r>
+              <a:rPr lang="en-US" sz="2000" dirty="0">
+                <a:latin typeface="Calibri" pitchFamily="34" charset="0"/>
+              </a:rPr>
+              <a:t>. And on “Firework” by Katy Perry, the segmentations found were generally accurate, but it did not identify all of them, indicating that the algorithm parameters could be better tuned.</a:t>
             </a:r>
           </a:p>
           <a:p>
             <a:pPr eaLnBrk="1" hangingPunct="1"/>
-            <a:r>
-              <a:rPr lang="en-US" sz="2000" b="1" dirty="0">
-                <a:latin typeface="Calibri" pitchFamily="34" charset="0"/>
-              </a:rPr>
-              <a:t>FILLER</a:t>
-            </a:r>
-          </a:p>
-          <a:p>
-            <a:pPr eaLnBrk="1" hangingPunct="1"/>
-            <a:r>
-              <a:rPr lang="en-US" sz="2000" b="1" dirty="0">
-                <a:latin typeface="Calibri" pitchFamily="34" charset="0"/>
-              </a:rPr>
-              <a:t>FILLER</a:t>
-            </a:r>
-          </a:p>
-          <a:p>
-            <a:pPr eaLnBrk="1" hangingPunct="1"/>
-            <a:r>
-              <a:rPr lang="en-US" sz="2000" b="1" dirty="0">
-                <a:latin typeface="Calibri" pitchFamily="34" charset="0"/>
-              </a:rPr>
-              <a:t>FILLER</a:t>
-            </a:r>
-          </a:p>
-          <a:p>
-            <a:pPr eaLnBrk="1" hangingPunct="1"/>
-            <a:r>
-              <a:rPr lang="en-US" sz="2000" b="1" dirty="0">
-                <a:latin typeface="Calibri" pitchFamily="34" charset="0"/>
-              </a:rPr>
-              <a:t>FILLER</a:t>
-            </a:r>
-          </a:p>
-          <a:p>
-            <a:pPr eaLnBrk="1" hangingPunct="1"/>
-            <a:endParaRPr lang="en-US" sz="2000" b="1" dirty="0">
+            <a:endParaRPr lang="en-US" sz="2000" dirty="0">
               <a:latin typeface="Calibri" pitchFamily="34" charset="0"/>
             </a:endParaRPr>
           </a:p>
           <a:p>
             <a:pPr eaLnBrk="1" hangingPunct="1"/>
-            <a:endParaRPr lang="en-US" sz="2000" b="1" dirty="0">
+            <a:r>
+              <a:rPr lang="en-US" sz="2000" dirty="0">
+                <a:latin typeface="Calibri" pitchFamily="34" charset="0"/>
+              </a:rPr>
+              <a:t>Conversely, on “Bohemian Rhapsody,” </a:t>
+            </a:r>
+            <a:r>
+              <a:rPr lang="en-US" sz="2000" dirty="0" err="1">
+                <a:latin typeface="Calibri" pitchFamily="34" charset="0"/>
+              </a:rPr>
+              <a:t>Structify</a:t>
+            </a:r>
+            <a:r>
+              <a:rPr lang="en-US" sz="2000" dirty="0">
+                <a:latin typeface="Calibri" pitchFamily="34" charset="0"/>
+              </a:rPr>
+              <a:t> performed extremely poorly, having precision of 0.2 and recall of 0.25. This can be largely attributed to the failure of beat tracking due to tempo and style changes, since </a:t>
+            </a:r>
+            <a:r>
+              <a:rPr lang="en-US" sz="2000" dirty="0" err="1">
+                <a:latin typeface="Calibri" pitchFamily="34" charset="0"/>
+              </a:rPr>
+              <a:t>Structify</a:t>
+            </a:r>
+            <a:r>
+              <a:rPr lang="en-US" sz="2000" dirty="0">
+                <a:latin typeface="Calibri" pitchFamily="34" charset="0"/>
+              </a:rPr>
+              <a:t> depends on beat tracking to analyze similarity.</a:t>
+            </a:r>
+          </a:p>
+          <a:p>
+            <a:pPr eaLnBrk="1" hangingPunct="1"/>
+            <a:endParaRPr lang="en-US" sz="2000" dirty="0">
               <a:latin typeface="Calibri" pitchFamily="34" charset="0"/>
             </a:endParaRPr>
           </a:p>
@@ -4773,52 +4800,19 @@
               <a:rPr lang="en-US" sz="2000" dirty="0">
                 <a:latin typeface="Calibri" pitchFamily="34" charset="0"/>
               </a:rPr>
-              <a:t> showed extremely promising results, as it was frequently able to identify </a:t>
-            </a:r>
-            <a:r>
-              <a:rPr lang="en-US" sz="2000" b="1" dirty="0">
-                <a:latin typeface="Calibri" pitchFamily="34" charset="0"/>
-              </a:rPr>
-              <a:t>things it was able to do. </a:t>
+              <a:t> showed extremely promising results on highly structured songs, as it was frequently able to identify correct segmentations, and rarely incorrectly segmented songs. However, when beat tracking failed, </a:t>
+            </a:r>
+            <a:r>
+              <a:rPr lang="en-US" sz="2000" dirty="0" err="1">
+                <a:latin typeface="Calibri" pitchFamily="34" charset="0"/>
+              </a:rPr>
+              <a:t>Structify</a:t>
             </a:r>
             <a:r>
               <a:rPr lang="en-US" sz="2000" dirty="0">
                 <a:latin typeface="Calibri" pitchFamily="34" charset="0"/>
               </a:rPr>
-              <a:t>In addition, it correctly </a:t>
-            </a:r>
-            <a:r>
-              <a:rPr lang="en-US" sz="2000" b="1" dirty="0">
-                <a:latin typeface="Calibri" pitchFamily="34" charset="0"/>
-              </a:rPr>
-              <a:t>did another thing. Maybe another line. </a:t>
-            </a:r>
-          </a:p>
-          <a:p>
-            <a:pPr eaLnBrk="1" hangingPunct="1"/>
-            <a:r>
-              <a:rPr lang="en-US" sz="2000" b="1" dirty="0">
-                <a:latin typeface="Calibri" pitchFamily="34" charset="0"/>
-              </a:rPr>
-              <a:t>FILLER</a:t>
-            </a:r>
-          </a:p>
-          <a:p>
-            <a:pPr eaLnBrk="1" hangingPunct="1"/>
-            <a:r>
-              <a:rPr lang="en-US" sz="2000" b="1" dirty="0">
-                <a:latin typeface="Calibri" pitchFamily="34" charset="0"/>
-              </a:rPr>
-              <a:t>FILLER</a:t>
-            </a:r>
-          </a:p>
-          <a:p>
-            <a:pPr eaLnBrk="1" hangingPunct="1"/>
-            <a:r>
-              <a:rPr lang="en-US" sz="2000" dirty="0">
-                <a:latin typeface="Calibri" pitchFamily="34" charset="0"/>
-              </a:rPr>
-              <a:t>While song segmentation is a difficult task, </a:t>
+              <a:t> did not at all work well, since the algorithm revolves around the similarity of beat-synchronous features. While song segmentation is a difficult task, </a:t>
             </a:r>
             <a:r>
               <a:rPr lang="en-US" sz="2000" dirty="0" err="1">
@@ -4845,7 +4839,7 @@
               <a:rPr lang="en-US" sz="2000" dirty="0">
                 <a:latin typeface="Calibri" pitchFamily="34" charset="0"/>
               </a:rPr>
-              <a:t>This project can be taken in several directions. The segmentation pipeline could likely be fine-tuned, as the original authors were able to obtain better results than we were. Other methods of segmentation could also be investigated, such as analysis with spectral clustering</a:t>
+              <a:t>This project can be taken in several directions. The segmentation pipeline could likely be fine-tuned, including varying more parameters, refining beat tracking, or applying filters to the self-similarity matrix.  Other methods of segmentation could also be investigated, such as analysis with spectral clustering</a:t>
             </a:r>
             <a:r>
               <a:rPr lang="en-US" sz="2000" baseline="30000" dirty="0">
@@ -4927,7 +4921,7 @@
           <p:nvPr>
             <p:extLst>
               <p:ext uri="{D42A27DB-BD31-4B8C-83A1-F6EECF244321}">
-                <p14:modId xmlns:p14="http://schemas.microsoft.com/office/powerpoint/2010/main" val="634745182"/>
+                <p14:modId xmlns:p14="http://schemas.microsoft.com/office/powerpoint/2010/main" val="3048956986"/>
               </p:ext>
             </p:extLst>
           </p:nvPr>
@@ -4978,7 +4972,7 @@
                     <a:bodyPr/>
                     <a:lstStyle/>
                     <a:p>
-                      <a:endParaRPr lang="en-US" sz="2400" dirty="0"/>
+                      <a:endParaRPr lang="en-US" sz="2000" dirty="0"/>
                     </a:p>
                   </a:txBody>
                   <a:tcPr marT="22861" marB="22861" anchor="ctr">
@@ -4996,7 +4990,7 @@
                     <a:p>
                       <a:pPr algn="ctr"/>
                       <a:r>
-                        <a:rPr lang="en-US" sz="2400" dirty="0"/>
+                        <a:rPr lang="en-US" sz="2000" dirty="0"/>
                         <a:t>Chroma</a:t>
                       </a:r>
                     </a:p>
@@ -5016,7 +5010,7 @@
                     <a:p>
                       <a:pPr algn="ctr"/>
                       <a:r>
-                        <a:rPr lang="en-US" sz="2400" dirty="0"/>
+                        <a:rPr lang="en-US" sz="2000" dirty="0"/>
                         <a:t>Tempo</a:t>
                       </a:r>
                     </a:p>
@@ -5036,7 +5030,7 @@
                     <a:p>
                       <a:pPr algn="ctr"/>
                       <a:r>
-                        <a:rPr lang="en-US" sz="2400" dirty="0"/>
+                        <a:rPr lang="en-US" sz="2000" dirty="0"/>
                         <a:t>Timbre</a:t>
                       </a:r>
                     </a:p>
@@ -5063,14 +5057,14 @@
                     <a:p>
                       <a:pPr algn="ctr"/>
                       <a:r>
-                        <a:rPr lang="en-US" sz="1800" dirty="0"/>
+                        <a:rPr lang="en-US" sz="2000" dirty="0"/>
                         <a:t>Bohemian</a:t>
                       </a:r>
                       <a:r>
-                        <a:rPr lang="en-US" sz="1800" baseline="0" dirty="0"/>
+                        <a:rPr lang="en-US" sz="2000" baseline="0" dirty="0"/>
                         <a:t> Rhapsody</a:t>
                       </a:r>
-                      <a:endParaRPr lang="en-US" sz="1800" dirty="0"/>
+                      <a:endParaRPr lang="en-US" sz="2000" dirty="0"/>
                     </a:p>
                   </a:txBody>
                   <a:tcPr marT="22861" marB="22861" anchor="ctr"/>
@@ -5082,7 +5076,7 @@
                     <a:p>
                       <a:pPr algn="ctr"/>
                       <a:r>
-                        <a:rPr lang="en-US" sz="1800" dirty="0"/>
+                        <a:rPr lang="en-US" sz="2000" dirty="0"/>
                         <a:t>0.12</a:t>
                       </a:r>
                     </a:p>
@@ -5096,7 +5090,7 @@
                     <a:p>
                       <a:pPr algn="ctr"/>
                       <a:r>
-                        <a:rPr lang="en-US" sz="1800" dirty="0"/>
+                        <a:rPr lang="en-US" sz="2000" dirty="0"/>
                         <a:t>0.22</a:t>
                       </a:r>
                     </a:p>
@@ -5110,7 +5104,7 @@
                     <a:p>
                       <a:pPr algn="ctr"/>
                       <a:r>
-                        <a:rPr lang="en-US" sz="1800" dirty="0"/>
+                        <a:rPr lang="en-US" sz="2000" dirty="0"/>
                         <a:t>0.19</a:t>
                       </a:r>
                     </a:p>
@@ -5131,7 +5125,7 @@
                     <a:p>
                       <a:pPr algn="ctr"/>
                       <a:r>
-                        <a:rPr lang="en-US" sz="1800" dirty="0"/>
+                        <a:rPr lang="en-US" sz="2000" dirty="0"/>
                         <a:t>Call Me Maybe</a:t>
                       </a:r>
                     </a:p>
@@ -5145,7 +5139,7 @@
                     <a:p>
                       <a:pPr algn="ctr"/>
                       <a:r>
-                        <a:rPr lang="en-US" sz="1800" dirty="0"/>
+                        <a:rPr lang="en-US" sz="2000" dirty="0"/>
                         <a:t>0.53</a:t>
                       </a:r>
                     </a:p>
@@ -5159,7 +5153,7 @@
                     <a:p>
                       <a:pPr algn="ctr"/>
                       <a:r>
-                        <a:rPr lang="en-US" sz="1800" dirty="0"/>
+                        <a:rPr lang="en-US" sz="2000" dirty="0"/>
                         <a:t>0.47</a:t>
                       </a:r>
                     </a:p>
@@ -5173,7 +5167,7 @@
                     <a:p>
                       <a:pPr algn="ctr"/>
                       <a:r>
-                        <a:rPr lang="en-US" sz="1800" dirty="0"/>
+                        <a:rPr lang="en-US" sz="2000" dirty="0"/>
                         <a:t>0.66</a:t>
                       </a:r>
                     </a:p>
@@ -5194,7 +5188,7 @@
                     <a:p>
                       <a:pPr algn="ctr"/>
                       <a:r>
-                        <a:rPr lang="en-US" sz="1800" dirty="0"/>
+                        <a:rPr lang="en-US" sz="2000" dirty="0"/>
                         <a:t>Come On Eileen</a:t>
                       </a:r>
                     </a:p>
@@ -5208,7 +5202,7 @@
                     <a:p>
                       <a:pPr algn="ctr"/>
                       <a:r>
-                        <a:rPr lang="en-US" sz="1800" dirty="0"/>
+                        <a:rPr lang="en-US" sz="2000" dirty="0"/>
                         <a:t>0.28</a:t>
                       </a:r>
                     </a:p>
@@ -5222,7 +5216,7 @@
                     <a:p>
                       <a:pPr algn="ctr"/>
                       <a:r>
-                        <a:rPr lang="en-US" sz="1800" dirty="0"/>
+                        <a:rPr lang="en-US" sz="2000" dirty="0"/>
                         <a:t>0.31</a:t>
                       </a:r>
                     </a:p>
@@ -5236,7 +5230,7 @@
                     <a:p>
                       <a:pPr algn="ctr"/>
                       <a:r>
-                        <a:rPr lang="en-US" sz="1800" dirty="0"/>
+                        <a:rPr lang="en-US" sz="2000" dirty="0"/>
                         <a:t>0.38</a:t>
                       </a:r>
                     </a:p>
@@ -5257,7 +5251,7 @@
                     <a:p>
                       <a:pPr algn="ctr"/>
                       <a:r>
-                        <a:rPr lang="en-US" sz="1800" dirty="0"/>
+                        <a:rPr lang="en-US" sz="2000" dirty="0"/>
                         <a:t>Firework</a:t>
                       </a:r>
                     </a:p>
@@ -5271,7 +5265,7 @@
                     <a:p>
                       <a:pPr algn="ctr"/>
                       <a:r>
-                        <a:rPr lang="en-US" sz="1800" dirty="0"/>
+                        <a:rPr lang="en-US" sz="2000" dirty="0"/>
                         <a:t>0.35</a:t>
                       </a:r>
                     </a:p>
@@ -5285,7 +5279,7 @@
                     <a:p>
                       <a:pPr algn="ctr"/>
                       <a:r>
-                        <a:rPr lang="en-US" sz="1800" dirty="0"/>
+                        <a:rPr lang="en-US" sz="2000" dirty="0"/>
                         <a:t>0.53</a:t>
                       </a:r>
                     </a:p>
@@ -5299,7 +5293,7 @@
                     <a:p>
                       <a:pPr algn="ctr"/>
                       <a:r>
-                        <a:rPr lang="en-US" sz="1800" dirty="0"/>
+                        <a:rPr lang="en-US" sz="2000" dirty="0"/>
                         <a:t>0.53</a:t>
                       </a:r>
                     </a:p>
@@ -5320,14 +5314,14 @@
                     <a:p>
                       <a:pPr algn="ctr"/>
                       <a:r>
-                        <a:rPr lang="en-US" sz="1800" dirty="0"/>
+                        <a:rPr lang="en-US" sz="2000" dirty="0"/>
                         <a:t>Happy</a:t>
                       </a:r>
                       <a:r>
-                        <a:rPr lang="en-US" sz="1800" baseline="0" dirty="0"/>
+                        <a:rPr lang="en-US" sz="2000" baseline="0" dirty="0"/>
                         <a:t> Together</a:t>
                       </a:r>
-                      <a:endParaRPr lang="en-US" sz="1800" dirty="0"/>
+                      <a:endParaRPr lang="en-US" sz="2000" dirty="0"/>
                     </a:p>
                   </a:txBody>
                   <a:tcPr marT="22861" marB="22861" anchor="ctr"/>
@@ -5339,7 +5333,7 @@
                     <a:p>
                       <a:pPr algn="ctr"/>
                       <a:r>
-                        <a:rPr lang="en-US" sz="1800" dirty="0"/>
+                        <a:rPr lang="en-US" sz="2000" dirty="0"/>
                         <a:t>0.38</a:t>
                       </a:r>
                     </a:p>
@@ -5353,7 +5347,7 @@
                     <a:p>
                       <a:pPr algn="ctr"/>
                       <a:r>
-                        <a:rPr lang="en-US" sz="1800" dirty="0"/>
+                        <a:rPr lang="en-US" sz="2000" dirty="0"/>
                         <a:t>0.38</a:t>
                       </a:r>
                     </a:p>
@@ -5367,7 +5361,7 @@
                     <a:p>
                       <a:pPr algn="ctr"/>
                       <a:r>
-                        <a:rPr lang="en-US" sz="1800" dirty="0"/>
+                        <a:rPr lang="en-US" sz="2000" dirty="0"/>
                         <a:t>0.25</a:t>
                       </a:r>
                     </a:p>
@@ -5388,7 +5382,7 @@
                     <a:p>
                       <a:pPr algn="ctr"/>
                       <a:r>
-                        <a:rPr lang="en-US" sz="1800" dirty="0"/>
+                        <a:rPr lang="en-US" sz="2000" dirty="0"/>
                         <a:t>Hotel California</a:t>
                       </a:r>
                     </a:p>
@@ -5402,7 +5396,7 @@
                     <a:p>
                       <a:pPr algn="ctr"/>
                       <a:r>
-                        <a:rPr lang="en-US" sz="1800" dirty="0"/>
+                        <a:rPr lang="en-US" sz="2000" dirty="0"/>
                         <a:t>0.44</a:t>
                       </a:r>
                     </a:p>
@@ -5416,7 +5410,7 @@
                     <a:p>
                       <a:pPr algn="ctr"/>
                       <a:r>
-                        <a:rPr lang="en-US" sz="1800" dirty="0"/>
+                        <a:rPr lang="en-US" sz="2000" dirty="0"/>
                         <a:t>0.14</a:t>
                       </a:r>
                     </a:p>
@@ -5430,7 +5424,7 @@
                     <a:p>
                       <a:pPr algn="ctr"/>
                       <a:r>
-                        <a:rPr lang="en-US" sz="1800" dirty="0"/>
+                        <a:rPr lang="en-US" sz="2000" dirty="0"/>
                         <a:t>0.38</a:t>
                       </a:r>
                     </a:p>
@@ -5451,14 +5445,14 @@
                     <a:p>
                       <a:pPr algn="ctr"/>
                       <a:r>
-                        <a:rPr lang="en-US" sz="1800" dirty="0"/>
+                        <a:rPr lang="en-US" sz="2000" dirty="0"/>
                         <a:t>Raspberry</a:t>
                       </a:r>
                       <a:r>
-                        <a:rPr lang="en-US" sz="1800" baseline="0" dirty="0"/>
+                        <a:rPr lang="en-US" sz="2000" baseline="0" dirty="0"/>
                         <a:t> Beret</a:t>
                       </a:r>
-                      <a:endParaRPr lang="en-US" sz="1800" dirty="0"/>
+                      <a:endParaRPr lang="en-US" sz="2000" dirty="0"/>
                     </a:p>
                   </a:txBody>
                   <a:tcPr marT="22861" marB="22861" anchor="ctr"/>
@@ -5470,7 +5464,7 @@
                     <a:p>
                       <a:pPr algn="ctr"/>
                       <a:r>
-                        <a:rPr lang="en-US" sz="1800" dirty="0"/>
+                        <a:rPr lang="en-US" sz="2000" dirty="0"/>
                         <a:t>0.36</a:t>
                       </a:r>
                     </a:p>
@@ -5484,7 +5478,7 @@
                     <a:p>
                       <a:pPr algn="ctr"/>
                       <a:r>
-                        <a:rPr lang="en-US" sz="1800" dirty="0"/>
+                        <a:rPr lang="en-US" sz="2000" dirty="0"/>
                         <a:t>0.53</a:t>
                       </a:r>
                     </a:p>
@@ -5498,7 +5492,7 @@
                     <a:p>
                       <a:pPr algn="ctr"/>
                       <a:r>
-                        <a:rPr lang="en-US" sz="1800" dirty="0"/>
+                        <a:rPr lang="en-US" sz="2000" dirty="0"/>
                         <a:t>0.50</a:t>
                       </a:r>
                     </a:p>
@@ -5519,7 +5513,7 @@
                     <a:p>
                       <a:pPr algn="ctr"/>
                       <a:r>
-                        <a:rPr lang="en-US" sz="1800" dirty="0"/>
+                        <a:rPr lang="en-US" sz="2000" dirty="0"/>
                         <a:t>Rolling in the Deep</a:t>
                       </a:r>
                     </a:p>
@@ -5533,7 +5527,7 @@
                     <a:p>
                       <a:pPr algn="ctr"/>
                       <a:r>
-                        <a:rPr lang="en-US" sz="1800" dirty="0"/>
+                        <a:rPr lang="en-US" sz="2000" dirty="0"/>
                         <a:t>0.47</a:t>
                       </a:r>
                     </a:p>
@@ -5547,7 +5541,7 @@
                     <a:p>
                       <a:pPr algn="ctr"/>
                       <a:r>
-                        <a:rPr lang="en-US" sz="1800" dirty="0"/>
+                        <a:rPr lang="en-US" sz="2000" dirty="0"/>
                         <a:t>0.31</a:t>
                       </a:r>
                     </a:p>
@@ -5561,7 +5555,7 @@
                     <a:p>
                       <a:pPr algn="ctr"/>
                       <a:r>
-                        <a:rPr lang="en-US" sz="1800" dirty="0"/>
+                        <a:rPr lang="en-US" sz="2000" dirty="0"/>
                         <a:t>0.43</a:t>
                       </a:r>
                     </a:p>
@@ -5582,7 +5576,7 @@
                     <a:p>
                       <a:pPr algn="ctr"/>
                       <a:r>
-                        <a:rPr lang="en-US" sz="1800" dirty="0"/>
+                        <a:rPr lang="en-US" sz="2000" dirty="0"/>
                         <a:t>Titanium</a:t>
                       </a:r>
                     </a:p>
@@ -5596,7 +5590,7 @@
                     <a:p>
                       <a:pPr algn="ctr"/>
                       <a:r>
-                        <a:rPr lang="en-US" sz="1800" dirty="0"/>
+                        <a:rPr lang="en-US" sz="2000" dirty="0"/>
                         <a:t>0.25</a:t>
                       </a:r>
                     </a:p>
@@ -5610,7 +5604,7 @@
                     <a:p>
                       <a:pPr algn="ctr"/>
                       <a:r>
-                        <a:rPr lang="en-US" sz="1800" dirty="0"/>
+                        <a:rPr lang="en-US" sz="2000" dirty="0"/>
                         <a:t>0.33</a:t>
                       </a:r>
                     </a:p>
@@ -5624,7 +5618,7 @@
                     <a:p>
                       <a:pPr algn="ctr"/>
                       <a:r>
-                        <a:rPr lang="en-US" sz="1800" dirty="0"/>
+                        <a:rPr lang="en-US" sz="2000" dirty="0"/>
                         <a:t>0.78</a:t>
                       </a:r>
                     </a:p>
@@ -5645,7 +5639,7 @@
                     <a:p>
                       <a:pPr algn="ctr"/>
                       <a:r>
-                        <a:rPr lang="en-US" sz="1800" dirty="0"/>
+                        <a:rPr lang="en-US" sz="2000" dirty="0"/>
                         <a:t>When Doves Cry</a:t>
                       </a:r>
                     </a:p>
@@ -5659,7 +5653,7 @@
                     <a:p>
                       <a:pPr algn="ctr"/>
                       <a:r>
-                        <a:rPr lang="en-US" sz="1800" dirty="0"/>
+                        <a:rPr lang="en-US" sz="2000" dirty="0"/>
                         <a:t>0.36</a:t>
                       </a:r>
                     </a:p>
@@ -5673,7 +5667,7 @@
                     <a:p>
                       <a:pPr algn="ctr"/>
                       <a:r>
-                        <a:rPr lang="en-US" sz="1800" dirty="0"/>
+                        <a:rPr lang="en-US" sz="2000" dirty="0"/>
                         <a:t>0.20</a:t>
                       </a:r>
                     </a:p>
@@ -5687,7 +5681,7 @@
                     <a:p>
                       <a:pPr algn="ctr"/>
                       <a:r>
-                        <a:rPr lang="en-US" sz="1800" dirty="0"/>
+                        <a:rPr lang="en-US" sz="2000" dirty="0"/>
                         <a:t>0.27</a:t>
                       </a:r>
                     </a:p>
@@ -5708,7 +5702,7 @@
                     <a:p>
                       <a:pPr algn="ctr"/>
                       <a:r>
-                        <a:rPr lang="en-US" sz="1800" b="1" dirty="0"/>
+                        <a:rPr lang="en-US" sz="2000" b="1" dirty="0"/>
                         <a:t>Average</a:t>
                       </a:r>
                     </a:p>
@@ -5722,7 +5716,7 @@
                     <a:p>
                       <a:pPr algn="ctr"/>
                       <a:r>
-                        <a:rPr lang="en-US" sz="1800" b="1" dirty="0"/>
+                        <a:rPr lang="en-US" sz="2000" b="1" dirty="0"/>
                         <a:t>0.35</a:t>
                       </a:r>
                     </a:p>
@@ -5736,7 +5730,7 @@
                     <a:p>
                       <a:pPr algn="ctr"/>
                       <a:r>
-                        <a:rPr lang="en-US" sz="1800" b="1" dirty="0"/>
+                        <a:rPr lang="en-US" sz="2000" b="1" dirty="0"/>
                         <a:t>0.34</a:t>
                       </a:r>
                     </a:p>
@@ -5750,7 +5744,7 @@
                     <a:p>
                       <a:pPr algn="ctr"/>
                       <a:r>
-                        <a:rPr lang="en-US" sz="1800" b="1" dirty="0"/>
+                        <a:rPr lang="en-US" sz="2000" b="1" dirty="0"/>
                         <a:t>0.44</a:t>
                       </a:r>
                     </a:p>
@@ -6664,8 +6658,8 @@
         </p:nvSpPr>
         <p:spPr bwMode="auto">
           <a:xfrm>
-            <a:off x="23391974" y="14193663"/>
-            <a:ext cx="7241367" cy="295671"/>
+            <a:off x="23314302" y="14193663"/>
+            <a:ext cx="7396730" cy="295671"/>
           </a:xfrm>
           <a:prstGeom prst="rect">
             <a:avLst/>
@@ -6812,7 +6806,13 @@
               <a:rPr lang="en-US" sz="1600" b="1" dirty="0">
                 <a:latin typeface="Calibri" pitchFamily="34" charset="0"/>
               </a:rPr>
-              <a:t>Figure 3a, b: </a:t>
+              <a:t>Figure 3:</a:t>
+            </a:r>
+            <a:r>
+              <a:rPr lang="en-US" sz="1600" dirty="0">
+                <a:latin typeface="Calibri" pitchFamily="34" charset="0"/>
+              </a:rPr>
+              <a:t> Segmentations of “Call Me Maybe” using </a:t>
             </a:r>
             <a:r>
               <a:rPr lang="en-US" sz="1600" dirty="0" err="1">
@@ -6824,7 +6824,7 @@
               <a:rPr lang="en-US" sz="1600" dirty="0">
                 <a:latin typeface="Calibri" pitchFamily="34" charset="0"/>
               </a:rPr>
-              <a:t> (top) and manual (bottom) segmentations of “Call Me Maybe”</a:t>
+              <a:t> (top) and manually (bottom)</a:t>
             </a:r>
           </a:p>
         </p:txBody>

--- a/poster.pptx
+++ b/poster.pptx
@@ -2692,19 +2692,7 @@
               <a:rPr lang="en-US" sz="2000" dirty="0">
                 <a:latin typeface="Calibri" pitchFamily="34" charset="0"/>
               </a:rPr>
-              <a:t> generally segmented the song well, but occasionally halfway through the chorus </a:t>
-            </a:r>
-            <a:r>
-              <a:rPr lang="en-US" sz="2000" dirty="0">
-                <a:latin typeface="Calibri" pitchFamily="34" charset="0"/>
-              </a:rPr>
-              <a:t>(precision 0.71, recall 0.83)</a:t>
-            </a:r>
-            <a:r>
-              <a:rPr lang="en-US" sz="2000" dirty="0">
-                <a:latin typeface="Calibri" pitchFamily="34" charset="0"/>
-              </a:rPr>
-              <a:t>. And on “Firework” by Katy Perry, the segmentations found were generally accurate, but it did not identify all of them, indicating that the algorithm parameters could be better tuned.</a:t>
+              <a:t> generally segmented the song well, but occasionally halfway through the chorus (precision 0.71, recall 0.83). And on “Firework” by Katy Perry, the segmentations found were generally accurate, but it did not identify all of them, indicating that the algorithm parameters could be better tuned.</a:t>
             </a:r>
           </a:p>
           <a:p>
@@ -3568,7 +3556,6 @@
               <a:rPr lang="en-US" sz="2000" dirty="0"/>
               <a:t>, Brian, and Dan Ellis. "Analyzing Song Structure with Spectral Clustering." ISMIR. 2014.</a:t>
             </a:r>
-            <a:endParaRPr lang="en-US" sz="2000" dirty="0"/>
           </a:p>
         </p:txBody>
       </p:sp>
@@ -3737,7 +3724,7 @@
               <a:rPr lang="en-US" sz="2000" dirty="0">
                 <a:latin typeface="Calibri" pitchFamily="34" charset="0"/>
               </a:rPr>
-              <a:t>It is well-known that repetition is fundamental to music; it both gives music structure and allows humans to perceive this structure. In particular, pop songs often repeat the verse and chorus, but in different patterns. Approaches to automatically and computationally analyzing this structure often involve detecting patterns in a self-similarity matrix of spectral features.</a:t>
+              <a:t>It is well-known that repetition is fundamental to music; it both gives music structure and allows humans to perceive this structure. In particular, pop songs often repeat the verse and chorus to create structure. Approaches to automatically and computationally analyzing this structure often involve detecting patterns in a self-similarity matrix of spectral features.</a:t>
             </a:r>
           </a:p>
           <a:p>
@@ -3875,7 +3862,7 @@
         <p:spPr bwMode="auto">
           <a:xfrm>
             <a:off x="11521440" y="8737601"/>
-            <a:ext cx="9875520" cy="3583339"/>
+            <a:ext cx="9875520" cy="3891116"/>
           </a:xfrm>
           <a:prstGeom prst="rect">
             <a:avLst/>
@@ -4012,19 +3999,7 @@
               <a:rPr lang="en-US" sz="2000" dirty="0">
                 <a:latin typeface="Calibri" pitchFamily="34" charset="0"/>
               </a:rPr>
-              <a:t> on a dataset of ten pop songs, chosen </a:t>
-            </a:r>
-            <a:r>
-              <a:rPr lang="en-US" sz="2000" dirty="0" err="1">
-                <a:latin typeface="Calibri" pitchFamily="34" charset="0"/>
-              </a:rPr>
-              <a:t>semirandomly</a:t>
-            </a:r>
-            <a:r>
-              <a:rPr lang="en-US" sz="2000" dirty="0">
-                <a:latin typeface="Calibri" pitchFamily="34" charset="0"/>
-              </a:rPr>
-              <a:t> from a list of all-time most popular songs. In each case, we compared the boundaries identified to manually identified boundaries, obtained by group members listening to each song and noting transitions between sections. We define a segment boundary as correct if it is within two beats of an actual boundary.</a:t>
+              <a:t> on a dataset of ten pop songs, chosen semi-randomly from a list of all-time most popular songs. In each case, we compared the boundaries identified to manually identified boundaries, obtained by group members listening to each song and noting transitions between sections. We define a segment boundary as correct if it is within two beats of an actual boundary, to account for difficulties in beat tracking and precise manual segmentation.</a:t>
             </a:r>
           </a:p>
           <a:p>
@@ -4051,7 +4026,19 @@
               <a:rPr lang="en-US" sz="2000" dirty="0">
                 <a:latin typeface="Calibri" pitchFamily="34" charset="0"/>
               </a:rPr>
-              <a:t>, tempo, and timbre features).</a:t>
+              <a:t>, tempo, and </a:t>
+            </a:r>
+            <a:r>
+              <a:rPr lang="en-US" sz="2000" dirty="0" err="1">
+                <a:latin typeface="Calibri" pitchFamily="34" charset="0"/>
+              </a:rPr>
+              <a:t>mfcc</a:t>
+            </a:r>
+            <a:r>
+              <a:rPr lang="en-US" sz="2000" dirty="0">
+                <a:latin typeface="Calibri" pitchFamily="34" charset="0"/>
+              </a:rPr>
+              <a:t> features).</a:t>
             </a:r>
           </a:p>
           <a:p>
@@ -4127,8 +4114,8 @@
           </a:p>
         </p:txBody>
       </p:sp>
-      <mc:AlternateContent xmlns:mc="http://schemas.openxmlformats.org/markup-compatibility/2006">
-        <mc:Choice xmlns:a14="http://schemas.microsoft.com/office/drawing/2010/main" Requires="a14">
+      <mc:AlternateContent xmlns:mc="http://schemas.openxmlformats.org/markup-compatibility/2006" xmlns:a14="http://schemas.microsoft.com/office/drawing/2010/main">
+        <mc:Choice Requires="a14">
           <p:sp>
             <p:nvSpPr>
               <p:cNvPr id="13" name="Text Box 192"/>
@@ -4555,7 +4542,7 @@
             </p:txBody>
           </p:sp>
         </mc:Choice>
-        <mc:Fallback>
+        <mc:Fallback xmlns="">
           <p:sp>
             <p:nvSpPr>
               <p:cNvPr id="13" name="Text Box 192"/>
@@ -4921,14 +4908,14 @@
           <p:nvPr>
             <p:extLst>
               <p:ext uri="{D42A27DB-BD31-4B8C-83A1-F6EECF244321}">
-                <p14:modId xmlns:p14="http://schemas.microsoft.com/office/powerpoint/2010/main" val="3048956986"/>
+                <p14:modId xmlns:p14="http://schemas.microsoft.com/office/powerpoint/2010/main" val="493723386"/>
               </p:ext>
             </p:extLst>
           </p:nvPr>
         </p:nvGraphicFramePr>
         <p:xfrm>
-          <a:off x="11521438" y="12420600"/>
-          <a:ext cx="9875524" cy="6216996"/>
+          <a:off x="11521438" y="12793542"/>
+          <a:ext cx="9875524" cy="5844048"/>
         </p:xfrm>
         <a:graphic>
           <a:graphicData uri="http://schemas.openxmlformats.org/drawingml/2006/table">
@@ -4966,7 +4953,7 @@
                   </a:extLst>
                 </a:gridCol>
               </a:tblGrid>
-              <a:tr h="518083">
+              <a:tr h="487004">
                 <a:tc>
                   <a:txBody>
                     <a:bodyPr/>
@@ -5049,7 +5036,7 @@
                   </a:ext>
                 </a:extLst>
               </a:tr>
-              <a:tr h="518083">
+              <a:tr h="487004">
                 <a:tc>
                   <a:txBody>
                     <a:bodyPr/>
@@ -5117,7 +5104,7 @@
                   </a:ext>
                 </a:extLst>
               </a:tr>
-              <a:tr h="518083">
+              <a:tr h="487004">
                 <a:tc>
                   <a:txBody>
                     <a:bodyPr/>
@@ -5180,7 +5167,7 @@
                   </a:ext>
                 </a:extLst>
               </a:tr>
-              <a:tr h="518083">
+              <a:tr h="487004">
                 <a:tc>
                   <a:txBody>
                     <a:bodyPr/>
@@ -5243,7 +5230,7 @@
                   </a:ext>
                 </a:extLst>
               </a:tr>
-              <a:tr h="518083">
+              <a:tr h="487004">
                 <a:tc>
                   <a:txBody>
                     <a:bodyPr/>
@@ -5306,7 +5293,7 @@
                   </a:ext>
                 </a:extLst>
               </a:tr>
-              <a:tr h="518083">
+              <a:tr h="487004">
                 <a:tc>
                   <a:txBody>
                     <a:bodyPr/>
@@ -5374,7 +5361,7 @@
                   </a:ext>
                 </a:extLst>
               </a:tr>
-              <a:tr h="518083">
+              <a:tr h="487004">
                 <a:tc>
                   <a:txBody>
                     <a:bodyPr/>
@@ -5437,7 +5424,7 @@
                   </a:ext>
                 </a:extLst>
               </a:tr>
-              <a:tr h="518083">
+              <a:tr h="487004">
                 <a:tc>
                   <a:txBody>
                     <a:bodyPr/>
@@ -5505,7 +5492,7 @@
                   </a:ext>
                 </a:extLst>
               </a:tr>
-              <a:tr h="518083">
+              <a:tr h="487004">
                 <a:tc>
                   <a:txBody>
                     <a:bodyPr/>
@@ -5568,7 +5555,7 @@
                   </a:ext>
                 </a:extLst>
               </a:tr>
-              <a:tr h="518083">
+              <a:tr h="487004">
                 <a:tc>
                   <a:txBody>
                     <a:bodyPr/>
@@ -5631,7 +5618,7 @@
                   </a:ext>
                 </a:extLst>
               </a:tr>
-              <a:tr h="518083">
+              <a:tr h="487004">
                 <a:tc>
                   <a:txBody>
                     <a:bodyPr/>
@@ -5694,7 +5681,7 @@
                   </a:ext>
                 </a:extLst>
               </a:tr>
-              <a:tr h="518083">
+              <a:tr h="487004">
                 <a:tc>
                   <a:txBody>
                     <a:bodyPr/>
@@ -5772,7 +5759,7 @@
         <p:spPr bwMode="auto">
           <a:xfrm>
             <a:off x="1097280" y="8737602"/>
-            <a:ext cx="9875520" cy="5122222"/>
+            <a:ext cx="9875520" cy="5429998"/>
           </a:xfrm>
           <a:prstGeom prst="rect">
             <a:avLst/>
@@ -5957,7 +5944,7 @@
               <a:rPr lang="en-US" sz="2000" dirty="0">
                 <a:latin typeface="+mn-lt"/>
               </a:rPr>
-              <a:t> in the literature.</a:t>
+              <a:t> in the literature and our own testing.</a:t>
             </a:r>
           </a:p>
           <a:p>
@@ -6035,7 +6022,7 @@
               <a:rPr lang="en-US" sz="2000" dirty="0">
                 <a:latin typeface="+mn-lt"/>
               </a:rPr>
-              <a:t> is computed and stored in the self-similarity matrix. Distances are computed using the </a:t>
+              <a:t> is computed and stored in a beat-synced self-similarity matrix. Distances are computed using the </a:t>
             </a:r>
             <a:r>
               <a:rPr lang="en-US" sz="2000" dirty="0" err="1">
@@ -6047,7 +6034,7 @@
               <a:rPr lang="en-US" sz="2000" dirty="0">
                 <a:latin typeface="+mn-lt"/>
               </a:rPr>
-              <a:t> norm, though others (including cosine, Euclidean, and correlation) have been tested. Finally, we aggregate features that belong to the same beat by taking their median, which reduces dimensionality, increases computational efficiency, and gives each feature vector more meaning.</a:t>
+              <a:t> norm, as preliminary testing showed this gave the best results. Finally, we aggregate features that belong to the same beat by taking their median, which reduces dimensionality, increases computational efficiency, and gives each feature vector more meaning.</a:t>
             </a:r>
           </a:p>
         </p:txBody>
